--- a/lectures/Elicitation.pptx
+++ b/lectures/Elicitation.pptx
@@ -5,7 +5,7 @@
     <p:sldMasterId id="2147483648" r:id="rId1"/>
   </p:sldMasterIdLst>
   <p:notesMasterIdLst>
-    <p:notesMasterId r:id="rId21"/>
+    <p:notesMasterId r:id="rId29"/>
   </p:notesMasterIdLst>
   <p:sldIdLst>
     <p:sldId id="256" r:id="rId2"/>
@@ -21,12 +21,20 @@
     <p:sldId id="295" r:id="rId12"/>
     <p:sldId id="296" r:id="rId13"/>
     <p:sldId id="272" r:id="rId14"/>
-    <p:sldId id="302" r:id="rId15"/>
-    <p:sldId id="297" r:id="rId16"/>
-    <p:sldId id="298" r:id="rId17"/>
-    <p:sldId id="299" r:id="rId18"/>
-    <p:sldId id="300" r:id="rId19"/>
-    <p:sldId id="267" r:id="rId20"/>
+    <p:sldId id="305" r:id="rId15"/>
+    <p:sldId id="304" r:id="rId16"/>
+    <p:sldId id="302" r:id="rId17"/>
+    <p:sldId id="297" r:id="rId18"/>
+    <p:sldId id="298" r:id="rId19"/>
+    <p:sldId id="299" r:id="rId20"/>
+    <p:sldId id="300" r:id="rId21"/>
+    <p:sldId id="306" r:id="rId22"/>
+    <p:sldId id="308" r:id="rId23"/>
+    <p:sldId id="309" r:id="rId24"/>
+    <p:sldId id="307" r:id="rId25"/>
+    <p:sldId id="310" r:id="rId26"/>
+    <p:sldId id="311" r:id="rId27"/>
+    <p:sldId id="267" r:id="rId28"/>
   </p:sldIdLst>
   <p:sldSz cx="12192000" cy="6858000"/>
   <p:notesSz cx="6858000" cy="9144000"/>
@@ -136,7 +144,7 @@
 <file path=ppt/revisionInfo.xml><?xml version="1.0" encoding="utf-8"?>
 <p1510:revInfo xmlns:a="http://schemas.openxmlformats.org/drawingml/2006/main" xmlns:r="http://schemas.openxmlformats.org/officeDocument/2006/relationships" xmlns:p1510="http://schemas.microsoft.com/office/powerpoint/2015/10/main">
   <p1510:revLst>
-    <p1510:client id="{4F588510-D35B-8E48-87A9-C94FB4467BFD}" v="10" dt="2018-10-09T00:37:22.170"/>
+    <p1510:client id="{4F588510-D35B-8E48-87A9-C94FB4467BFD}" v="41" dt="2018-10-11T00:51:18.712"/>
   </p1510:revLst>
 </p1510:revInfo>
 </file>
@@ -146,7 +154,7 @@
   <pc:docChgLst>
     <pc:chgData name="Michaeljon Miller" userId="c575fe5cddd8b8cf" providerId="LiveId" clId="{4F588510-D35B-8E48-87A9-C94FB4467BFD}"/>
     <pc:docChg chg="undo custSel addSld modSld">
-      <pc:chgData name="Michaeljon Miller" userId="c575fe5cddd8b8cf" providerId="LiveId" clId="{4F588510-D35B-8E48-87A9-C94FB4467BFD}" dt="2018-10-09T00:44:49.153" v="1331" actId="20577"/>
+      <pc:chgData name="Michaeljon Miller" userId="c575fe5cddd8b8cf" providerId="LiveId" clId="{4F588510-D35B-8E48-87A9-C94FB4467BFD}" dt="2018-10-11T00:53:38.750" v="3662" actId="20577"/>
       <pc:docMkLst>
         <pc:docMk/>
       </pc:docMkLst>
@@ -353,6 +361,53 @@
           </ac:spMkLst>
         </pc:spChg>
       </pc:sldChg>
+      <pc:sldChg chg="modSp modAnim">
+        <pc:chgData name="Michaeljon Miller" userId="c575fe5cddd8b8cf" providerId="LiveId" clId="{4F588510-D35B-8E48-87A9-C94FB4467BFD}" dt="2018-10-11T00:41:05.320" v="1910" actId="13822"/>
+        <pc:sldMkLst>
+          <pc:docMk/>
+          <pc:sldMk cId="1029403735" sldId="299"/>
+        </pc:sldMkLst>
+        <pc:spChg chg="mod">
+          <ac:chgData name="Michaeljon Miller" userId="c575fe5cddd8b8cf" providerId="LiveId" clId="{4F588510-D35B-8E48-87A9-C94FB4467BFD}" dt="2018-10-11T00:40:54.504" v="1909" actId="13822"/>
+          <ac:spMkLst>
+            <pc:docMk/>
+            <pc:sldMk cId="1029403735" sldId="299"/>
+            <ac:spMk id="4" creationId="{00000000-0000-0000-0000-000000000000}"/>
+          </ac:spMkLst>
+        </pc:spChg>
+        <pc:spChg chg="mod">
+          <ac:chgData name="Michaeljon Miller" userId="c575fe5cddd8b8cf" providerId="LiveId" clId="{4F588510-D35B-8E48-87A9-C94FB4467BFD}" dt="2018-10-11T00:41:05.320" v="1910" actId="13822"/>
+          <ac:spMkLst>
+            <pc:docMk/>
+            <pc:sldMk cId="1029403735" sldId="299"/>
+            <ac:spMk id="5" creationId="{00000000-0000-0000-0000-000000000000}"/>
+          </ac:spMkLst>
+        </pc:spChg>
+        <pc:spChg chg="mod">
+          <ac:chgData name="Michaeljon Miller" userId="c575fe5cddd8b8cf" providerId="LiveId" clId="{4F588510-D35B-8E48-87A9-C94FB4467BFD}" dt="2018-10-11T00:40:54.504" v="1909" actId="13822"/>
+          <ac:spMkLst>
+            <pc:docMk/>
+            <pc:sldMk cId="1029403735" sldId="299"/>
+            <ac:spMk id="6" creationId="{00000000-0000-0000-0000-000000000000}"/>
+          </ac:spMkLst>
+        </pc:spChg>
+        <pc:spChg chg="mod">
+          <ac:chgData name="Michaeljon Miller" userId="c575fe5cddd8b8cf" providerId="LiveId" clId="{4F588510-D35B-8E48-87A9-C94FB4467BFD}" dt="2018-10-11T00:40:54.504" v="1909" actId="13822"/>
+          <ac:spMkLst>
+            <pc:docMk/>
+            <pc:sldMk cId="1029403735" sldId="299"/>
+            <ac:spMk id="8" creationId="{00000000-0000-0000-0000-000000000000}"/>
+          </ac:spMkLst>
+        </pc:spChg>
+        <pc:spChg chg="mod">
+          <ac:chgData name="Michaeljon Miller" userId="c575fe5cddd8b8cf" providerId="LiveId" clId="{4F588510-D35B-8E48-87A9-C94FB4467BFD}" dt="2018-10-11T00:41:05.320" v="1910" actId="13822"/>
+          <ac:spMkLst>
+            <pc:docMk/>
+            <pc:sldMk cId="1029403735" sldId="299"/>
+            <ac:spMk id="9" creationId="{00000000-0000-0000-0000-000000000000}"/>
+          </ac:spMkLst>
+        </pc:spChg>
+      </pc:sldChg>
       <pc:sldChg chg="modSp">
         <pc:chgData name="Michaeljon Miller" userId="c575fe5cddd8b8cf" providerId="LiveId" clId="{4F588510-D35B-8E48-87A9-C94FB4467BFD}" dt="2018-10-08T03:01:35.124" v="7" actId="12"/>
         <pc:sldMkLst>
@@ -391,8 +446,8 @@
           </ac:spMkLst>
         </pc:spChg>
       </pc:sldChg>
-      <pc:sldChg chg="addSp delSp modSp add">
-        <pc:chgData name="Michaeljon Miller" userId="c575fe5cddd8b8cf" providerId="LiveId" clId="{4F588510-D35B-8E48-87A9-C94FB4467BFD}" dt="2018-10-09T00:32:40.734" v="1125" actId="20577"/>
+      <pc:sldChg chg="addSp delSp modSp add modAnim">
+        <pc:chgData name="Michaeljon Miller" userId="c575fe5cddd8b8cf" providerId="LiveId" clId="{4F588510-D35B-8E48-87A9-C94FB4467BFD}" dt="2018-10-11T00:38:54.539" v="1904"/>
         <pc:sldMkLst>
           <pc:docMk/>
           <pc:sldMk cId="3673056586" sldId="302"/>
@@ -482,6 +537,310 @@
             <pc:docMk/>
             <pc:sldMk cId="2417186855" sldId="303"/>
             <ac:spMk id="7" creationId="{F6642FD3-A4B3-CF44-A3AC-5990C0267F62}"/>
+          </ac:spMkLst>
+        </pc:spChg>
+      </pc:sldChg>
+      <pc:sldChg chg="addSp delSp modSp add modAnim">
+        <pc:chgData name="Michaeljon Miller" userId="c575fe5cddd8b8cf" providerId="LiveId" clId="{4F588510-D35B-8E48-87A9-C94FB4467BFD}" dt="2018-10-11T00:24:29.242" v="1773"/>
+        <pc:sldMkLst>
+          <pc:docMk/>
+          <pc:sldMk cId="1794730619" sldId="304"/>
+        </pc:sldMkLst>
+        <pc:spChg chg="del">
+          <ac:chgData name="Michaeljon Miller" userId="c575fe5cddd8b8cf" providerId="LiveId" clId="{4F588510-D35B-8E48-87A9-C94FB4467BFD}" dt="2018-10-11T00:21:19.995" v="1333"/>
+          <ac:spMkLst>
+            <pc:docMk/>
+            <pc:sldMk cId="1794730619" sldId="304"/>
+            <ac:spMk id="2" creationId="{ABF3919F-9D44-4744-B49C-2F482B55B7AD}"/>
+          </ac:spMkLst>
+        </pc:spChg>
+        <pc:spChg chg="del">
+          <ac:chgData name="Michaeljon Miller" userId="c575fe5cddd8b8cf" providerId="LiveId" clId="{4F588510-D35B-8E48-87A9-C94FB4467BFD}" dt="2018-10-11T00:21:19.995" v="1333"/>
+          <ac:spMkLst>
+            <pc:docMk/>
+            <pc:sldMk cId="1794730619" sldId="304"/>
+            <ac:spMk id="3" creationId="{0D93BC26-3D8C-DC4A-A654-2E284F106A4F}"/>
+          </ac:spMkLst>
+        </pc:spChg>
+        <pc:spChg chg="add mod">
+          <ac:chgData name="Michaeljon Miller" userId="c575fe5cddd8b8cf" providerId="LiveId" clId="{4F588510-D35B-8E48-87A9-C94FB4467BFD}" dt="2018-10-11T00:21:30.096" v="1371" actId="20577"/>
+          <ac:spMkLst>
+            <pc:docMk/>
+            <pc:sldMk cId="1794730619" sldId="304"/>
+            <ac:spMk id="4" creationId="{B1D3C1EF-0BFF-1043-8514-2FAB71A815A6}"/>
+          </ac:spMkLst>
+        </pc:spChg>
+        <pc:spChg chg="add mod">
+          <ac:chgData name="Michaeljon Miller" userId="c575fe5cddd8b8cf" providerId="LiveId" clId="{4F588510-D35B-8E48-87A9-C94FB4467BFD}" dt="2018-10-11T00:24:14.958" v="1772" actId="114"/>
+          <ac:spMkLst>
+            <pc:docMk/>
+            <pc:sldMk cId="1794730619" sldId="304"/>
+            <ac:spMk id="5" creationId="{32DCE9BF-0046-8342-ABE0-A93338D9B1E2}"/>
+          </ac:spMkLst>
+        </pc:spChg>
+      </pc:sldChg>
+      <pc:sldChg chg="addSp delSp modSp add">
+        <pc:chgData name="Michaeljon Miller" userId="c575fe5cddd8b8cf" providerId="LiveId" clId="{4F588510-D35B-8E48-87A9-C94FB4467BFD}" dt="2018-10-11T00:37:54.827" v="1896" actId="114"/>
+        <pc:sldMkLst>
+          <pc:docMk/>
+          <pc:sldMk cId="1241367243" sldId="305"/>
+        </pc:sldMkLst>
+        <pc:spChg chg="del">
+          <ac:chgData name="Michaeljon Miller" userId="c575fe5cddd8b8cf" providerId="LiveId" clId="{4F588510-D35B-8E48-87A9-C94FB4467BFD}" dt="2018-10-11T00:34:14.014" v="1775"/>
+          <ac:spMkLst>
+            <pc:docMk/>
+            <pc:sldMk cId="1241367243" sldId="305"/>
+            <ac:spMk id="2" creationId="{B11C0055-6B5D-4040-AEF1-1773F242D716}"/>
+          </ac:spMkLst>
+        </pc:spChg>
+        <pc:spChg chg="del">
+          <ac:chgData name="Michaeljon Miller" userId="c575fe5cddd8b8cf" providerId="LiveId" clId="{4F588510-D35B-8E48-87A9-C94FB4467BFD}" dt="2018-10-11T00:34:14.014" v="1775"/>
+          <ac:spMkLst>
+            <pc:docMk/>
+            <pc:sldMk cId="1241367243" sldId="305"/>
+            <ac:spMk id="3" creationId="{666CC162-8FC3-3344-8F7F-FEE8438DC454}"/>
+          </ac:spMkLst>
+        </pc:spChg>
+        <pc:spChg chg="add mod">
+          <ac:chgData name="Michaeljon Miller" userId="c575fe5cddd8b8cf" providerId="LiveId" clId="{4F588510-D35B-8E48-87A9-C94FB4467BFD}" dt="2018-10-11T00:34:20.390" v="1789" actId="20577"/>
+          <ac:spMkLst>
+            <pc:docMk/>
+            <pc:sldMk cId="1241367243" sldId="305"/>
+            <ac:spMk id="4" creationId="{FDAFA125-FDD5-F34F-9450-FC75DC69E259}"/>
+          </ac:spMkLst>
+        </pc:spChg>
+        <pc:spChg chg="add mod">
+          <ac:chgData name="Michaeljon Miller" userId="c575fe5cddd8b8cf" providerId="LiveId" clId="{4F588510-D35B-8E48-87A9-C94FB4467BFD}" dt="2018-10-11T00:37:54.827" v="1896" actId="114"/>
+          <ac:spMkLst>
+            <pc:docMk/>
+            <pc:sldMk cId="1241367243" sldId="305"/>
+            <ac:spMk id="5" creationId="{33ABA470-D63A-E643-A210-BCCB2A8CCF96}"/>
+          </ac:spMkLst>
+        </pc:spChg>
+      </pc:sldChg>
+      <pc:sldChg chg="addSp delSp modSp add">
+        <pc:chgData name="Michaeljon Miller" userId="c575fe5cddd8b8cf" providerId="LiveId" clId="{4F588510-D35B-8E48-87A9-C94FB4467BFD}" dt="2018-10-11T00:44:03.643" v="1949" actId="20577"/>
+        <pc:sldMkLst>
+          <pc:docMk/>
+          <pc:sldMk cId="1013283724" sldId="306"/>
+        </pc:sldMkLst>
+        <pc:spChg chg="mod">
+          <ac:chgData name="Michaeljon Miller" userId="c575fe5cddd8b8cf" providerId="LiveId" clId="{4F588510-D35B-8E48-87A9-C94FB4467BFD}" dt="2018-10-11T00:43:49.170" v="1926" actId="20577"/>
+          <ac:spMkLst>
+            <pc:docMk/>
+            <pc:sldMk cId="1013283724" sldId="306"/>
+            <ac:spMk id="4" creationId="{00000000-0000-0000-0000-000000000000}"/>
+          </ac:spMkLst>
+        </pc:spChg>
+        <pc:spChg chg="mod">
+          <ac:chgData name="Michaeljon Miller" userId="c575fe5cddd8b8cf" providerId="LiveId" clId="{4F588510-D35B-8E48-87A9-C94FB4467BFD}" dt="2018-10-11T00:44:03.643" v="1949" actId="20577"/>
+          <ac:spMkLst>
+            <pc:docMk/>
+            <pc:sldMk cId="1013283724" sldId="306"/>
+            <ac:spMk id="5" creationId="{00000000-0000-0000-0000-000000000000}"/>
+          </ac:spMkLst>
+        </pc:spChg>
+        <pc:grpChg chg="del">
+          <ac:chgData name="Michaeljon Miller" userId="c575fe5cddd8b8cf" providerId="LiveId" clId="{4F588510-D35B-8E48-87A9-C94FB4467BFD}" dt="2018-10-11T00:43:25.869" v="1912" actId="478"/>
+          <ac:grpSpMkLst>
+            <pc:docMk/>
+            <pc:sldMk cId="1013283724" sldId="306"/>
+            <ac:grpSpMk id="6" creationId="{8B61F2AE-F218-C94B-9493-F62B2E312D1E}"/>
+          </ac:grpSpMkLst>
+        </pc:grpChg>
+        <pc:grpChg chg="add">
+          <ac:chgData name="Michaeljon Miller" userId="c575fe5cddd8b8cf" providerId="LiveId" clId="{4F588510-D35B-8E48-87A9-C94FB4467BFD}" dt="2018-10-11T00:43:41.227" v="1913"/>
+          <ac:grpSpMkLst>
+            <pc:docMk/>
+            <pc:sldMk cId="1013283724" sldId="306"/>
+            <ac:grpSpMk id="21" creationId="{66F29926-1CC9-724C-BCBC-10945CD0CCE8}"/>
+          </ac:grpSpMkLst>
+        </pc:grpChg>
+        <pc:cxnChg chg="mod">
+          <ac:chgData name="Michaeljon Miller" userId="c575fe5cddd8b8cf" providerId="LiveId" clId="{4F588510-D35B-8E48-87A9-C94FB4467BFD}" dt="2018-10-11T00:43:25.869" v="1912" actId="478"/>
+          <ac:cxnSpMkLst>
+            <pc:docMk/>
+            <pc:sldMk cId="1013283724" sldId="306"/>
+            <ac:cxnSpMk id="11" creationId="{D0029510-70DE-FB48-96F7-FF6DB98B6717}"/>
+          </ac:cxnSpMkLst>
+        </pc:cxnChg>
+        <pc:cxnChg chg="mod">
+          <ac:chgData name="Michaeljon Miller" userId="c575fe5cddd8b8cf" providerId="LiveId" clId="{4F588510-D35B-8E48-87A9-C94FB4467BFD}" dt="2018-10-11T00:43:25.869" v="1912" actId="478"/>
+          <ac:cxnSpMkLst>
+            <pc:docMk/>
+            <pc:sldMk cId="1013283724" sldId="306"/>
+            <ac:cxnSpMk id="12" creationId="{10A93CE1-5C25-6541-BBDC-556DB9CADA29}"/>
+          </ac:cxnSpMkLst>
+        </pc:cxnChg>
+        <pc:cxnChg chg="mod">
+          <ac:chgData name="Michaeljon Miller" userId="c575fe5cddd8b8cf" providerId="LiveId" clId="{4F588510-D35B-8E48-87A9-C94FB4467BFD}" dt="2018-10-11T00:43:25.869" v="1912" actId="478"/>
+          <ac:cxnSpMkLst>
+            <pc:docMk/>
+            <pc:sldMk cId="1013283724" sldId="306"/>
+            <ac:cxnSpMk id="13" creationId="{A7C5AED5-F480-AD49-B0CC-596ECA1BCC87}"/>
+          </ac:cxnSpMkLst>
+        </pc:cxnChg>
+        <pc:cxnChg chg="mod">
+          <ac:chgData name="Michaeljon Miller" userId="c575fe5cddd8b8cf" providerId="LiveId" clId="{4F588510-D35B-8E48-87A9-C94FB4467BFD}" dt="2018-10-11T00:43:25.869" v="1912" actId="478"/>
+          <ac:cxnSpMkLst>
+            <pc:docMk/>
+            <pc:sldMk cId="1013283724" sldId="306"/>
+            <ac:cxnSpMk id="14" creationId="{7754DCA3-7A05-F34A-A470-F4E00769C41D}"/>
+          </ac:cxnSpMkLst>
+        </pc:cxnChg>
+      </pc:sldChg>
+      <pc:sldChg chg="addSp modSp add">
+        <pc:chgData name="Michaeljon Miller" userId="c575fe5cddd8b8cf" providerId="LiveId" clId="{4F588510-D35B-8E48-87A9-C94FB4467BFD}" dt="2018-10-11T00:44:37.828" v="2033"/>
+        <pc:sldMkLst>
+          <pc:docMk/>
+          <pc:sldMk cId="2679237590" sldId="307"/>
+        </pc:sldMkLst>
+        <pc:spChg chg="mod">
+          <ac:chgData name="Michaeljon Miller" userId="c575fe5cddd8b8cf" providerId="LiveId" clId="{4F588510-D35B-8E48-87A9-C94FB4467BFD}" dt="2018-10-11T00:44:16.190" v="1983" actId="20577"/>
+          <ac:spMkLst>
+            <pc:docMk/>
+            <pc:sldMk cId="2679237590" sldId="307"/>
+            <ac:spMk id="2" creationId="{8C87A28A-8913-3349-B068-59AB1B6B8E03}"/>
+          </ac:spMkLst>
+        </pc:spChg>
+        <pc:spChg chg="mod">
+          <ac:chgData name="Michaeljon Miller" userId="c575fe5cddd8b8cf" providerId="LiveId" clId="{4F588510-D35B-8E48-87A9-C94FB4467BFD}" dt="2018-10-11T00:44:24.801" v="2032" actId="20577"/>
+          <ac:spMkLst>
+            <pc:docMk/>
+            <pc:sldMk cId="2679237590" sldId="307"/>
+            <ac:spMk id="3" creationId="{567A1D4A-9302-4444-AD87-6CAF1CEC255C}"/>
+          </ac:spMkLst>
+        </pc:spChg>
+        <pc:grpChg chg="add">
+          <ac:chgData name="Michaeljon Miller" userId="c575fe5cddd8b8cf" providerId="LiveId" clId="{4F588510-D35B-8E48-87A9-C94FB4467BFD}" dt="2018-10-11T00:44:37.828" v="2033"/>
+          <ac:grpSpMkLst>
+            <pc:docMk/>
+            <pc:sldMk cId="2679237590" sldId="307"/>
+            <ac:grpSpMk id="4" creationId="{A61EF9E8-758A-A24B-A344-3247A6E9A600}"/>
+          </ac:grpSpMkLst>
+        </pc:grpChg>
+      </pc:sldChg>
+      <pc:sldChg chg="addSp delSp modSp add">
+        <pc:chgData name="Michaeljon Miller" userId="c575fe5cddd8b8cf" providerId="LiveId" clId="{4F588510-D35B-8E48-87A9-C94FB4467BFD}" dt="2018-10-11T00:46:52.541" v="2421" actId="20577"/>
+        <pc:sldMkLst>
+          <pc:docMk/>
+          <pc:sldMk cId="1354758252" sldId="308"/>
+        </pc:sldMkLst>
+        <pc:spChg chg="del">
+          <ac:chgData name="Michaeljon Miller" userId="c575fe5cddd8b8cf" providerId="LiveId" clId="{4F588510-D35B-8E48-87A9-C94FB4467BFD}" dt="2018-10-11T00:44:43.907" v="2035"/>
+          <ac:spMkLst>
+            <pc:docMk/>
+            <pc:sldMk cId="1354758252" sldId="308"/>
+            <ac:spMk id="2" creationId="{E5C10E33-AD38-3446-8533-8A8669D1CC41}"/>
+          </ac:spMkLst>
+        </pc:spChg>
+        <pc:spChg chg="del">
+          <ac:chgData name="Michaeljon Miller" userId="c575fe5cddd8b8cf" providerId="LiveId" clId="{4F588510-D35B-8E48-87A9-C94FB4467BFD}" dt="2018-10-11T00:44:43.907" v="2035"/>
+          <ac:spMkLst>
+            <pc:docMk/>
+            <pc:sldMk cId="1354758252" sldId="308"/>
+            <ac:spMk id="3" creationId="{57A90110-C753-E94B-A4EE-B0595F13B19D}"/>
+          </ac:spMkLst>
+        </pc:spChg>
+        <pc:spChg chg="add mod">
+          <ac:chgData name="Michaeljon Miller" userId="c575fe5cddd8b8cf" providerId="LiveId" clId="{4F588510-D35B-8E48-87A9-C94FB4467BFD}" dt="2018-10-11T00:45:14.928" v="2098" actId="20577"/>
+          <ac:spMkLst>
+            <pc:docMk/>
+            <pc:sldMk cId="1354758252" sldId="308"/>
+            <ac:spMk id="4" creationId="{EF883905-C89C-C74F-901F-0E24C9E129B4}"/>
+          </ac:spMkLst>
+        </pc:spChg>
+        <pc:spChg chg="add mod">
+          <ac:chgData name="Michaeljon Miller" userId="c575fe5cddd8b8cf" providerId="LiveId" clId="{4F588510-D35B-8E48-87A9-C94FB4467BFD}" dt="2018-10-11T00:46:52.541" v="2421" actId="20577"/>
+          <ac:spMkLst>
+            <pc:docMk/>
+            <pc:sldMk cId="1354758252" sldId="308"/>
+            <ac:spMk id="5" creationId="{234799D6-2FE9-084F-8872-67AD8F2D40B9}"/>
+          </ac:spMkLst>
+        </pc:spChg>
+      </pc:sldChg>
+      <pc:sldChg chg="modSp add">
+        <pc:chgData name="Michaeljon Miller" userId="c575fe5cddd8b8cf" providerId="LiveId" clId="{4F588510-D35B-8E48-87A9-C94FB4467BFD}" dt="2018-10-11T00:48:44.825" v="2766" actId="20577"/>
+        <pc:sldMkLst>
+          <pc:docMk/>
+          <pc:sldMk cId="3019035055" sldId="309"/>
+        </pc:sldMkLst>
+        <pc:spChg chg="mod">
+          <ac:chgData name="Michaeljon Miller" userId="c575fe5cddd8b8cf" providerId="LiveId" clId="{4F588510-D35B-8E48-87A9-C94FB4467BFD}" dt="2018-10-11T00:47:39.706" v="2535" actId="20577"/>
+          <ac:spMkLst>
+            <pc:docMk/>
+            <pc:sldMk cId="3019035055" sldId="309"/>
+            <ac:spMk id="2" creationId="{08C9DD47-953A-7946-85E3-E950766EFB96}"/>
+          </ac:spMkLst>
+        </pc:spChg>
+        <pc:spChg chg="mod">
+          <ac:chgData name="Michaeljon Miller" userId="c575fe5cddd8b8cf" providerId="LiveId" clId="{4F588510-D35B-8E48-87A9-C94FB4467BFD}" dt="2018-10-11T00:48:44.825" v="2766" actId="20577"/>
+          <ac:spMkLst>
+            <pc:docMk/>
+            <pc:sldMk cId="3019035055" sldId="309"/>
+            <ac:spMk id="3" creationId="{2DD5D54D-C8E2-6F48-8B0F-BE51740EEF4A}"/>
+          </ac:spMkLst>
+        </pc:spChg>
+      </pc:sldChg>
+      <pc:sldChg chg="addSp delSp modSp add">
+        <pc:chgData name="Michaeljon Miller" userId="c575fe5cddd8b8cf" providerId="LiveId" clId="{4F588510-D35B-8E48-87A9-C94FB4467BFD}" dt="2018-10-11T00:51:15.957" v="3177" actId="121"/>
+        <pc:sldMkLst>
+          <pc:docMk/>
+          <pc:sldMk cId="2015744839" sldId="310"/>
+        </pc:sldMkLst>
+        <pc:spChg chg="del">
+          <ac:chgData name="Michaeljon Miller" userId="c575fe5cddd8b8cf" providerId="LiveId" clId="{4F588510-D35B-8E48-87A9-C94FB4467BFD}" dt="2018-10-11T00:48:53.356" v="2768"/>
+          <ac:spMkLst>
+            <pc:docMk/>
+            <pc:sldMk cId="2015744839" sldId="310"/>
+            <ac:spMk id="2" creationId="{A0189EB0-67DA-464B-8FB7-CA00CCBE0590}"/>
+          </ac:spMkLst>
+        </pc:spChg>
+        <pc:spChg chg="del">
+          <ac:chgData name="Michaeljon Miller" userId="c575fe5cddd8b8cf" providerId="LiveId" clId="{4F588510-D35B-8E48-87A9-C94FB4467BFD}" dt="2018-10-11T00:48:53.356" v="2768"/>
+          <ac:spMkLst>
+            <pc:docMk/>
+            <pc:sldMk cId="2015744839" sldId="310"/>
+            <ac:spMk id="3" creationId="{76F28920-1DA0-3D4A-B3BF-92D67A9A70BE}"/>
+          </ac:spMkLst>
+        </pc:spChg>
+        <pc:spChg chg="add mod">
+          <ac:chgData name="Michaeljon Miller" userId="c575fe5cddd8b8cf" providerId="LiveId" clId="{4F588510-D35B-8E48-87A9-C94FB4467BFD}" dt="2018-10-11T00:49:17.025" v="2794" actId="20577"/>
+          <ac:spMkLst>
+            <pc:docMk/>
+            <pc:sldMk cId="2015744839" sldId="310"/>
+            <ac:spMk id="4" creationId="{8E0281F5-E7FE-E64E-884E-3CD2098EB74B}"/>
+          </ac:spMkLst>
+        </pc:spChg>
+        <pc:spChg chg="add mod">
+          <ac:chgData name="Michaeljon Miller" userId="c575fe5cddd8b8cf" providerId="LiveId" clId="{4F588510-D35B-8E48-87A9-C94FB4467BFD}" dt="2018-10-11T00:51:15.957" v="3177" actId="121"/>
+          <ac:spMkLst>
+            <pc:docMk/>
+            <pc:sldMk cId="2015744839" sldId="310"/>
+            <ac:spMk id="5" creationId="{21B4CB1A-E073-A540-97F4-FDA477A647C4}"/>
+          </ac:spMkLst>
+        </pc:spChg>
+      </pc:sldChg>
+      <pc:sldChg chg="modSp add">
+        <pc:chgData name="Michaeljon Miller" userId="c575fe5cddd8b8cf" providerId="LiveId" clId="{4F588510-D35B-8E48-87A9-C94FB4467BFD}" dt="2018-10-11T00:53:38.750" v="3662" actId="20577"/>
+        <pc:sldMkLst>
+          <pc:docMk/>
+          <pc:sldMk cId="2380343092" sldId="311"/>
+        </pc:sldMkLst>
+        <pc:spChg chg="mod">
+          <ac:chgData name="Michaeljon Miller" userId="c575fe5cddd8b8cf" providerId="LiveId" clId="{4F588510-D35B-8E48-87A9-C94FB4467BFD}" dt="2018-10-11T00:51:29.699" v="3219" actId="20577"/>
+          <ac:spMkLst>
+            <pc:docMk/>
+            <pc:sldMk cId="2380343092" sldId="311"/>
+            <ac:spMk id="2" creationId="{2169B027-A5B7-7E4F-95C4-AC649BE013C0}"/>
+          </ac:spMkLst>
+        </pc:spChg>
+        <pc:spChg chg="mod">
+          <ac:chgData name="Michaeljon Miller" userId="c575fe5cddd8b8cf" providerId="LiveId" clId="{4F588510-D35B-8E48-87A9-C94FB4467BFD}" dt="2018-10-11T00:53:38.750" v="3662" actId="20577"/>
+          <ac:spMkLst>
+            <pc:docMk/>
+            <pc:sldMk cId="2380343092" sldId="311"/>
+            <ac:spMk id="3" creationId="{F513CF64-F196-BC4E-A33B-50A8F9375E2B}"/>
           </ac:spMkLst>
         </pc:spChg>
       </pc:sldChg>
@@ -5581,6 +5940,469 @@
           <p:cNvPr id="4" name="Title 3">
             <a:extLst>
               <a:ext uri="{FF2B5EF4-FFF2-40B4-BE49-F238E27FC236}">
+                <a16:creationId xmlns:a16="http://schemas.microsoft.com/office/drawing/2014/main" id="{FDAFA125-FDD5-F34F-9450-FC75DC69E259}"/>
+              </a:ext>
+            </a:extLst>
+          </p:cNvPr>
+          <p:cNvSpPr>
+            <a:spLocks noGrp="1"/>
+          </p:cNvSpPr>
+          <p:nvPr>
+            <p:ph type="title"/>
+          </p:nvPr>
+        </p:nvSpPr>
+        <p:spPr/>
+        <p:txBody>
+          <a:bodyPr/>
+          <a:lstStyle/>
+          <a:p>
+            <a:r>
+              <a:rPr lang="en-US" dirty="0"/>
+              <a:t>Readings, etc.</a:t>
+            </a:r>
+          </a:p>
+        </p:txBody>
+      </p:sp>
+      <p:sp>
+        <p:nvSpPr>
+          <p:cNvPr id="5" name="Content Placeholder 4">
+            <a:extLst>
+              <a:ext uri="{FF2B5EF4-FFF2-40B4-BE49-F238E27FC236}">
+                <a16:creationId xmlns:a16="http://schemas.microsoft.com/office/drawing/2014/main" id="{33ABA470-D63A-E643-A210-BCCB2A8CCF96}"/>
+              </a:ext>
+            </a:extLst>
+          </p:cNvPr>
+          <p:cNvSpPr>
+            <a:spLocks noGrp="1"/>
+          </p:cNvSpPr>
+          <p:nvPr>
+            <p:ph idx="1"/>
+          </p:nvPr>
+        </p:nvSpPr>
+        <p:spPr/>
+        <p:txBody>
+          <a:bodyPr>
+            <a:normAutofit/>
+          </a:bodyPr>
+          <a:lstStyle/>
+          <a:p>
+            <a:pPr marL="0" indent="0">
+              <a:buNone/>
+            </a:pPr>
+            <a:r>
+              <a:rPr lang="en-US" dirty="0"/>
+              <a:t>Christal - Kang</a:t>
+            </a:r>
+          </a:p>
+          <a:p>
+            <a:pPr marL="0" indent="0" algn="ctr">
+              <a:buNone/>
+            </a:pPr>
+            <a:r>
+              <a:rPr lang="en-US" sz="2400" dirty="0"/>
+              <a:t>Requirements analysis is a process in which “what is to be done” is </a:t>
+            </a:r>
+            <a:r>
+              <a:rPr lang="en-US" sz="2400" b="1" dirty="0"/>
+              <a:t>elicited</a:t>
+            </a:r>
+            <a:r>
+              <a:rPr lang="en-US" sz="2400" dirty="0"/>
+              <a:t> and </a:t>
+            </a:r>
+            <a:r>
+              <a:rPr lang="en-US" sz="2400" b="1" dirty="0"/>
+              <a:t>modeled</a:t>
+            </a:r>
+            <a:r>
+              <a:rPr lang="en-US" sz="2400" dirty="0"/>
+              <a:t>. This process has to deal with difference viewpoints, and it uses a combination of </a:t>
+            </a:r>
+            <a:r>
+              <a:rPr lang="en-US" sz="2400" b="1" dirty="0"/>
+              <a:t>methods</a:t>
+            </a:r>
+            <a:r>
+              <a:rPr lang="en-US" sz="2400" dirty="0"/>
+              <a:t>, </a:t>
+            </a:r>
+            <a:r>
+              <a:rPr lang="en-US" sz="2400" b="1" dirty="0"/>
+              <a:t>tools</a:t>
+            </a:r>
+            <a:r>
+              <a:rPr lang="en-US" sz="2400" dirty="0"/>
+              <a:t>, and </a:t>
+            </a:r>
+            <a:r>
+              <a:rPr lang="en-US" sz="2400" b="1" dirty="0"/>
+              <a:t>actors</a:t>
+            </a:r>
+            <a:r>
+              <a:rPr lang="en-US" sz="2400" dirty="0"/>
+              <a:t>. The product of this process is a model, from which a document, called </a:t>
+            </a:r>
+            <a:r>
+              <a:rPr lang="en-US" sz="2400" b="1" dirty="0"/>
+              <a:t>requirements</a:t>
+            </a:r>
+            <a:r>
+              <a:rPr lang="en-US" sz="2400" dirty="0"/>
+              <a:t>, is produced.</a:t>
+            </a:r>
+            <a:endParaRPr lang="en-US" dirty="0"/>
+          </a:p>
+          <a:p>
+            <a:pPr marL="0" indent="0">
+              <a:buNone/>
+            </a:pPr>
+            <a:endParaRPr lang="en-US" dirty="0"/>
+          </a:p>
+          <a:p>
+            <a:pPr marL="0" indent="0">
+              <a:buNone/>
+            </a:pPr>
+            <a:r>
+              <a:rPr lang="en-US" dirty="0"/>
+              <a:t>Anwar – </a:t>
+            </a:r>
+            <a:r>
+              <a:rPr lang="en-US" dirty="0" err="1"/>
+              <a:t>Razali</a:t>
+            </a:r>
+            <a:endParaRPr lang="en-US" dirty="0"/>
+          </a:p>
+          <a:p>
+            <a:pPr marL="0" indent="0" algn="ctr">
+              <a:buNone/>
+            </a:pPr>
+            <a:r>
+              <a:rPr lang="en-US" sz="2400" dirty="0"/>
+              <a:t>Requirements Elicitation is a complex process as it constitutes </a:t>
+            </a:r>
+            <a:r>
+              <a:rPr lang="en-US" sz="2400" i="1" dirty="0"/>
+              <a:t>seeking</a:t>
+            </a:r>
+            <a:r>
+              <a:rPr lang="en-US" sz="2400" dirty="0"/>
+              <a:t>, </a:t>
+            </a:r>
+            <a:r>
+              <a:rPr lang="en-US" sz="2400" i="1" dirty="0"/>
+              <a:t>determining</a:t>
+            </a:r>
+            <a:r>
+              <a:rPr lang="en-US" sz="2400" dirty="0"/>
+              <a:t>, </a:t>
+            </a:r>
+            <a:r>
+              <a:rPr lang="en-US" sz="2400" i="1" dirty="0"/>
+              <a:t>learning</a:t>
+            </a:r>
+            <a:r>
+              <a:rPr lang="en-US" sz="2400" dirty="0"/>
+              <a:t>, </a:t>
+            </a:r>
+            <a:r>
+              <a:rPr lang="en-US" sz="2400" i="1" dirty="0"/>
+              <a:t>acquiring</a:t>
+            </a:r>
+            <a:r>
+              <a:rPr lang="en-US" sz="2400" dirty="0"/>
+              <a:t>, </a:t>
+            </a:r>
+            <a:r>
+              <a:rPr lang="en-US" sz="2400" i="1" dirty="0"/>
+              <a:t>discovering</a:t>
+            </a:r>
+            <a:r>
+              <a:rPr lang="en-US" sz="2400" dirty="0"/>
+              <a:t> and </a:t>
+            </a:r>
+            <a:r>
+              <a:rPr lang="en-US" sz="2400" i="1" dirty="0"/>
+              <a:t>elaborating</a:t>
+            </a:r>
+            <a:r>
+              <a:rPr lang="en-US" sz="2400" dirty="0"/>
+              <a:t> requirements of potential stakeholders</a:t>
+            </a:r>
+            <a:endParaRPr lang="en-US" dirty="0"/>
+          </a:p>
+          <a:p>
+            <a:pPr marL="0" indent="0">
+              <a:buNone/>
+            </a:pPr>
+            <a:endParaRPr lang="en-US" dirty="0"/>
+          </a:p>
+          <a:p>
+            <a:pPr marL="0" indent="0">
+              <a:buNone/>
+            </a:pPr>
+            <a:endParaRPr lang="en-US" dirty="0"/>
+          </a:p>
+          <a:p>
+            <a:pPr marL="0" indent="0">
+              <a:buNone/>
+            </a:pPr>
+            <a:endParaRPr lang="en-US" dirty="0"/>
+          </a:p>
+        </p:txBody>
+      </p:sp>
+    </p:spTree>
+    <p:extLst>
+      <p:ext uri="{BB962C8B-B14F-4D97-AF65-F5344CB8AC3E}">
+        <p14:creationId xmlns:p14="http://schemas.microsoft.com/office/powerpoint/2010/main" val="1241367243"/>
+      </p:ext>
+    </p:extLst>
+  </p:cSld>
+  <p:clrMapOvr>
+    <a:masterClrMapping/>
+  </p:clrMapOvr>
+</p:sld>
+</file>
+
+<file path=ppt/slides/slide15.xml><?xml version="1.0" encoding="utf-8"?>
+<p:sld xmlns:a="http://schemas.openxmlformats.org/drawingml/2006/main" xmlns:r="http://schemas.openxmlformats.org/officeDocument/2006/relationships" xmlns:p="http://schemas.openxmlformats.org/presentationml/2006/main">
+  <p:cSld>
+    <p:spTree>
+      <p:nvGrpSpPr>
+        <p:cNvPr id="1" name=""/>
+        <p:cNvGrpSpPr/>
+        <p:nvPr/>
+      </p:nvGrpSpPr>
+      <p:grpSpPr>
+        <a:xfrm>
+          <a:off x="0" y="0"/>
+          <a:ext cx="0" cy="0"/>
+          <a:chOff x="0" y="0"/>
+          <a:chExt cx="0" cy="0"/>
+        </a:xfrm>
+      </p:grpSpPr>
+      <p:sp>
+        <p:nvSpPr>
+          <p:cNvPr id="4" name="Title 3">
+            <a:extLst>
+              <a:ext uri="{FF2B5EF4-FFF2-40B4-BE49-F238E27FC236}">
+                <a16:creationId xmlns:a16="http://schemas.microsoft.com/office/drawing/2014/main" id="{B1D3C1EF-0BFF-1043-8514-2FAB71A815A6}"/>
+              </a:ext>
+            </a:extLst>
+          </p:cNvPr>
+          <p:cNvSpPr>
+            <a:spLocks noGrp="1"/>
+          </p:cNvSpPr>
+          <p:nvPr>
+            <p:ph type="title"/>
+          </p:nvPr>
+        </p:nvSpPr>
+        <p:spPr/>
+        <p:txBody>
+          <a:bodyPr/>
+          <a:lstStyle/>
+          <a:p>
+            <a:r>
+              <a:rPr lang="en-US" dirty="0"/>
+              <a:t>What’s this about then</a:t>
+            </a:r>
+          </a:p>
+        </p:txBody>
+      </p:sp>
+      <p:sp>
+        <p:nvSpPr>
+          <p:cNvPr id="5" name="Content Placeholder 4">
+            <a:extLst>
+              <a:ext uri="{FF2B5EF4-FFF2-40B4-BE49-F238E27FC236}">
+                <a16:creationId xmlns:a16="http://schemas.microsoft.com/office/drawing/2014/main" id="{32DCE9BF-0046-8342-ABE0-A93338D9B1E2}"/>
+              </a:ext>
+            </a:extLst>
+          </p:cNvPr>
+          <p:cNvSpPr>
+            <a:spLocks noGrp="1"/>
+          </p:cNvSpPr>
+          <p:nvPr>
+            <p:ph idx="1"/>
+          </p:nvPr>
+        </p:nvSpPr>
+        <p:spPr/>
+        <p:txBody>
+          <a:bodyPr/>
+          <a:lstStyle/>
+          <a:p>
+            <a:pPr marL="0" indent="0">
+              <a:buNone/>
+            </a:pPr>
+            <a:r>
+              <a:rPr lang="en-US" dirty="0"/>
+              <a:t>It’s about refining the requirements to all stakeholders understand</a:t>
+            </a:r>
+          </a:p>
+          <a:p>
+            <a:pPr marL="0" indent="0">
+              <a:buNone/>
+            </a:pPr>
+            <a:r>
+              <a:rPr lang="en-US" dirty="0"/>
+              <a:t>We’re looking for errors, omissions, and deficiencies</a:t>
+            </a:r>
+          </a:p>
+          <a:p>
+            <a:pPr marL="0" indent="0">
+              <a:buNone/>
+            </a:pPr>
+            <a:r>
+              <a:rPr lang="en-US" dirty="0"/>
+              <a:t>We decompose high-level requirements into smaller bites</a:t>
+            </a:r>
+          </a:p>
+          <a:p>
+            <a:pPr marL="0" indent="0">
+              <a:buNone/>
+            </a:pPr>
+            <a:r>
+              <a:rPr lang="en-US" dirty="0"/>
+              <a:t>We’re building prototypes, evaluating feasibility, and prioritizing</a:t>
+            </a:r>
+          </a:p>
+          <a:p>
+            <a:pPr marL="0" indent="0">
+              <a:buNone/>
+            </a:pPr>
+            <a:endParaRPr lang="en-US" dirty="0"/>
+          </a:p>
+          <a:p>
+            <a:pPr marL="0" indent="0">
+              <a:buNone/>
+            </a:pPr>
+            <a:r>
+              <a:rPr lang="en-US" dirty="0"/>
+              <a:t>The goal is to get to a sufficient level of detail that </a:t>
+            </a:r>
+            <a:r>
+              <a:rPr lang="en-US" i="1" dirty="0"/>
+              <a:t>engineering</a:t>
+            </a:r>
+            <a:r>
+              <a:rPr lang="en-US" dirty="0"/>
+              <a:t> can start</a:t>
+            </a:r>
+          </a:p>
+        </p:txBody>
+      </p:sp>
+    </p:spTree>
+    <p:extLst>
+      <p:ext uri="{BB962C8B-B14F-4D97-AF65-F5344CB8AC3E}">
+        <p14:creationId xmlns:p14="http://schemas.microsoft.com/office/powerpoint/2010/main" val="1794730619"/>
+      </p:ext>
+    </p:extLst>
+  </p:cSld>
+  <p:clrMapOvr>
+    <a:masterClrMapping/>
+  </p:clrMapOvr>
+  <p:timing>
+    <p:tnLst>
+      <p:par>
+        <p:cTn id="1" dur="indefinite" restart="never" nodeType="tmRoot">
+          <p:childTnLst>
+            <p:seq concurrent="1" nextAc="seek">
+              <p:cTn id="2" dur="indefinite" nodeType="mainSeq">
+                <p:childTnLst>
+                  <p:par>
+                    <p:cTn id="3" fill="hold">
+                      <p:stCondLst>
+                        <p:cond delay="indefinite"/>
+                      </p:stCondLst>
+                      <p:childTnLst>
+                        <p:par>
+                          <p:cTn id="4" fill="hold">
+                            <p:stCondLst>
+                              <p:cond delay="0"/>
+                            </p:stCondLst>
+                            <p:childTnLst>
+                              <p:par>
+                                <p:cTn id="5" presetID="1" presetClass="entr" presetSubtype="0" fill="hold" nodeType="clickEffect">
+                                  <p:stCondLst>
+                                    <p:cond delay="0"/>
+                                  </p:stCondLst>
+                                  <p:childTnLst>
+                                    <p:set>
+                                      <p:cBhvr>
+                                        <p:cTn id="6" dur="1" fill="hold">
+                                          <p:stCondLst>
+                                            <p:cond delay="0"/>
+                                          </p:stCondLst>
+                                        </p:cTn>
+                                        <p:tgtEl>
+                                          <p:spTgt spid="5">
+                                            <p:txEl>
+                                              <p:pRg st="5" end="5"/>
+                                            </p:txEl>
+                                          </p:spTgt>
+                                        </p:tgtEl>
+                                        <p:attrNameLst>
+                                          <p:attrName>style.visibility</p:attrName>
+                                        </p:attrNameLst>
+                                      </p:cBhvr>
+                                      <p:to>
+                                        <p:strVal val="visible"/>
+                                      </p:to>
+                                    </p:set>
+                                  </p:childTnLst>
+                                </p:cTn>
+                              </p:par>
+                            </p:childTnLst>
+                          </p:cTn>
+                        </p:par>
+                      </p:childTnLst>
+                    </p:cTn>
+                  </p:par>
+                </p:childTnLst>
+              </p:cTn>
+              <p:prevCondLst>
+                <p:cond evt="onPrev" delay="0">
+                  <p:tgtEl>
+                    <p:sldTgt/>
+                  </p:tgtEl>
+                </p:cond>
+              </p:prevCondLst>
+              <p:nextCondLst>
+                <p:cond evt="onNext" delay="0">
+                  <p:tgtEl>
+                    <p:sldTgt/>
+                  </p:tgtEl>
+                </p:cond>
+              </p:nextCondLst>
+            </p:seq>
+          </p:childTnLst>
+        </p:cTn>
+      </p:par>
+    </p:tnLst>
+  </p:timing>
+</p:sld>
+</file>
+
+<file path=ppt/slides/slide16.xml><?xml version="1.0" encoding="utf-8"?>
+<p:sld xmlns:a="http://schemas.openxmlformats.org/drawingml/2006/main" xmlns:r="http://schemas.openxmlformats.org/officeDocument/2006/relationships" xmlns:p="http://schemas.openxmlformats.org/presentationml/2006/main">
+  <p:cSld>
+    <p:spTree>
+      <p:nvGrpSpPr>
+        <p:cNvPr id="1" name=""/>
+        <p:cNvGrpSpPr/>
+        <p:nvPr/>
+      </p:nvGrpSpPr>
+      <p:grpSpPr>
+        <a:xfrm>
+          <a:off x="0" y="0"/>
+          <a:ext cx="0" cy="0"/>
+          <a:chOff x="0" y="0"/>
+          <a:chExt cx="0" cy="0"/>
+        </a:xfrm>
+      </p:grpSpPr>
+      <p:sp>
+        <p:nvSpPr>
+          <p:cNvPr id="4" name="Title 3">
+            <a:extLst>
+              <a:ext uri="{FF2B5EF4-FFF2-40B4-BE49-F238E27FC236}">
                 <a16:creationId xmlns:a16="http://schemas.microsoft.com/office/drawing/2014/main" id="{8D926495-269F-4942-B474-47119316DE5A}"/>
               </a:ext>
             </a:extLst>
@@ -5708,10 +6530,432 @@
   <p:clrMapOvr>
     <a:masterClrMapping/>
   </p:clrMapOvr>
+  <p:timing>
+    <p:tnLst>
+      <p:par>
+        <p:cTn id="1" dur="indefinite" restart="never" nodeType="tmRoot">
+          <p:childTnLst>
+            <p:seq concurrent="1" nextAc="seek">
+              <p:cTn id="2" dur="indefinite" nodeType="mainSeq">
+                <p:childTnLst>
+                  <p:par>
+                    <p:cTn id="3" fill="hold">
+                      <p:stCondLst>
+                        <p:cond delay="indefinite"/>
+                      </p:stCondLst>
+                      <p:childTnLst>
+                        <p:par>
+                          <p:cTn id="4" fill="hold">
+                            <p:stCondLst>
+                              <p:cond delay="0"/>
+                            </p:stCondLst>
+                            <p:childTnLst>
+                              <p:par>
+                                <p:cTn id="5" presetID="1" presetClass="entr" presetSubtype="0" fill="hold" nodeType="clickEffect">
+                                  <p:stCondLst>
+                                    <p:cond delay="0"/>
+                                  </p:stCondLst>
+                                  <p:childTnLst>
+                                    <p:set>
+                                      <p:cBhvr>
+                                        <p:cTn id="6" dur="1" fill="hold">
+                                          <p:stCondLst>
+                                            <p:cond delay="0"/>
+                                          </p:stCondLst>
+                                        </p:cTn>
+                                        <p:tgtEl>
+                                          <p:spTgt spid="5">
+                                            <p:txEl>
+                                              <p:pRg st="0" end="0"/>
+                                            </p:txEl>
+                                          </p:spTgt>
+                                        </p:tgtEl>
+                                        <p:attrNameLst>
+                                          <p:attrName>style.visibility</p:attrName>
+                                        </p:attrNameLst>
+                                      </p:cBhvr>
+                                      <p:to>
+                                        <p:strVal val="visible"/>
+                                      </p:to>
+                                    </p:set>
+                                  </p:childTnLst>
+                                </p:cTn>
+                              </p:par>
+                            </p:childTnLst>
+                          </p:cTn>
+                        </p:par>
+                      </p:childTnLst>
+                    </p:cTn>
+                  </p:par>
+                  <p:par>
+                    <p:cTn id="7" fill="hold">
+                      <p:stCondLst>
+                        <p:cond delay="indefinite"/>
+                      </p:stCondLst>
+                      <p:childTnLst>
+                        <p:par>
+                          <p:cTn id="8" fill="hold">
+                            <p:stCondLst>
+                              <p:cond delay="0"/>
+                            </p:stCondLst>
+                            <p:childTnLst>
+                              <p:par>
+                                <p:cTn id="9" presetID="1" presetClass="entr" presetSubtype="0" fill="hold" nodeType="clickEffect">
+                                  <p:stCondLst>
+                                    <p:cond delay="0"/>
+                                  </p:stCondLst>
+                                  <p:childTnLst>
+                                    <p:set>
+                                      <p:cBhvr>
+                                        <p:cTn id="10" dur="1" fill="hold">
+                                          <p:stCondLst>
+                                            <p:cond delay="0"/>
+                                          </p:stCondLst>
+                                        </p:cTn>
+                                        <p:tgtEl>
+                                          <p:spTgt spid="5">
+                                            <p:txEl>
+                                              <p:pRg st="1" end="1"/>
+                                            </p:txEl>
+                                          </p:spTgt>
+                                        </p:tgtEl>
+                                        <p:attrNameLst>
+                                          <p:attrName>style.visibility</p:attrName>
+                                        </p:attrNameLst>
+                                      </p:cBhvr>
+                                      <p:to>
+                                        <p:strVal val="visible"/>
+                                      </p:to>
+                                    </p:set>
+                                  </p:childTnLst>
+                                </p:cTn>
+                              </p:par>
+                            </p:childTnLst>
+                          </p:cTn>
+                        </p:par>
+                      </p:childTnLst>
+                    </p:cTn>
+                  </p:par>
+                  <p:par>
+                    <p:cTn id="11" fill="hold">
+                      <p:stCondLst>
+                        <p:cond delay="indefinite"/>
+                      </p:stCondLst>
+                      <p:childTnLst>
+                        <p:par>
+                          <p:cTn id="12" fill="hold">
+                            <p:stCondLst>
+                              <p:cond delay="0"/>
+                            </p:stCondLst>
+                            <p:childTnLst>
+                              <p:par>
+                                <p:cTn id="13" presetID="1" presetClass="entr" presetSubtype="0" fill="hold" nodeType="clickEffect">
+                                  <p:stCondLst>
+                                    <p:cond delay="0"/>
+                                  </p:stCondLst>
+                                  <p:childTnLst>
+                                    <p:set>
+                                      <p:cBhvr>
+                                        <p:cTn id="14" dur="1" fill="hold">
+                                          <p:stCondLst>
+                                            <p:cond delay="0"/>
+                                          </p:stCondLst>
+                                        </p:cTn>
+                                        <p:tgtEl>
+                                          <p:spTgt spid="5">
+                                            <p:txEl>
+                                              <p:pRg st="2" end="2"/>
+                                            </p:txEl>
+                                          </p:spTgt>
+                                        </p:tgtEl>
+                                        <p:attrNameLst>
+                                          <p:attrName>style.visibility</p:attrName>
+                                        </p:attrNameLst>
+                                      </p:cBhvr>
+                                      <p:to>
+                                        <p:strVal val="visible"/>
+                                      </p:to>
+                                    </p:set>
+                                  </p:childTnLst>
+                                </p:cTn>
+                              </p:par>
+                            </p:childTnLst>
+                          </p:cTn>
+                        </p:par>
+                      </p:childTnLst>
+                    </p:cTn>
+                  </p:par>
+                  <p:par>
+                    <p:cTn id="15" fill="hold">
+                      <p:stCondLst>
+                        <p:cond delay="indefinite"/>
+                      </p:stCondLst>
+                      <p:childTnLst>
+                        <p:par>
+                          <p:cTn id="16" fill="hold">
+                            <p:stCondLst>
+                              <p:cond delay="0"/>
+                            </p:stCondLst>
+                            <p:childTnLst>
+                              <p:par>
+                                <p:cTn id="17" presetID="1" presetClass="entr" presetSubtype="0" fill="hold" nodeType="clickEffect">
+                                  <p:stCondLst>
+                                    <p:cond delay="0"/>
+                                  </p:stCondLst>
+                                  <p:childTnLst>
+                                    <p:set>
+                                      <p:cBhvr>
+                                        <p:cTn id="18" dur="1" fill="hold">
+                                          <p:stCondLst>
+                                            <p:cond delay="0"/>
+                                          </p:stCondLst>
+                                        </p:cTn>
+                                        <p:tgtEl>
+                                          <p:spTgt spid="5">
+                                            <p:txEl>
+                                              <p:pRg st="3" end="3"/>
+                                            </p:txEl>
+                                          </p:spTgt>
+                                        </p:tgtEl>
+                                        <p:attrNameLst>
+                                          <p:attrName>style.visibility</p:attrName>
+                                        </p:attrNameLst>
+                                      </p:cBhvr>
+                                      <p:to>
+                                        <p:strVal val="visible"/>
+                                      </p:to>
+                                    </p:set>
+                                  </p:childTnLst>
+                                </p:cTn>
+                              </p:par>
+                            </p:childTnLst>
+                          </p:cTn>
+                        </p:par>
+                      </p:childTnLst>
+                    </p:cTn>
+                  </p:par>
+                  <p:par>
+                    <p:cTn id="19" fill="hold">
+                      <p:stCondLst>
+                        <p:cond delay="indefinite"/>
+                      </p:stCondLst>
+                      <p:childTnLst>
+                        <p:par>
+                          <p:cTn id="20" fill="hold">
+                            <p:stCondLst>
+                              <p:cond delay="0"/>
+                            </p:stCondLst>
+                            <p:childTnLst>
+                              <p:par>
+                                <p:cTn id="21" presetID="1" presetClass="entr" presetSubtype="0" fill="hold" nodeType="clickEffect">
+                                  <p:stCondLst>
+                                    <p:cond delay="0"/>
+                                  </p:stCondLst>
+                                  <p:childTnLst>
+                                    <p:set>
+                                      <p:cBhvr>
+                                        <p:cTn id="22" dur="1" fill="hold">
+                                          <p:stCondLst>
+                                            <p:cond delay="0"/>
+                                          </p:stCondLst>
+                                        </p:cTn>
+                                        <p:tgtEl>
+                                          <p:spTgt spid="5">
+                                            <p:txEl>
+                                              <p:pRg st="4" end="4"/>
+                                            </p:txEl>
+                                          </p:spTgt>
+                                        </p:tgtEl>
+                                        <p:attrNameLst>
+                                          <p:attrName>style.visibility</p:attrName>
+                                        </p:attrNameLst>
+                                      </p:cBhvr>
+                                      <p:to>
+                                        <p:strVal val="visible"/>
+                                      </p:to>
+                                    </p:set>
+                                  </p:childTnLst>
+                                </p:cTn>
+                              </p:par>
+                            </p:childTnLst>
+                          </p:cTn>
+                        </p:par>
+                      </p:childTnLst>
+                    </p:cTn>
+                  </p:par>
+                  <p:par>
+                    <p:cTn id="23" fill="hold">
+                      <p:stCondLst>
+                        <p:cond delay="indefinite"/>
+                      </p:stCondLst>
+                      <p:childTnLst>
+                        <p:par>
+                          <p:cTn id="24" fill="hold">
+                            <p:stCondLst>
+                              <p:cond delay="0"/>
+                            </p:stCondLst>
+                            <p:childTnLst>
+                              <p:par>
+                                <p:cTn id="25" presetID="1" presetClass="entr" presetSubtype="0" fill="hold" nodeType="clickEffect">
+                                  <p:stCondLst>
+                                    <p:cond delay="0"/>
+                                  </p:stCondLst>
+                                  <p:childTnLst>
+                                    <p:set>
+                                      <p:cBhvr>
+                                        <p:cTn id="26" dur="1" fill="hold">
+                                          <p:stCondLst>
+                                            <p:cond delay="0"/>
+                                          </p:stCondLst>
+                                        </p:cTn>
+                                        <p:tgtEl>
+                                          <p:spTgt spid="5">
+                                            <p:txEl>
+                                              <p:pRg st="5" end="5"/>
+                                            </p:txEl>
+                                          </p:spTgt>
+                                        </p:tgtEl>
+                                        <p:attrNameLst>
+                                          <p:attrName>style.visibility</p:attrName>
+                                        </p:attrNameLst>
+                                      </p:cBhvr>
+                                      <p:to>
+                                        <p:strVal val="visible"/>
+                                      </p:to>
+                                    </p:set>
+                                  </p:childTnLst>
+                                </p:cTn>
+                              </p:par>
+                            </p:childTnLst>
+                          </p:cTn>
+                        </p:par>
+                      </p:childTnLst>
+                    </p:cTn>
+                  </p:par>
+                  <p:par>
+                    <p:cTn id="27" fill="hold">
+                      <p:stCondLst>
+                        <p:cond delay="indefinite"/>
+                      </p:stCondLst>
+                      <p:childTnLst>
+                        <p:par>
+                          <p:cTn id="28" fill="hold">
+                            <p:stCondLst>
+                              <p:cond delay="0"/>
+                            </p:stCondLst>
+                            <p:childTnLst>
+                              <p:par>
+                                <p:cTn id="29" presetID="1" presetClass="entr" presetSubtype="0" fill="hold" nodeType="clickEffect">
+                                  <p:stCondLst>
+                                    <p:cond delay="0"/>
+                                  </p:stCondLst>
+                                  <p:childTnLst>
+                                    <p:set>
+                                      <p:cBhvr>
+                                        <p:cTn id="30" dur="1" fill="hold">
+                                          <p:stCondLst>
+                                            <p:cond delay="0"/>
+                                          </p:stCondLst>
+                                        </p:cTn>
+                                        <p:tgtEl>
+                                          <p:spTgt spid="5">
+                                            <p:txEl>
+                                              <p:pRg st="6" end="6"/>
+                                            </p:txEl>
+                                          </p:spTgt>
+                                        </p:tgtEl>
+                                        <p:attrNameLst>
+                                          <p:attrName>style.visibility</p:attrName>
+                                        </p:attrNameLst>
+                                      </p:cBhvr>
+                                      <p:to>
+                                        <p:strVal val="visible"/>
+                                      </p:to>
+                                    </p:set>
+                                  </p:childTnLst>
+                                </p:cTn>
+                              </p:par>
+                            </p:childTnLst>
+                          </p:cTn>
+                        </p:par>
+                      </p:childTnLst>
+                    </p:cTn>
+                  </p:par>
+                  <p:par>
+                    <p:cTn id="31" fill="hold">
+                      <p:stCondLst>
+                        <p:cond delay="indefinite"/>
+                      </p:stCondLst>
+                      <p:childTnLst>
+                        <p:par>
+                          <p:cTn id="32" fill="hold">
+                            <p:stCondLst>
+                              <p:cond delay="0"/>
+                            </p:stCondLst>
+                            <p:childTnLst>
+                              <p:par>
+                                <p:cTn id="33" presetID="1" presetClass="entr" presetSubtype="0" fill="hold" nodeType="clickEffect">
+                                  <p:stCondLst>
+                                    <p:cond delay="0"/>
+                                  </p:stCondLst>
+                                  <p:childTnLst>
+                                    <p:set>
+                                      <p:cBhvr>
+                                        <p:cTn id="34" dur="1" fill="hold">
+                                          <p:stCondLst>
+                                            <p:cond delay="0"/>
+                                          </p:stCondLst>
+                                        </p:cTn>
+                                        <p:tgtEl>
+                                          <p:spTgt spid="5">
+                                            <p:txEl>
+                                              <p:pRg st="7" end="7"/>
+                                            </p:txEl>
+                                          </p:spTgt>
+                                        </p:tgtEl>
+                                        <p:attrNameLst>
+                                          <p:attrName>style.visibility</p:attrName>
+                                        </p:attrNameLst>
+                                      </p:cBhvr>
+                                      <p:to>
+                                        <p:strVal val="visible"/>
+                                      </p:to>
+                                    </p:set>
+                                  </p:childTnLst>
+                                </p:cTn>
+                              </p:par>
+                            </p:childTnLst>
+                          </p:cTn>
+                        </p:par>
+                      </p:childTnLst>
+                    </p:cTn>
+                  </p:par>
+                </p:childTnLst>
+              </p:cTn>
+              <p:prevCondLst>
+                <p:cond evt="onPrev" delay="0">
+                  <p:tgtEl>
+                    <p:sldTgt/>
+                  </p:tgtEl>
+                </p:cond>
+              </p:prevCondLst>
+              <p:nextCondLst>
+                <p:cond evt="onNext" delay="0">
+                  <p:tgtEl>
+                    <p:sldTgt/>
+                  </p:tgtEl>
+                </p:cond>
+              </p:nextCondLst>
+            </p:seq>
+          </p:childTnLst>
+        </p:cTn>
+      </p:par>
+    </p:tnLst>
+  </p:timing>
 </p:sld>
 </file>
 
-<file path=ppt/slides/slide15.xml><?xml version="1.0" encoding="utf-8"?>
+<file path=ppt/slides/slide17.xml><?xml version="1.0" encoding="utf-8"?>
 <p:sld xmlns:a="http://schemas.openxmlformats.org/drawingml/2006/main" xmlns:r="http://schemas.openxmlformats.org/officeDocument/2006/relationships" xmlns:p="http://schemas.openxmlformats.org/presentationml/2006/main">
   <p:cSld>
     <p:spTree>
@@ -5878,7 +7122,7 @@
 </p:sld>
 </file>
 
-<file path=ppt/slides/slide16.xml><?xml version="1.0" encoding="utf-8"?>
+<file path=ppt/slides/slide18.xml><?xml version="1.0" encoding="utf-8"?>
 <p:sld xmlns:a="http://schemas.openxmlformats.org/drawingml/2006/main" xmlns:r="http://schemas.openxmlformats.org/officeDocument/2006/relationships" xmlns:p="http://schemas.openxmlformats.org/presentationml/2006/main">
   <p:cSld>
     <p:spTree>
@@ -6236,7 +7480,7 @@
 </p:sld>
 </file>
 
-<file path=ppt/slides/slide17.xml><?xml version="1.0" encoding="utf-8"?>
+<file path=ppt/slides/slide19.xml><?xml version="1.0" encoding="utf-8"?>
 <p:sld xmlns:a="http://schemas.openxmlformats.org/drawingml/2006/main" xmlns:r="http://schemas.openxmlformats.org/officeDocument/2006/relationships" xmlns:p="http://schemas.openxmlformats.org/presentationml/2006/main">
   <p:cSld>
     <p:spTree>
@@ -6292,15 +7536,15 @@
         </p:spPr>
         <p:style>
           <a:lnRef idx="2">
-            <a:schemeClr val="accent3">
+            <a:schemeClr val="accent5">
               <a:shade val="50000"/>
             </a:schemeClr>
           </a:lnRef>
           <a:fillRef idx="1">
-            <a:schemeClr val="accent3"/>
+            <a:schemeClr val="accent5"/>
           </a:fillRef>
           <a:effectRef idx="0">
-            <a:schemeClr val="accent3"/>
+            <a:schemeClr val="accent5"/>
           </a:effectRef>
           <a:fontRef idx="minor">
             <a:schemeClr val="lt1"/>
@@ -6335,15 +7579,15 @@
         </p:spPr>
         <p:style>
           <a:lnRef idx="2">
-            <a:schemeClr val="accent3">
+            <a:schemeClr val="accent2">
               <a:shade val="50000"/>
             </a:schemeClr>
           </a:lnRef>
           <a:fillRef idx="1">
-            <a:schemeClr val="accent3"/>
+            <a:schemeClr val="accent2"/>
           </a:fillRef>
           <a:effectRef idx="0">
-            <a:schemeClr val="accent3"/>
+            <a:schemeClr val="accent2"/>
           </a:effectRef>
           <a:fontRef idx="minor">
             <a:schemeClr val="lt1"/>
@@ -6378,15 +7622,15 @@
         </p:spPr>
         <p:style>
           <a:lnRef idx="2">
-            <a:schemeClr val="accent3">
+            <a:schemeClr val="accent5">
               <a:shade val="50000"/>
             </a:schemeClr>
           </a:lnRef>
           <a:fillRef idx="1">
-            <a:schemeClr val="accent3"/>
+            <a:schemeClr val="accent5"/>
           </a:fillRef>
           <a:effectRef idx="0">
-            <a:schemeClr val="accent3"/>
+            <a:schemeClr val="accent5"/>
           </a:effectRef>
           <a:fontRef idx="minor">
             <a:schemeClr val="lt1"/>
@@ -6421,15 +7665,15 @@
         </p:spPr>
         <p:style>
           <a:lnRef idx="2">
-            <a:schemeClr val="accent3">
+            <a:schemeClr val="accent5">
               <a:shade val="50000"/>
             </a:schemeClr>
           </a:lnRef>
           <a:fillRef idx="1">
-            <a:schemeClr val="accent3"/>
+            <a:schemeClr val="accent5"/>
           </a:fillRef>
           <a:effectRef idx="0">
-            <a:schemeClr val="accent3"/>
+            <a:schemeClr val="accent5"/>
           </a:effectRef>
           <a:fontRef idx="minor">
             <a:schemeClr val="lt1"/>
@@ -6464,15 +7708,15 @@
         </p:spPr>
         <p:style>
           <a:lnRef idx="2">
-            <a:schemeClr val="accent3">
+            <a:schemeClr val="accent2">
               <a:shade val="50000"/>
             </a:schemeClr>
           </a:lnRef>
           <a:fillRef idx="1">
-            <a:schemeClr val="accent3"/>
+            <a:schemeClr val="accent2"/>
           </a:fillRef>
           <a:effectRef idx="0">
-            <a:schemeClr val="accent3"/>
+            <a:schemeClr val="accent2"/>
           </a:effectRef>
           <a:fontRef idx="minor">
             <a:schemeClr val="lt1"/>
@@ -6969,278 +8213,551 @@
   <p:clrMapOvr>
     <a:masterClrMapping/>
   </p:clrMapOvr>
-</p:sld>
-</file>
-
-<file path=ppt/slides/slide18.xml><?xml version="1.0" encoding="utf-8"?>
-<p:sld xmlns:a="http://schemas.openxmlformats.org/drawingml/2006/main" xmlns:r="http://schemas.openxmlformats.org/officeDocument/2006/relationships" xmlns:p="http://schemas.openxmlformats.org/presentationml/2006/main">
-  <p:cSld>
-    <p:spTree>
-      <p:nvGrpSpPr>
-        <p:cNvPr id="1" name=""/>
-        <p:cNvGrpSpPr/>
-        <p:nvPr/>
-      </p:nvGrpSpPr>
-      <p:grpSpPr>
-        <a:xfrm>
-          <a:off x="0" y="0"/>
-          <a:ext cx="0" cy="0"/>
-          <a:chOff x="0" y="0"/>
-          <a:chExt cx="0" cy="0"/>
-        </a:xfrm>
-      </p:grpSpPr>
-      <p:sp>
-        <p:nvSpPr>
-          <p:cNvPr id="2" name="Title 1"/>
-          <p:cNvSpPr>
-            <a:spLocks noGrp="1"/>
-          </p:cNvSpPr>
-          <p:nvPr>
-            <p:ph type="title"/>
-          </p:nvPr>
-        </p:nvSpPr>
-        <p:spPr/>
-        <p:txBody>
-          <a:bodyPr/>
-          <a:lstStyle/>
-          <a:p>
-            <a:r>
-              <a:rPr lang="en-US" dirty="0"/>
-              <a:t>Identifying use cases</a:t>
-            </a:r>
-          </a:p>
-        </p:txBody>
-      </p:sp>
-      <p:sp>
-        <p:nvSpPr>
-          <p:cNvPr id="3" name="Content Placeholder 2"/>
-          <p:cNvSpPr>
-            <a:spLocks noGrp="1"/>
-          </p:cNvSpPr>
-          <p:nvPr>
-            <p:ph idx="1"/>
-          </p:nvPr>
-        </p:nvSpPr>
-        <p:spPr/>
-        <p:txBody>
-          <a:bodyPr/>
-          <a:lstStyle/>
-          <a:p>
-            <a:pPr marL="0" indent="0">
-              <a:buNone/>
-            </a:pPr>
-            <a:r>
-              <a:rPr lang="en-US" dirty="0"/>
-              <a:t>Identify actors first, then the processes</a:t>
-            </a:r>
-          </a:p>
-          <a:p>
-            <a:pPr marL="0" indent="0">
-              <a:buNone/>
-            </a:pPr>
-            <a:r>
-              <a:rPr lang="en-US" dirty="0"/>
-              <a:t>Create a scenario to illustrate the process, then generalize</a:t>
-            </a:r>
-          </a:p>
-          <a:p>
-            <a:pPr marL="0" indent="0">
-              <a:buNone/>
-            </a:pPr>
-            <a:r>
-              <a:rPr lang="en-US" dirty="0"/>
-              <a:t>Using the business process description, ask:</a:t>
-            </a:r>
-          </a:p>
-          <a:p>
-            <a:pPr marL="457200" lvl="1" indent="0">
-              <a:buNone/>
-            </a:pPr>
-            <a:r>
-              <a:rPr lang="en-US" dirty="0"/>
-              <a:t>“What tasks must the system perform”</a:t>
-            </a:r>
-          </a:p>
-          <a:p>
-            <a:pPr marL="0" indent="0">
-              <a:buNone/>
-            </a:pPr>
-            <a:r>
-              <a:rPr lang="en-US" dirty="0"/>
-              <a:t>Identify external events to which the system must respond</a:t>
-            </a:r>
-          </a:p>
-          <a:p>
-            <a:pPr marL="0" indent="0">
-              <a:buNone/>
-            </a:pPr>
-            <a:r>
-              <a:rPr lang="en-US" dirty="0"/>
-              <a:t>Use a CRUD analysis to identify data entities</a:t>
-            </a:r>
-          </a:p>
-          <a:p>
-            <a:pPr marL="0" indent="0">
-              <a:buNone/>
-            </a:pPr>
-            <a:r>
-              <a:rPr lang="en-US" dirty="0"/>
-              <a:t>Examine the context diagram and ask:</a:t>
-            </a:r>
-          </a:p>
-          <a:p>
-            <a:pPr marL="457200" lvl="1" indent="0">
-              <a:buNone/>
-            </a:pPr>
-            <a:r>
-              <a:rPr lang="en-US" dirty="0"/>
-              <a:t>“What objectives do each of these external entities want to achieve”</a:t>
-            </a:r>
-          </a:p>
-        </p:txBody>
-      </p:sp>
-    </p:spTree>
-    <p:extLst>
-      <p:ext uri="{BB962C8B-B14F-4D97-AF65-F5344CB8AC3E}">
-        <p14:creationId xmlns:p14="http://schemas.microsoft.com/office/powerpoint/2010/main" val="25737474"/>
-      </p:ext>
-    </p:extLst>
-  </p:cSld>
-  <p:clrMapOvr>
-    <a:masterClrMapping/>
-  </p:clrMapOvr>
-</p:sld>
-</file>
-
-<file path=ppt/slides/slide19.xml><?xml version="1.0" encoding="utf-8"?>
-<p:sld xmlns:a="http://schemas.openxmlformats.org/drawingml/2006/main" xmlns:r="http://schemas.openxmlformats.org/officeDocument/2006/relationships" xmlns:p="http://schemas.openxmlformats.org/presentationml/2006/main">
-  <p:cSld>
-    <p:spTree>
-      <p:nvGrpSpPr>
-        <p:cNvPr id="1" name=""/>
-        <p:cNvGrpSpPr/>
-        <p:nvPr/>
-      </p:nvGrpSpPr>
-      <p:grpSpPr>
-        <a:xfrm>
-          <a:off x="0" y="0"/>
-          <a:ext cx="0" cy="0"/>
-          <a:chOff x="0" y="0"/>
-          <a:chExt cx="0" cy="0"/>
-        </a:xfrm>
-      </p:grpSpPr>
-      <p:sp>
-        <p:nvSpPr>
-          <p:cNvPr id="2" name="Title 1"/>
-          <p:cNvSpPr>
-            <a:spLocks noGrp="1"/>
-          </p:cNvSpPr>
-          <p:nvPr>
-            <p:ph type="title"/>
-          </p:nvPr>
-        </p:nvSpPr>
-        <p:spPr/>
-        <p:txBody>
-          <a:bodyPr/>
-          <a:lstStyle/>
-          <a:p>
-            <a:r>
-              <a:rPr lang="en-US"/>
-              <a:t>For next week</a:t>
-            </a:r>
-            <a:endParaRPr lang="en-US" dirty="0"/>
-          </a:p>
-        </p:txBody>
-      </p:sp>
-      <p:sp>
-        <p:nvSpPr>
-          <p:cNvPr id="3" name="Content Placeholder 2"/>
-          <p:cNvSpPr>
-            <a:spLocks noGrp="1"/>
-          </p:cNvSpPr>
-          <p:nvPr>
-            <p:ph idx="1"/>
-          </p:nvPr>
-        </p:nvSpPr>
-        <p:spPr/>
-        <p:txBody>
-          <a:bodyPr/>
-          <a:lstStyle/>
-          <a:p>
-            <a:pPr marL="0" indent="0">
-              <a:buNone/>
-            </a:pPr>
-            <a:endParaRPr lang="en-US" dirty="0"/>
-          </a:p>
-          <a:p>
-            <a:pPr marL="0" indent="0">
-              <a:buNone/>
-            </a:pPr>
-            <a:r>
-              <a:rPr lang="en-US" dirty="0"/>
-              <a:t>Read</a:t>
-            </a:r>
-          </a:p>
-          <a:p>
-            <a:pPr marL="0" indent="0">
-              <a:buNone/>
-            </a:pPr>
-            <a:r>
-              <a:rPr lang="en-US" dirty="0"/>
-              <a:t>Issues In Requirements Elicitation</a:t>
-            </a:r>
-          </a:p>
-          <a:p>
-            <a:pPr marL="457200" lvl="1" indent="0">
-              <a:buNone/>
-            </a:pPr>
-            <a:r>
-              <a:rPr lang="en-US" dirty="0">
-                <a:hlinkClick r:id="rId2"/>
-              </a:rPr>
-              <a:t>https://resources.sei.cmu.edu/asset_files/TechnicalReport/1992_005_001_16478.pdf</a:t>
-            </a:r>
-            <a:endParaRPr lang="en-US" dirty="0"/>
-          </a:p>
-          <a:p>
-            <a:pPr marL="0" indent="0">
-              <a:buNone/>
-            </a:pPr>
-            <a:r>
-              <a:rPr lang="en-US" dirty="0"/>
-              <a:t>A Practical Guide to Requirements Elicitation</a:t>
-            </a:r>
-          </a:p>
-          <a:p>
-            <a:pPr marL="457200" lvl="1" indent="0">
-              <a:buNone/>
-            </a:pPr>
-            <a:r>
-              <a:rPr lang="en-US" dirty="0">
-                <a:hlinkClick r:id="rId3"/>
-              </a:rPr>
-              <a:t>http://idosi.org/mejsr/mejsr11(8)12/10.pdf</a:t>
-            </a:r>
-            <a:endParaRPr lang="en-US" dirty="0"/>
-          </a:p>
-          <a:p>
-            <a:pPr marL="0" indent="0">
-              <a:buNone/>
-            </a:pPr>
-            <a:endParaRPr lang="en-US" dirty="0"/>
-          </a:p>
-        </p:txBody>
-      </p:sp>
-    </p:spTree>
-    <p:extLst>
-      <p:ext uri="{BB962C8B-B14F-4D97-AF65-F5344CB8AC3E}">
-        <p14:creationId xmlns:p14="http://schemas.microsoft.com/office/powerpoint/2010/main" val="1558986522"/>
-      </p:ext>
-    </p:extLst>
-  </p:cSld>
-  <p:clrMapOvr>
-    <a:masterClrMapping/>
-  </p:clrMapOvr>
+  <p:timing>
+    <p:tnLst>
+      <p:par>
+        <p:cTn id="1" dur="indefinite" restart="never" nodeType="tmRoot">
+          <p:childTnLst>
+            <p:seq concurrent="1" nextAc="seek">
+              <p:cTn id="2" dur="indefinite" nodeType="mainSeq">
+                <p:childTnLst>
+                  <p:par>
+                    <p:cTn id="3" fill="hold">
+                      <p:stCondLst>
+                        <p:cond delay="indefinite"/>
+                      </p:stCondLst>
+                      <p:childTnLst>
+                        <p:par>
+                          <p:cTn id="4" fill="hold">
+                            <p:stCondLst>
+                              <p:cond delay="0"/>
+                            </p:stCondLst>
+                            <p:childTnLst>
+                              <p:par>
+                                <p:cTn id="5" presetID="1" presetClass="entr" presetSubtype="0" fill="hold" nodeType="clickEffect">
+                                  <p:stCondLst>
+                                    <p:cond delay="0"/>
+                                  </p:stCondLst>
+                                  <p:childTnLst>
+                                    <p:set>
+                                      <p:cBhvr>
+                                        <p:cTn id="6" dur="1" fill="hold">
+                                          <p:stCondLst>
+                                            <p:cond delay="0"/>
+                                          </p:stCondLst>
+                                        </p:cTn>
+                                        <p:tgtEl>
+                                          <p:spTgt spid="11"/>
+                                        </p:tgtEl>
+                                        <p:attrNameLst>
+                                          <p:attrName>style.visibility</p:attrName>
+                                        </p:attrNameLst>
+                                      </p:cBhvr>
+                                      <p:to>
+                                        <p:strVal val="visible"/>
+                                      </p:to>
+                                    </p:set>
+                                  </p:childTnLst>
+                                </p:cTn>
+                              </p:par>
+                              <p:par>
+                                <p:cTn id="7" presetID="1" presetClass="entr" presetSubtype="0" fill="hold" nodeType="withEffect">
+                                  <p:stCondLst>
+                                    <p:cond delay="0"/>
+                                  </p:stCondLst>
+                                  <p:childTnLst>
+                                    <p:set>
+                                      <p:cBhvr>
+                                        <p:cTn id="8" dur="1" fill="hold">
+                                          <p:stCondLst>
+                                            <p:cond delay="0"/>
+                                          </p:stCondLst>
+                                        </p:cTn>
+                                        <p:tgtEl>
+                                          <p:spTgt spid="14"/>
+                                        </p:tgtEl>
+                                        <p:attrNameLst>
+                                          <p:attrName>style.visibility</p:attrName>
+                                        </p:attrNameLst>
+                                      </p:cBhvr>
+                                      <p:to>
+                                        <p:strVal val="visible"/>
+                                      </p:to>
+                                    </p:set>
+                                  </p:childTnLst>
+                                </p:cTn>
+                              </p:par>
+                              <p:par>
+                                <p:cTn id="9" presetID="1" presetClass="entr" presetSubtype="0" fill="hold" grpId="0" nodeType="withEffect">
+                                  <p:stCondLst>
+                                    <p:cond delay="0"/>
+                                  </p:stCondLst>
+                                  <p:childTnLst>
+                                    <p:set>
+                                      <p:cBhvr>
+                                        <p:cTn id="10" dur="1" fill="hold">
+                                          <p:stCondLst>
+                                            <p:cond delay="0"/>
+                                          </p:stCondLst>
+                                        </p:cTn>
+                                        <p:tgtEl>
+                                          <p:spTgt spid="31"/>
+                                        </p:tgtEl>
+                                        <p:attrNameLst>
+                                          <p:attrName>style.visibility</p:attrName>
+                                        </p:attrNameLst>
+                                      </p:cBhvr>
+                                      <p:to>
+                                        <p:strVal val="visible"/>
+                                      </p:to>
+                                    </p:set>
+                                  </p:childTnLst>
+                                </p:cTn>
+                              </p:par>
+                              <p:par>
+                                <p:cTn id="11" presetID="1" presetClass="entr" presetSubtype="0" fill="hold" grpId="0" nodeType="withEffect">
+                                  <p:stCondLst>
+                                    <p:cond delay="0"/>
+                                  </p:stCondLst>
+                                  <p:childTnLst>
+                                    <p:set>
+                                      <p:cBhvr>
+                                        <p:cTn id="12" dur="1" fill="hold">
+                                          <p:stCondLst>
+                                            <p:cond delay="0"/>
+                                          </p:stCondLst>
+                                        </p:cTn>
+                                        <p:tgtEl>
+                                          <p:spTgt spid="32"/>
+                                        </p:tgtEl>
+                                        <p:attrNameLst>
+                                          <p:attrName>style.visibility</p:attrName>
+                                        </p:attrNameLst>
+                                      </p:cBhvr>
+                                      <p:to>
+                                        <p:strVal val="visible"/>
+                                      </p:to>
+                                    </p:set>
+                                  </p:childTnLst>
+                                </p:cTn>
+                              </p:par>
+                            </p:childTnLst>
+                          </p:cTn>
+                        </p:par>
+                      </p:childTnLst>
+                    </p:cTn>
+                  </p:par>
+                  <p:par>
+                    <p:cTn id="13" fill="hold">
+                      <p:stCondLst>
+                        <p:cond delay="indefinite"/>
+                      </p:stCondLst>
+                      <p:childTnLst>
+                        <p:par>
+                          <p:cTn id="14" fill="hold">
+                            <p:stCondLst>
+                              <p:cond delay="0"/>
+                            </p:stCondLst>
+                            <p:childTnLst>
+                              <p:par>
+                                <p:cTn id="15" presetID="1" presetClass="entr" presetSubtype="0" fill="hold" grpId="0" nodeType="clickEffect">
+                                  <p:stCondLst>
+                                    <p:cond delay="0"/>
+                                  </p:stCondLst>
+                                  <p:childTnLst>
+                                    <p:set>
+                                      <p:cBhvr>
+                                        <p:cTn id="16" dur="1" fill="hold">
+                                          <p:stCondLst>
+                                            <p:cond delay="0"/>
+                                          </p:stCondLst>
+                                        </p:cTn>
+                                        <p:tgtEl>
+                                          <p:spTgt spid="4"/>
+                                        </p:tgtEl>
+                                        <p:attrNameLst>
+                                          <p:attrName>style.visibility</p:attrName>
+                                        </p:attrNameLst>
+                                      </p:cBhvr>
+                                      <p:to>
+                                        <p:strVal val="visible"/>
+                                      </p:to>
+                                    </p:set>
+                                  </p:childTnLst>
+                                </p:cTn>
+                              </p:par>
+                              <p:par>
+                                <p:cTn id="17" presetID="1" presetClass="entr" presetSubtype="0" fill="hold" grpId="0" nodeType="withEffect">
+                                  <p:stCondLst>
+                                    <p:cond delay="0"/>
+                                  </p:stCondLst>
+                                  <p:childTnLst>
+                                    <p:set>
+                                      <p:cBhvr>
+                                        <p:cTn id="18" dur="1" fill="hold">
+                                          <p:stCondLst>
+                                            <p:cond delay="0"/>
+                                          </p:stCondLst>
+                                        </p:cTn>
+                                        <p:tgtEl>
+                                          <p:spTgt spid="5"/>
+                                        </p:tgtEl>
+                                        <p:attrNameLst>
+                                          <p:attrName>style.visibility</p:attrName>
+                                        </p:attrNameLst>
+                                      </p:cBhvr>
+                                      <p:to>
+                                        <p:strVal val="visible"/>
+                                      </p:to>
+                                    </p:set>
+                                  </p:childTnLst>
+                                </p:cTn>
+                              </p:par>
+                            </p:childTnLst>
+                          </p:cTn>
+                        </p:par>
+                      </p:childTnLst>
+                    </p:cTn>
+                  </p:par>
+                  <p:par>
+                    <p:cTn id="19" fill="hold">
+                      <p:stCondLst>
+                        <p:cond delay="indefinite"/>
+                      </p:stCondLst>
+                      <p:childTnLst>
+                        <p:par>
+                          <p:cTn id="20" fill="hold">
+                            <p:stCondLst>
+                              <p:cond delay="0"/>
+                            </p:stCondLst>
+                            <p:childTnLst>
+                              <p:par>
+                                <p:cTn id="21" presetID="1" presetClass="entr" presetSubtype="0" fill="hold" nodeType="clickEffect">
+                                  <p:stCondLst>
+                                    <p:cond delay="0"/>
+                                  </p:stCondLst>
+                                  <p:childTnLst>
+                                    <p:set>
+                                      <p:cBhvr>
+                                        <p:cTn id="22" dur="1" fill="hold">
+                                          <p:stCondLst>
+                                            <p:cond delay="0"/>
+                                          </p:stCondLst>
+                                        </p:cTn>
+                                        <p:tgtEl>
+                                          <p:spTgt spid="16"/>
+                                        </p:tgtEl>
+                                        <p:attrNameLst>
+                                          <p:attrName>style.visibility</p:attrName>
+                                        </p:attrNameLst>
+                                      </p:cBhvr>
+                                      <p:to>
+                                        <p:strVal val="visible"/>
+                                      </p:to>
+                                    </p:set>
+                                  </p:childTnLst>
+                                </p:cTn>
+                              </p:par>
+                              <p:par>
+                                <p:cTn id="23" presetID="1" presetClass="entr" presetSubtype="0" fill="hold" nodeType="withEffect">
+                                  <p:stCondLst>
+                                    <p:cond delay="0"/>
+                                  </p:stCondLst>
+                                  <p:childTnLst>
+                                    <p:set>
+                                      <p:cBhvr>
+                                        <p:cTn id="24" dur="1" fill="hold">
+                                          <p:stCondLst>
+                                            <p:cond delay="0"/>
+                                          </p:stCondLst>
+                                        </p:cTn>
+                                        <p:tgtEl>
+                                          <p:spTgt spid="17"/>
+                                        </p:tgtEl>
+                                        <p:attrNameLst>
+                                          <p:attrName>style.visibility</p:attrName>
+                                        </p:attrNameLst>
+                                      </p:cBhvr>
+                                      <p:to>
+                                        <p:strVal val="visible"/>
+                                      </p:to>
+                                    </p:set>
+                                  </p:childTnLst>
+                                </p:cTn>
+                              </p:par>
+                              <p:par>
+                                <p:cTn id="25" presetID="1" presetClass="entr" presetSubtype="0" fill="hold" nodeType="withEffect">
+                                  <p:stCondLst>
+                                    <p:cond delay="0"/>
+                                  </p:stCondLst>
+                                  <p:childTnLst>
+                                    <p:set>
+                                      <p:cBhvr>
+                                        <p:cTn id="26" dur="1" fill="hold">
+                                          <p:stCondLst>
+                                            <p:cond delay="0"/>
+                                          </p:stCondLst>
+                                        </p:cTn>
+                                        <p:tgtEl>
+                                          <p:spTgt spid="20"/>
+                                        </p:tgtEl>
+                                        <p:attrNameLst>
+                                          <p:attrName>style.visibility</p:attrName>
+                                        </p:attrNameLst>
+                                      </p:cBhvr>
+                                      <p:to>
+                                        <p:strVal val="visible"/>
+                                      </p:to>
+                                    </p:set>
+                                  </p:childTnLst>
+                                </p:cTn>
+                              </p:par>
+                              <p:par>
+                                <p:cTn id="27" presetID="1" presetClass="entr" presetSubtype="0" fill="hold" nodeType="withEffect">
+                                  <p:stCondLst>
+                                    <p:cond delay="0"/>
+                                  </p:stCondLst>
+                                  <p:childTnLst>
+                                    <p:set>
+                                      <p:cBhvr>
+                                        <p:cTn id="28" dur="1" fill="hold">
+                                          <p:stCondLst>
+                                            <p:cond delay="0"/>
+                                          </p:stCondLst>
+                                        </p:cTn>
+                                        <p:tgtEl>
+                                          <p:spTgt spid="22"/>
+                                        </p:tgtEl>
+                                        <p:attrNameLst>
+                                          <p:attrName>style.visibility</p:attrName>
+                                        </p:attrNameLst>
+                                      </p:cBhvr>
+                                      <p:to>
+                                        <p:strVal val="visible"/>
+                                      </p:to>
+                                    </p:set>
+                                  </p:childTnLst>
+                                </p:cTn>
+                              </p:par>
+                              <p:par>
+                                <p:cTn id="29" presetID="1" presetClass="entr" presetSubtype="0" fill="hold" nodeType="withEffect">
+                                  <p:stCondLst>
+                                    <p:cond delay="0"/>
+                                  </p:stCondLst>
+                                  <p:childTnLst>
+                                    <p:set>
+                                      <p:cBhvr>
+                                        <p:cTn id="30" dur="1" fill="hold">
+                                          <p:stCondLst>
+                                            <p:cond delay="0"/>
+                                          </p:stCondLst>
+                                        </p:cTn>
+                                        <p:tgtEl>
+                                          <p:spTgt spid="24"/>
+                                        </p:tgtEl>
+                                        <p:attrNameLst>
+                                          <p:attrName>style.visibility</p:attrName>
+                                        </p:attrNameLst>
+                                      </p:cBhvr>
+                                      <p:to>
+                                        <p:strVal val="visible"/>
+                                      </p:to>
+                                    </p:set>
+                                  </p:childTnLst>
+                                </p:cTn>
+                              </p:par>
+                              <p:par>
+                                <p:cTn id="31" presetID="1" presetClass="entr" presetSubtype="0" fill="hold" grpId="0" nodeType="withEffect">
+                                  <p:stCondLst>
+                                    <p:cond delay="0"/>
+                                  </p:stCondLst>
+                                  <p:childTnLst>
+                                    <p:set>
+                                      <p:cBhvr>
+                                        <p:cTn id="32" dur="1" fill="hold">
+                                          <p:stCondLst>
+                                            <p:cond delay="0"/>
+                                          </p:stCondLst>
+                                        </p:cTn>
+                                        <p:tgtEl>
+                                          <p:spTgt spid="33"/>
+                                        </p:tgtEl>
+                                        <p:attrNameLst>
+                                          <p:attrName>style.visibility</p:attrName>
+                                        </p:attrNameLst>
+                                      </p:cBhvr>
+                                      <p:to>
+                                        <p:strVal val="visible"/>
+                                      </p:to>
+                                    </p:set>
+                                  </p:childTnLst>
+                                </p:cTn>
+                              </p:par>
+                              <p:par>
+                                <p:cTn id="33" presetID="1" presetClass="entr" presetSubtype="0" fill="hold" grpId="0" nodeType="withEffect">
+                                  <p:stCondLst>
+                                    <p:cond delay="0"/>
+                                  </p:stCondLst>
+                                  <p:childTnLst>
+                                    <p:set>
+                                      <p:cBhvr>
+                                        <p:cTn id="34" dur="1" fill="hold">
+                                          <p:stCondLst>
+                                            <p:cond delay="0"/>
+                                          </p:stCondLst>
+                                        </p:cTn>
+                                        <p:tgtEl>
+                                          <p:spTgt spid="37"/>
+                                        </p:tgtEl>
+                                        <p:attrNameLst>
+                                          <p:attrName>style.visibility</p:attrName>
+                                        </p:attrNameLst>
+                                      </p:cBhvr>
+                                      <p:to>
+                                        <p:strVal val="visible"/>
+                                      </p:to>
+                                    </p:set>
+                                  </p:childTnLst>
+                                </p:cTn>
+                              </p:par>
+                            </p:childTnLst>
+                          </p:cTn>
+                        </p:par>
+                      </p:childTnLst>
+                    </p:cTn>
+                  </p:par>
+                  <p:par>
+                    <p:cTn id="35" fill="hold">
+                      <p:stCondLst>
+                        <p:cond delay="indefinite"/>
+                      </p:stCondLst>
+                      <p:childTnLst>
+                        <p:par>
+                          <p:cTn id="36" fill="hold">
+                            <p:stCondLst>
+                              <p:cond delay="0"/>
+                            </p:stCondLst>
+                            <p:childTnLst>
+                              <p:par>
+                                <p:cTn id="37" presetID="1" presetClass="entr" presetSubtype="0" fill="hold" grpId="0" nodeType="clickEffect">
+                                  <p:stCondLst>
+                                    <p:cond delay="0"/>
+                                  </p:stCondLst>
+                                  <p:childTnLst>
+                                    <p:set>
+                                      <p:cBhvr>
+                                        <p:cTn id="38" dur="1" fill="hold">
+                                          <p:stCondLst>
+                                            <p:cond delay="0"/>
+                                          </p:stCondLst>
+                                        </p:cTn>
+                                        <p:tgtEl>
+                                          <p:spTgt spid="6"/>
+                                        </p:tgtEl>
+                                        <p:attrNameLst>
+                                          <p:attrName>style.visibility</p:attrName>
+                                        </p:attrNameLst>
+                                      </p:cBhvr>
+                                      <p:to>
+                                        <p:strVal val="visible"/>
+                                      </p:to>
+                                    </p:set>
+                                  </p:childTnLst>
+                                </p:cTn>
+                              </p:par>
+                              <p:par>
+                                <p:cTn id="39" presetID="1" presetClass="entr" presetSubtype="0" fill="hold" grpId="0" nodeType="withEffect">
+                                  <p:stCondLst>
+                                    <p:cond delay="0"/>
+                                  </p:stCondLst>
+                                  <p:childTnLst>
+                                    <p:set>
+                                      <p:cBhvr>
+                                        <p:cTn id="40" dur="1" fill="hold">
+                                          <p:stCondLst>
+                                            <p:cond delay="0"/>
+                                          </p:stCondLst>
+                                        </p:cTn>
+                                        <p:tgtEl>
+                                          <p:spTgt spid="8"/>
+                                        </p:tgtEl>
+                                        <p:attrNameLst>
+                                          <p:attrName>style.visibility</p:attrName>
+                                        </p:attrNameLst>
+                                      </p:cBhvr>
+                                      <p:to>
+                                        <p:strVal val="visible"/>
+                                      </p:to>
+                                    </p:set>
+                                  </p:childTnLst>
+                                </p:cTn>
+                              </p:par>
+                              <p:par>
+                                <p:cTn id="41" presetID="1" presetClass="entr" presetSubtype="0" fill="hold" grpId="0" nodeType="withEffect">
+                                  <p:stCondLst>
+                                    <p:cond delay="0"/>
+                                  </p:stCondLst>
+                                  <p:childTnLst>
+                                    <p:set>
+                                      <p:cBhvr>
+                                        <p:cTn id="42" dur="1" fill="hold">
+                                          <p:stCondLst>
+                                            <p:cond delay="0"/>
+                                          </p:stCondLst>
+                                        </p:cTn>
+                                        <p:tgtEl>
+                                          <p:spTgt spid="9"/>
+                                        </p:tgtEl>
+                                        <p:attrNameLst>
+                                          <p:attrName>style.visibility</p:attrName>
+                                        </p:attrNameLst>
+                                      </p:cBhvr>
+                                      <p:to>
+                                        <p:strVal val="visible"/>
+                                      </p:to>
+                                    </p:set>
+                                  </p:childTnLst>
+                                </p:cTn>
+                              </p:par>
+                            </p:childTnLst>
+                          </p:cTn>
+                        </p:par>
+                      </p:childTnLst>
+                    </p:cTn>
+                  </p:par>
+                </p:childTnLst>
+              </p:cTn>
+              <p:prevCondLst>
+                <p:cond evt="onPrev" delay="0">
+                  <p:tgtEl>
+                    <p:sldTgt/>
+                  </p:tgtEl>
+                </p:cond>
+              </p:prevCondLst>
+              <p:nextCondLst>
+                <p:cond evt="onNext" delay="0">
+                  <p:tgtEl>
+                    <p:sldTgt/>
+                  </p:tgtEl>
+                </p:cond>
+              </p:nextCondLst>
+            </p:seq>
+          </p:childTnLst>
+        </p:cTn>
+      </p:par>
+    </p:tnLst>
+    <p:bldLst>
+      <p:bldP spid="4" grpId="0" animBg="1"/>
+      <p:bldP spid="5" grpId="0" animBg="1"/>
+      <p:bldP spid="6" grpId="0" animBg="1"/>
+      <p:bldP spid="8" grpId="0" animBg="1"/>
+      <p:bldP spid="9" grpId="0" animBg="1"/>
+      <p:bldP spid="31" grpId="0"/>
+      <p:bldP spid="32" grpId="0"/>
+      <p:bldP spid="33" grpId="0"/>
+      <p:bldP spid="37" grpId="0"/>
+    </p:bldLst>
+  </p:timing>
 </p:sld>
 </file>
 
@@ -7322,25 +8839,16 @@
             <a:pPr marL="0" indent="0">
               <a:buNone/>
             </a:pPr>
-            <a:endParaRPr lang="en-US"/>
+            <a:endParaRPr lang="en-US" dirty="0"/>
           </a:p>
           <a:p>
             <a:pPr marL="0" indent="0">
               <a:buNone/>
             </a:pPr>
             <a:r>
-              <a:rPr lang="en-US"/>
-              <a:t>Let’s </a:t>
-            </a:r>
-            <a:r>
-              <a:rPr lang="en-US" dirty="0"/>
-              <a:t>talk </a:t>
-            </a:r>
-            <a:r>
-              <a:rPr lang="en-US"/>
-              <a:t>about chapter two…</a:t>
-            </a:r>
-            <a:endParaRPr lang="en-US" dirty="0"/>
+              <a:rPr lang="en-US" dirty="0"/>
+              <a:t>Let’s talk about chapter two…</a:t>
+            </a:r>
           </a:p>
         </p:txBody>
       </p:sp>
@@ -7348,6 +8856,3720 @@
     <p:extLst>
       <p:ext uri="{BB962C8B-B14F-4D97-AF65-F5344CB8AC3E}">
         <p14:creationId xmlns:p14="http://schemas.microsoft.com/office/powerpoint/2010/main" val="2417186855"/>
+      </p:ext>
+    </p:extLst>
+  </p:cSld>
+  <p:clrMapOvr>
+    <a:masterClrMapping/>
+  </p:clrMapOvr>
+</p:sld>
+</file>
+
+<file path=ppt/slides/slide20.xml><?xml version="1.0" encoding="utf-8"?>
+<p:sld xmlns:a="http://schemas.openxmlformats.org/drawingml/2006/main" xmlns:r="http://schemas.openxmlformats.org/officeDocument/2006/relationships" xmlns:p="http://schemas.openxmlformats.org/presentationml/2006/main">
+  <p:cSld>
+    <p:spTree>
+      <p:nvGrpSpPr>
+        <p:cNvPr id="1" name=""/>
+        <p:cNvGrpSpPr/>
+        <p:nvPr/>
+      </p:nvGrpSpPr>
+      <p:grpSpPr>
+        <a:xfrm>
+          <a:off x="0" y="0"/>
+          <a:ext cx="0" cy="0"/>
+          <a:chOff x="0" y="0"/>
+          <a:chExt cx="0" cy="0"/>
+        </a:xfrm>
+      </p:grpSpPr>
+      <p:sp>
+        <p:nvSpPr>
+          <p:cNvPr id="2" name="Title 1"/>
+          <p:cNvSpPr>
+            <a:spLocks noGrp="1"/>
+          </p:cNvSpPr>
+          <p:nvPr>
+            <p:ph type="title"/>
+          </p:nvPr>
+        </p:nvSpPr>
+        <p:spPr/>
+        <p:txBody>
+          <a:bodyPr/>
+          <a:lstStyle/>
+          <a:p>
+            <a:r>
+              <a:rPr lang="en-US" dirty="0"/>
+              <a:t>Identifying use cases</a:t>
+            </a:r>
+          </a:p>
+        </p:txBody>
+      </p:sp>
+      <p:sp>
+        <p:nvSpPr>
+          <p:cNvPr id="3" name="Content Placeholder 2"/>
+          <p:cNvSpPr>
+            <a:spLocks noGrp="1"/>
+          </p:cNvSpPr>
+          <p:nvPr>
+            <p:ph idx="1"/>
+          </p:nvPr>
+        </p:nvSpPr>
+        <p:spPr/>
+        <p:txBody>
+          <a:bodyPr/>
+          <a:lstStyle/>
+          <a:p>
+            <a:pPr marL="0" indent="0">
+              <a:buNone/>
+            </a:pPr>
+            <a:r>
+              <a:rPr lang="en-US" dirty="0"/>
+              <a:t>Identify actors first, then the processes</a:t>
+            </a:r>
+          </a:p>
+          <a:p>
+            <a:pPr marL="0" indent="0">
+              <a:buNone/>
+            </a:pPr>
+            <a:r>
+              <a:rPr lang="en-US" dirty="0"/>
+              <a:t>Create a scenario to illustrate the process, then generalize</a:t>
+            </a:r>
+          </a:p>
+          <a:p>
+            <a:pPr marL="0" indent="0">
+              <a:buNone/>
+            </a:pPr>
+            <a:r>
+              <a:rPr lang="en-US" dirty="0"/>
+              <a:t>Using the business process description, ask:</a:t>
+            </a:r>
+          </a:p>
+          <a:p>
+            <a:pPr marL="457200" lvl="1" indent="0">
+              <a:buNone/>
+            </a:pPr>
+            <a:r>
+              <a:rPr lang="en-US" dirty="0"/>
+              <a:t>“What tasks must the system perform”</a:t>
+            </a:r>
+          </a:p>
+          <a:p>
+            <a:pPr marL="0" indent="0">
+              <a:buNone/>
+            </a:pPr>
+            <a:r>
+              <a:rPr lang="en-US" dirty="0"/>
+              <a:t>Identify external events to which the system must respond</a:t>
+            </a:r>
+          </a:p>
+          <a:p>
+            <a:pPr marL="0" indent="0">
+              <a:buNone/>
+            </a:pPr>
+            <a:r>
+              <a:rPr lang="en-US" dirty="0"/>
+              <a:t>Use a CRUD analysis to identify data entities</a:t>
+            </a:r>
+          </a:p>
+          <a:p>
+            <a:pPr marL="0" indent="0">
+              <a:buNone/>
+            </a:pPr>
+            <a:r>
+              <a:rPr lang="en-US" dirty="0"/>
+              <a:t>Examine the context diagram and ask:</a:t>
+            </a:r>
+          </a:p>
+          <a:p>
+            <a:pPr marL="457200" lvl="1" indent="0">
+              <a:buNone/>
+            </a:pPr>
+            <a:r>
+              <a:rPr lang="en-US" dirty="0"/>
+              <a:t>“What objectives do each of these external entities want to achieve”</a:t>
+            </a:r>
+          </a:p>
+        </p:txBody>
+      </p:sp>
+    </p:spTree>
+    <p:extLst>
+      <p:ext uri="{BB962C8B-B14F-4D97-AF65-F5344CB8AC3E}">
+        <p14:creationId xmlns:p14="http://schemas.microsoft.com/office/powerpoint/2010/main" val="25737474"/>
+      </p:ext>
+    </p:extLst>
+  </p:cSld>
+  <p:clrMapOvr>
+    <a:masterClrMapping/>
+  </p:clrMapOvr>
+</p:sld>
+</file>
+
+<file path=ppt/slides/slide21.xml><?xml version="1.0" encoding="utf-8"?>
+<p:sld xmlns:a="http://schemas.openxmlformats.org/drawingml/2006/main" xmlns:r="http://schemas.openxmlformats.org/officeDocument/2006/relationships" xmlns:p="http://schemas.openxmlformats.org/presentationml/2006/main">
+  <p:cSld>
+    <p:spTree>
+      <p:nvGrpSpPr>
+        <p:cNvPr id="1" name=""/>
+        <p:cNvGrpSpPr/>
+        <p:nvPr/>
+      </p:nvGrpSpPr>
+      <p:grpSpPr>
+        <a:xfrm>
+          <a:off x="0" y="0"/>
+          <a:ext cx="0" cy="0"/>
+          <a:chOff x="0" y="0"/>
+          <a:chExt cx="0" cy="0"/>
+        </a:xfrm>
+      </p:grpSpPr>
+      <p:sp>
+        <p:nvSpPr>
+          <p:cNvPr id="4" name="Title 3"/>
+          <p:cNvSpPr>
+            <a:spLocks noGrp="1"/>
+          </p:cNvSpPr>
+          <p:nvPr>
+            <p:ph type="title"/>
+          </p:nvPr>
+        </p:nvSpPr>
+        <p:spPr/>
+        <p:txBody>
+          <a:bodyPr/>
+          <a:lstStyle/>
+          <a:p>
+            <a:r>
+              <a:rPr lang="en-US" dirty="0"/>
+              <a:t>Requirements specification</a:t>
+            </a:r>
+          </a:p>
+        </p:txBody>
+      </p:sp>
+      <p:sp>
+        <p:nvSpPr>
+          <p:cNvPr id="5" name="Text Placeholder 4"/>
+          <p:cNvSpPr>
+            <a:spLocks noGrp="1"/>
+          </p:cNvSpPr>
+          <p:nvPr>
+            <p:ph type="body" idx="1"/>
+          </p:nvPr>
+        </p:nvSpPr>
+        <p:spPr/>
+        <p:txBody>
+          <a:bodyPr/>
+          <a:lstStyle/>
+          <a:p>
+            <a:r>
+              <a:rPr lang="en-US" dirty="0"/>
+              <a:t>Getting it all on paper</a:t>
+            </a:r>
+          </a:p>
+        </p:txBody>
+      </p:sp>
+      <p:grpSp>
+        <p:nvGrpSpPr>
+          <p:cNvPr id="21" name="Group 20">
+            <a:extLst>
+              <a:ext uri="{FF2B5EF4-FFF2-40B4-BE49-F238E27FC236}">
+                <a16:creationId xmlns:a16="http://schemas.microsoft.com/office/drawing/2014/main" id="{66F29926-1CC9-724C-BCBC-10945CD0CCE8}"/>
+              </a:ext>
+            </a:extLst>
+          </p:cNvPr>
+          <p:cNvGrpSpPr/>
+          <p:nvPr/>
+        </p:nvGrpSpPr>
+        <p:grpSpPr>
+          <a:xfrm>
+            <a:off x="6423559" y="5490313"/>
+            <a:ext cx="4930241" cy="1002562"/>
+            <a:chOff x="800131" y="3430683"/>
+            <a:chExt cx="4930241" cy="1002562"/>
+          </a:xfrm>
+        </p:grpSpPr>
+        <p:sp>
+          <p:nvSpPr>
+            <p:cNvPr id="22" name="Rectangle 3">
+              <a:extLst>
+                <a:ext uri="{FF2B5EF4-FFF2-40B4-BE49-F238E27FC236}">
+                  <a16:creationId xmlns:a16="http://schemas.microsoft.com/office/drawing/2014/main" id="{CB00E124-C548-7847-9E8F-67A67E791E30}"/>
+                </a:ext>
+              </a:extLst>
+            </p:cNvPr>
+            <p:cNvSpPr/>
+            <p:nvPr/>
+          </p:nvSpPr>
+          <p:spPr>
+            <a:xfrm>
+              <a:off x="800131" y="3430683"/>
+              <a:ext cx="1019571" cy="228726"/>
+            </a:xfrm>
+            <a:custGeom>
+              <a:avLst/>
+              <a:gdLst>
+                <a:gd name="connsiteX0" fmla="*/ 0 w 2106881"/>
+                <a:gd name="connsiteY0" fmla="*/ 0 h 593766"/>
+                <a:gd name="connsiteX1" fmla="*/ 2106881 w 2106881"/>
+                <a:gd name="connsiteY1" fmla="*/ 0 h 593766"/>
+                <a:gd name="connsiteX2" fmla="*/ 2106881 w 2106881"/>
+                <a:gd name="connsiteY2" fmla="*/ 593766 h 593766"/>
+                <a:gd name="connsiteX3" fmla="*/ 0 w 2106881"/>
+                <a:gd name="connsiteY3" fmla="*/ 593766 h 593766"/>
+                <a:gd name="connsiteX4" fmla="*/ 0 w 2106881"/>
+                <a:gd name="connsiteY4" fmla="*/ 0 h 593766"/>
+                <a:gd name="connsiteX0" fmla="*/ 0 w 2106881"/>
+                <a:gd name="connsiteY0" fmla="*/ 0 h 593766"/>
+                <a:gd name="connsiteX1" fmla="*/ 521175 w 2106881"/>
+                <a:gd name="connsiteY1" fmla="*/ 1397 h 593766"/>
+                <a:gd name="connsiteX2" fmla="*/ 2106881 w 2106881"/>
+                <a:gd name="connsiteY2" fmla="*/ 0 h 593766"/>
+                <a:gd name="connsiteX3" fmla="*/ 2106881 w 2106881"/>
+                <a:gd name="connsiteY3" fmla="*/ 593766 h 593766"/>
+                <a:gd name="connsiteX4" fmla="*/ 0 w 2106881"/>
+                <a:gd name="connsiteY4" fmla="*/ 593766 h 593766"/>
+                <a:gd name="connsiteX5" fmla="*/ 0 w 2106881"/>
+                <a:gd name="connsiteY5" fmla="*/ 0 h 593766"/>
+                <a:gd name="connsiteX0" fmla="*/ 0 w 2106881"/>
+                <a:gd name="connsiteY0" fmla="*/ 0 h 593766"/>
+                <a:gd name="connsiteX1" fmla="*/ 521175 w 2106881"/>
+                <a:gd name="connsiteY1" fmla="*/ 1397 h 593766"/>
+                <a:gd name="connsiteX2" fmla="*/ 1636058 w 2106881"/>
+                <a:gd name="connsiteY2" fmla="*/ 1397 h 593766"/>
+                <a:gd name="connsiteX3" fmla="*/ 2106881 w 2106881"/>
+                <a:gd name="connsiteY3" fmla="*/ 0 h 593766"/>
+                <a:gd name="connsiteX4" fmla="*/ 2106881 w 2106881"/>
+                <a:gd name="connsiteY4" fmla="*/ 593766 h 593766"/>
+                <a:gd name="connsiteX5" fmla="*/ 0 w 2106881"/>
+                <a:gd name="connsiteY5" fmla="*/ 593766 h 593766"/>
+                <a:gd name="connsiteX6" fmla="*/ 0 w 2106881"/>
+                <a:gd name="connsiteY6" fmla="*/ 0 h 593766"/>
+                <a:gd name="connsiteX0" fmla="*/ 0 w 2106881"/>
+                <a:gd name="connsiteY0" fmla="*/ 0 h 593766"/>
+                <a:gd name="connsiteX1" fmla="*/ 521175 w 2106881"/>
+                <a:gd name="connsiteY1" fmla="*/ 1397 h 593766"/>
+                <a:gd name="connsiteX2" fmla="*/ 1636058 w 2106881"/>
+                <a:gd name="connsiteY2" fmla="*/ 1397 h 593766"/>
+                <a:gd name="connsiteX3" fmla="*/ 2106881 w 2106881"/>
+                <a:gd name="connsiteY3" fmla="*/ 0 h 593766"/>
+                <a:gd name="connsiteX4" fmla="*/ 2106881 w 2106881"/>
+                <a:gd name="connsiteY4" fmla="*/ 593766 h 593766"/>
+                <a:gd name="connsiteX5" fmla="*/ 1010159 w 2106881"/>
+                <a:gd name="connsiteY5" fmla="*/ 593068 h 593766"/>
+                <a:gd name="connsiteX6" fmla="*/ 0 w 2106881"/>
+                <a:gd name="connsiteY6" fmla="*/ 593766 h 593766"/>
+                <a:gd name="connsiteX7" fmla="*/ 0 w 2106881"/>
+                <a:gd name="connsiteY7" fmla="*/ 0 h 593766"/>
+                <a:gd name="connsiteX0" fmla="*/ 0 w 2106881"/>
+                <a:gd name="connsiteY0" fmla="*/ 0 h 593766"/>
+                <a:gd name="connsiteX1" fmla="*/ 521175 w 2106881"/>
+                <a:gd name="connsiteY1" fmla="*/ 1397 h 593766"/>
+                <a:gd name="connsiteX2" fmla="*/ 1636058 w 2106881"/>
+                <a:gd name="connsiteY2" fmla="*/ 1397 h 593766"/>
+                <a:gd name="connsiteX3" fmla="*/ 2106881 w 2106881"/>
+                <a:gd name="connsiteY3" fmla="*/ 0 h 593766"/>
+                <a:gd name="connsiteX4" fmla="*/ 2106881 w 2106881"/>
+                <a:gd name="connsiteY4" fmla="*/ 593766 h 593766"/>
+                <a:gd name="connsiteX5" fmla="*/ 1631169 w 2106881"/>
+                <a:gd name="connsiteY5" fmla="*/ 593068 h 593766"/>
+                <a:gd name="connsiteX6" fmla="*/ 1010159 w 2106881"/>
+                <a:gd name="connsiteY6" fmla="*/ 593068 h 593766"/>
+                <a:gd name="connsiteX7" fmla="*/ 0 w 2106881"/>
+                <a:gd name="connsiteY7" fmla="*/ 593766 h 593766"/>
+                <a:gd name="connsiteX8" fmla="*/ 0 w 2106881"/>
+                <a:gd name="connsiteY8" fmla="*/ 0 h 593766"/>
+                <a:gd name="connsiteX0" fmla="*/ 0 w 2106881"/>
+                <a:gd name="connsiteY0" fmla="*/ 0 h 593766"/>
+                <a:gd name="connsiteX1" fmla="*/ 521175 w 2106881"/>
+                <a:gd name="connsiteY1" fmla="*/ 1397 h 593766"/>
+                <a:gd name="connsiteX2" fmla="*/ 1636058 w 2106881"/>
+                <a:gd name="connsiteY2" fmla="*/ 1397 h 593766"/>
+                <a:gd name="connsiteX3" fmla="*/ 2106881 w 2106881"/>
+                <a:gd name="connsiteY3" fmla="*/ 0 h 593766"/>
+                <a:gd name="connsiteX4" fmla="*/ 2106881 w 2106881"/>
+                <a:gd name="connsiteY4" fmla="*/ 593766 h 593766"/>
+                <a:gd name="connsiteX5" fmla="*/ 1631169 w 2106881"/>
+                <a:gd name="connsiteY5" fmla="*/ 593068 h 593766"/>
+                <a:gd name="connsiteX6" fmla="*/ 1010159 w 2106881"/>
+                <a:gd name="connsiteY6" fmla="*/ 593068 h 593766"/>
+                <a:gd name="connsiteX7" fmla="*/ 428268 w 2106881"/>
+                <a:gd name="connsiteY7" fmla="*/ 588178 h 593766"/>
+                <a:gd name="connsiteX8" fmla="*/ 0 w 2106881"/>
+                <a:gd name="connsiteY8" fmla="*/ 593766 h 593766"/>
+                <a:gd name="connsiteX9" fmla="*/ 0 w 2106881"/>
+                <a:gd name="connsiteY9" fmla="*/ 0 h 593766"/>
+              </a:gdLst>
+              <a:ahLst/>
+              <a:cxnLst>
+                <a:cxn ang="0">
+                  <a:pos x="connsiteX0" y="connsiteY0"/>
+                </a:cxn>
+                <a:cxn ang="0">
+                  <a:pos x="connsiteX1" y="connsiteY1"/>
+                </a:cxn>
+                <a:cxn ang="0">
+                  <a:pos x="connsiteX2" y="connsiteY2"/>
+                </a:cxn>
+                <a:cxn ang="0">
+                  <a:pos x="connsiteX3" y="connsiteY3"/>
+                </a:cxn>
+                <a:cxn ang="0">
+                  <a:pos x="connsiteX4" y="connsiteY4"/>
+                </a:cxn>
+                <a:cxn ang="0">
+                  <a:pos x="connsiteX5" y="connsiteY5"/>
+                </a:cxn>
+                <a:cxn ang="0">
+                  <a:pos x="connsiteX6" y="connsiteY6"/>
+                </a:cxn>
+                <a:cxn ang="0">
+                  <a:pos x="connsiteX7" y="connsiteY7"/>
+                </a:cxn>
+                <a:cxn ang="0">
+                  <a:pos x="connsiteX8" y="connsiteY8"/>
+                </a:cxn>
+                <a:cxn ang="0">
+                  <a:pos x="connsiteX9" y="connsiteY9"/>
+                </a:cxn>
+              </a:cxnLst>
+              <a:rect l="l" t="t" r="r" b="b"/>
+              <a:pathLst>
+                <a:path w="2106881" h="593766">
+                  <a:moveTo>
+                    <a:pt x="0" y="0"/>
+                  </a:moveTo>
+                  <a:lnTo>
+                    <a:pt x="521175" y="1397"/>
+                  </a:lnTo>
+                  <a:lnTo>
+                    <a:pt x="1636058" y="1397"/>
+                  </a:lnTo>
+                  <a:lnTo>
+                    <a:pt x="2106881" y="0"/>
+                  </a:lnTo>
+                  <a:lnTo>
+                    <a:pt x="2106881" y="593766"/>
+                  </a:lnTo>
+                  <a:lnTo>
+                    <a:pt x="1631169" y="593068"/>
+                  </a:lnTo>
+                  <a:lnTo>
+                    <a:pt x="1010159" y="593068"/>
+                  </a:lnTo>
+                  <a:lnTo>
+                    <a:pt x="428268" y="588178"/>
+                  </a:lnTo>
+                  <a:lnTo>
+                    <a:pt x="0" y="593766"/>
+                  </a:lnTo>
+                  <a:lnTo>
+                    <a:pt x="0" y="0"/>
+                  </a:lnTo>
+                  <a:close/>
+                </a:path>
+              </a:pathLst>
+            </a:custGeom>
+            <a:solidFill>
+              <a:schemeClr val="tx1">
+                <a:lumMod val="50000"/>
+                <a:lumOff val="50000"/>
+              </a:schemeClr>
+            </a:solidFill>
+            <a:ln>
+              <a:solidFill>
+                <a:schemeClr val="tx1">
+                  <a:lumMod val="85000"/>
+                  <a:lumOff val="15000"/>
+                </a:schemeClr>
+              </a:solidFill>
+            </a:ln>
+          </p:spPr>
+          <p:style>
+            <a:lnRef idx="2">
+              <a:schemeClr val="accent1">
+                <a:shade val="50000"/>
+              </a:schemeClr>
+            </a:lnRef>
+            <a:fillRef idx="1">
+              <a:schemeClr val="accent1"/>
+            </a:fillRef>
+            <a:effectRef idx="0">
+              <a:schemeClr val="accent1"/>
+            </a:effectRef>
+            <a:fontRef idx="minor">
+              <a:schemeClr val="lt1"/>
+            </a:fontRef>
+          </p:style>
+          <p:txBody>
+            <a:bodyPr rtlCol="0" anchor="ctr"/>
+            <a:lstStyle/>
+            <a:p>
+              <a:pPr algn="ctr"/>
+              <a:r>
+                <a:rPr lang="en-US" sz="800" dirty="0">
+                  <a:solidFill>
+                    <a:schemeClr val="bg1"/>
+                  </a:solidFill>
+                </a:rPr>
+                <a:t>Elicitation</a:t>
+              </a:r>
+            </a:p>
+          </p:txBody>
+        </p:sp>
+        <p:sp>
+          <p:nvSpPr>
+            <p:cNvPr id="23" name="Rectangle 3">
+              <a:extLst>
+                <a:ext uri="{FF2B5EF4-FFF2-40B4-BE49-F238E27FC236}">
+                  <a16:creationId xmlns:a16="http://schemas.microsoft.com/office/drawing/2014/main" id="{14C9BAB0-18EB-E349-83B9-1BD1E1AF061D}"/>
+                </a:ext>
+              </a:extLst>
+            </p:cNvPr>
+            <p:cNvSpPr/>
+            <p:nvPr/>
+          </p:nvSpPr>
+          <p:spPr>
+            <a:xfrm>
+              <a:off x="2103688" y="3430683"/>
+              <a:ext cx="1019571" cy="228726"/>
+            </a:xfrm>
+            <a:custGeom>
+              <a:avLst/>
+              <a:gdLst>
+                <a:gd name="connsiteX0" fmla="*/ 0 w 2106881"/>
+                <a:gd name="connsiteY0" fmla="*/ 0 h 593766"/>
+                <a:gd name="connsiteX1" fmla="*/ 2106881 w 2106881"/>
+                <a:gd name="connsiteY1" fmla="*/ 0 h 593766"/>
+                <a:gd name="connsiteX2" fmla="*/ 2106881 w 2106881"/>
+                <a:gd name="connsiteY2" fmla="*/ 593766 h 593766"/>
+                <a:gd name="connsiteX3" fmla="*/ 0 w 2106881"/>
+                <a:gd name="connsiteY3" fmla="*/ 593766 h 593766"/>
+                <a:gd name="connsiteX4" fmla="*/ 0 w 2106881"/>
+                <a:gd name="connsiteY4" fmla="*/ 0 h 593766"/>
+                <a:gd name="connsiteX0" fmla="*/ 0 w 2106881"/>
+                <a:gd name="connsiteY0" fmla="*/ 0 h 593766"/>
+                <a:gd name="connsiteX1" fmla="*/ 521175 w 2106881"/>
+                <a:gd name="connsiteY1" fmla="*/ 1397 h 593766"/>
+                <a:gd name="connsiteX2" fmla="*/ 2106881 w 2106881"/>
+                <a:gd name="connsiteY2" fmla="*/ 0 h 593766"/>
+                <a:gd name="connsiteX3" fmla="*/ 2106881 w 2106881"/>
+                <a:gd name="connsiteY3" fmla="*/ 593766 h 593766"/>
+                <a:gd name="connsiteX4" fmla="*/ 0 w 2106881"/>
+                <a:gd name="connsiteY4" fmla="*/ 593766 h 593766"/>
+                <a:gd name="connsiteX5" fmla="*/ 0 w 2106881"/>
+                <a:gd name="connsiteY5" fmla="*/ 0 h 593766"/>
+                <a:gd name="connsiteX0" fmla="*/ 0 w 2106881"/>
+                <a:gd name="connsiteY0" fmla="*/ 0 h 593766"/>
+                <a:gd name="connsiteX1" fmla="*/ 521175 w 2106881"/>
+                <a:gd name="connsiteY1" fmla="*/ 1397 h 593766"/>
+                <a:gd name="connsiteX2" fmla="*/ 1636058 w 2106881"/>
+                <a:gd name="connsiteY2" fmla="*/ 1397 h 593766"/>
+                <a:gd name="connsiteX3" fmla="*/ 2106881 w 2106881"/>
+                <a:gd name="connsiteY3" fmla="*/ 0 h 593766"/>
+                <a:gd name="connsiteX4" fmla="*/ 2106881 w 2106881"/>
+                <a:gd name="connsiteY4" fmla="*/ 593766 h 593766"/>
+                <a:gd name="connsiteX5" fmla="*/ 0 w 2106881"/>
+                <a:gd name="connsiteY5" fmla="*/ 593766 h 593766"/>
+                <a:gd name="connsiteX6" fmla="*/ 0 w 2106881"/>
+                <a:gd name="connsiteY6" fmla="*/ 0 h 593766"/>
+                <a:gd name="connsiteX0" fmla="*/ 0 w 2106881"/>
+                <a:gd name="connsiteY0" fmla="*/ 0 h 593766"/>
+                <a:gd name="connsiteX1" fmla="*/ 521175 w 2106881"/>
+                <a:gd name="connsiteY1" fmla="*/ 1397 h 593766"/>
+                <a:gd name="connsiteX2" fmla="*/ 1636058 w 2106881"/>
+                <a:gd name="connsiteY2" fmla="*/ 1397 h 593766"/>
+                <a:gd name="connsiteX3" fmla="*/ 2106881 w 2106881"/>
+                <a:gd name="connsiteY3" fmla="*/ 0 h 593766"/>
+                <a:gd name="connsiteX4" fmla="*/ 2106881 w 2106881"/>
+                <a:gd name="connsiteY4" fmla="*/ 593766 h 593766"/>
+                <a:gd name="connsiteX5" fmla="*/ 1010159 w 2106881"/>
+                <a:gd name="connsiteY5" fmla="*/ 593068 h 593766"/>
+                <a:gd name="connsiteX6" fmla="*/ 0 w 2106881"/>
+                <a:gd name="connsiteY6" fmla="*/ 593766 h 593766"/>
+                <a:gd name="connsiteX7" fmla="*/ 0 w 2106881"/>
+                <a:gd name="connsiteY7" fmla="*/ 0 h 593766"/>
+                <a:gd name="connsiteX0" fmla="*/ 0 w 2106881"/>
+                <a:gd name="connsiteY0" fmla="*/ 0 h 593766"/>
+                <a:gd name="connsiteX1" fmla="*/ 521175 w 2106881"/>
+                <a:gd name="connsiteY1" fmla="*/ 1397 h 593766"/>
+                <a:gd name="connsiteX2" fmla="*/ 1636058 w 2106881"/>
+                <a:gd name="connsiteY2" fmla="*/ 1397 h 593766"/>
+                <a:gd name="connsiteX3" fmla="*/ 2106881 w 2106881"/>
+                <a:gd name="connsiteY3" fmla="*/ 0 h 593766"/>
+                <a:gd name="connsiteX4" fmla="*/ 2106881 w 2106881"/>
+                <a:gd name="connsiteY4" fmla="*/ 593766 h 593766"/>
+                <a:gd name="connsiteX5" fmla="*/ 1631169 w 2106881"/>
+                <a:gd name="connsiteY5" fmla="*/ 593068 h 593766"/>
+                <a:gd name="connsiteX6" fmla="*/ 1010159 w 2106881"/>
+                <a:gd name="connsiteY6" fmla="*/ 593068 h 593766"/>
+                <a:gd name="connsiteX7" fmla="*/ 0 w 2106881"/>
+                <a:gd name="connsiteY7" fmla="*/ 593766 h 593766"/>
+                <a:gd name="connsiteX8" fmla="*/ 0 w 2106881"/>
+                <a:gd name="connsiteY8" fmla="*/ 0 h 593766"/>
+                <a:gd name="connsiteX0" fmla="*/ 0 w 2106881"/>
+                <a:gd name="connsiteY0" fmla="*/ 0 h 593766"/>
+                <a:gd name="connsiteX1" fmla="*/ 521175 w 2106881"/>
+                <a:gd name="connsiteY1" fmla="*/ 1397 h 593766"/>
+                <a:gd name="connsiteX2" fmla="*/ 1636058 w 2106881"/>
+                <a:gd name="connsiteY2" fmla="*/ 1397 h 593766"/>
+                <a:gd name="connsiteX3" fmla="*/ 2106881 w 2106881"/>
+                <a:gd name="connsiteY3" fmla="*/ 0 h 593766"/>
+                <a:gd name="connsiteX4" fmla="*/ 2106881 w 2106881"/>
+                <a:gd name="connsiteY4" fmla="*/ 593766 h 593766"/>
+                <a:gd name="connsiteX5" fmla="*/ 1631169 w 2106881"/>
+                <a:gd name="connsiteY5" fmla="*/ 593068 h 593766"/>
+                <a:gd name="connsiteX6" fmla="*/ 1010159 w 2106881"/>
+                <a:gd name="connsiteY6" fmla="*/ 593068 h 593766"/>
+                <a:gd name="connsiteX7" fmla="*/ 428268 w 2106881"/>
+                <a:gd name="connsiteY7" fmla="*/ 588178 h 593766"/>
+                <a:gd name="connsiteX8" fmla="*/ 0 w 2106881"/>
+                <a:gd name="connsiteY8" fmla="*/ 593766 h 593766"/>
+                <a:gd name="connsiteX9" fmla="*/ 0 w 2106881"/>
+                <a:gd name="connsiteY9" fmla="*/ 0 h 593766"/>
+              </a:gdLst>
+              <a:ahLst/>
+              <a:cxnLst>
+                <a:cxn ang="0">
+                  <a:pos x="connsiteX0" y="connsiteY0"/>
+                </a:cxn>
+                <a:cxn ang="0">
+                  <a:pos x="connsiteX1" y="connsiteY1"/>
+                </a:cxn>
+                <a:cxn ang="0">
+                  <a:pos x="connsiteX2" y="connsiteY2"/>
+                </a:cxn>
+                <a:cxn ang="0">
+                  <a:pos x="connsiteX3" y="connsiteY3"/>
+                </a:cxn>
+                <a:cxn ang="0">
+                  <a:pos x="connsiteX4" y="connsiteY4"/>
+                </a:cxn>
+                <a:cxn ang="0">
+                  <a:pos x="connsiteX5" y="connsiteY5"/>
+                </a:cxn>
+                <a:cxn ang="0">
+                  <a:pos x="connsiteX6" y="connsiteY6"/>
+                </a:cxn>
+                <a:cxn ang="0">
+                  <a:pos x="connsiteX7" y="connsiteY7"/>
+                </a:cxn>
+                <a:cxn ang="0">
+                  <a:pos x="connsiteX8" y="connsiteY8"/>
+                </a:cxn>
+                <a:cxn ang="0">
+                  <a:pos x="connsiteX9" y="connsiteY9"/>
+                </a:cxn>
+              </a:cxnLst>
+              <a:rect l="l" t="t" r="r" b="b"/>
+              <a:pathLst>
+                <a:path w="2106881" h="593766">
+                  <a:moveTo>
+                    <a:pt x="0" y="0"/>
+                  </a:moveTo>
+                  <a:lnTo>
+                    <a:pt x="521175" y="1397"/>
+                  </a:lnTo>
+                  <a:lnTo>
+                    <a:pt x="1636058" y="1397"/>
+                  </a:lnTo>
+                  <a:lnTo>
+                    <a:pt x="2106881" y="0"/>
+                  </a:lnTo>
+                  <a:lnTo>
+                    <a:pt x="2106881" y="593766"/>
+                  </a:lnTo>
+                  <a:lnTo>
+                    <a:pt x="1631169" y="593068"/>
+                  </a:lnTo>
+                  <a:lnTo>
+                    <a:pt x="1010159" y="593068"/>
+                  </a:lnTo>
+                  <a:lnTo>
+                    <a:pt x="428268" y="588178"/>
+                  </a:lnTo>
+                  <a:lnTo>
+                    <a:pt x="0" y="593766"/>
+                  </a:lnTo>
+                  <a:lnTo>
+                    <a:pt x="0" y="0"/>
+                  </a:lnTo>
+                  <a:close/>
+                </a:path>
+              </a:pathLst>
+            </a:custGeom>
+            <a:solidFill>
+              <a:schemeClr val="tx1">
+                <a:lumMod val="50000"/>
+                <a:lumOff val="50000"/>
+              </a:schemeClr>
+            </a:solidFill>
+            <a:ln>
+              <a:solidFill>
+                <a:schemeClr val="tx1">
+                  <a:lumMod val="85000"/>
+                  <a:lumOff val="15000"/>
+                </a:schemeClr>
+              </a:solidFill>
+            </a:ln>
+          </p:spPr>
+          <p:style>
+            <a:lnRef idx="2">
+              <a:schemeClr val="accent1">
+                <a:shade val="50000"/>
+              </a:schemeClr>
+            </a:lnRef>
+            <a:fillRef idx="1">
+              <a:schemeClr val="accent1"/>
+            </a:fillRef>
+            <a:effectRef idx="0">
+              <a:schemeClr val="accent1"/>
+            </a:effectRef>
+            <a:fontRef idx="minor">
+              <a:schemeClr val="lt1"/>
+            </a:fontRef>
+          </p:style>
+          <p:txBody>
+            <a:bodyPr rtlCol="0" anchor="ctr"/>
+            <a:lstStyle/>
+            <a:p>
+              <a:pPr algn="ctr"/>
+              <a:r>
+                <a:rPr lang="en-US" sz="800" dirty="0">
+                  <a:solidFill>
+                    <a:schemeClr val="bg1"/>
+                  </a:solidFill>
+                </a:rPr>
+                <a:t>Analysis</a:t>
+              </a:r>
+            </a:p>
+          </p:txBody>
+        </p:sp>
+        <p:sp>
+          <p:nvSpPr>
+            <p:cNvPr id="24" name="Rectangle 3">
+              <a:extLst>
+                <a:ext uri="{FF2B5EF4-FFF2-40B4-BE49-F238E27FC236}">
+                  <a16:creationId xmlns:a16="http://schemas.microsoft.com/office/drawing/2014/main" id="{E1D30090-947A-4841-B1E2-A8078AB4BBB4}"/>
+                </a:ext>
+              </a:extLst>
+            </p:cNvPr>
+            <p:cNvSpPr/>
+            <p:nvPr/>
+          </p:nvSpPr>
+          <p:spPr>
+            <a:xfrm>
+              <a:off x="3407244" y="3430683"/>
+              <a:ext cx="1019571" cy="228726"/>
+            </a:xfrm>
+            <a:custGeom>
+              <a:avLst/>
+              <a:gdLst>
+                <a:gd name="connsiteX0" fmla="*/ 0 w 2106881"/>
+                <a:gd name="connsiteY0" fmla="*/ 0 h 593766"/>
+                <a:gd name="connsiteX1" fmla="*/ 2106881 w 2106881"/>
+                <a:gd name="connsiteY1" fmla="*/ 0 h 593766"/>
+                <a:gd name="connsiteX2" fmla="*/ 2106881 w 2106881"/>
+                <a:gd name="connsiteY2" fmla="*/ 593766 h 593766"/>
+                <a:gd name="connsiteX3" fmla="*/ 0 w 2106881"/>
+                <a:gd name="connsiteY3" fmla="*/ 593766 h 593766"/>
+                <a:gd name="connsiteX4" fmla="*/ 0 w 2106881"/>
+                <a:gd name="connsiteY4" fmla="*/ 0 h 593766"/>
+                <a:gd name="connsiteX0" fmla="*/ 0 w 2106881"/>
+                <a:gd name="connsiteY0" fmla="*/ 0 h 593766"/>
+                <a:gd name="connsiteX1" fmla="*/ 521175 w 2106881"/>
+                <a:gd name="connsiteY1" fmla="*/ 1397 h 593766"/>
+                <a:gd name="connsiteX2" fmla="*/ 2106881 w 2106881"/>
+                <a:gd name="connsiteY2" fmla="*/ 0 h 593766"/>
+                <a:gd name="connsiteX3" fmla="*/ 2106881 w 2106881"/>
+                <a:gd name="connsiteY3" fmla="*/ 593766 h 593766"/>
+                <a:gd name="connsiteX4" fmla="*/ 0 w 2106881"/>
+                <a:gd name="connsiteY4" fmla="*/ 593766 h 593766"/>
+                <a:gd name="connsiteX5" fmla="*/ 0 w 2106881"/>
+                <a:gd name="connsiteY5" fmla="*/ 0 h 593766"/>
+                <a:gd name="connsiteX0" fmla="*/ 0 w 2106881"/>
+                <a:gd name="connsiteY0" fmla="*/ 0 h 593766"/>
+                <a:gd name="connsiteX1" fmla="*/ 521175 w 2106881"/>
+                <a:gd name="connsiteY1" fmla="*/ 1397 h 593766"/>
+                <a:gd name="connsiteX2" fmla="*/ 1636058 w 2106881"/>
+                <a:gd name="connsiteY2" fmla="*/ 1397 h 593766"/>
+                <a:gd name="connsiteX3" fmla="*/ 2106881 w 2106881"/>
+                <a:gd name="connsiteY3" fmla="*/ 0 h 593766"/>
+                <a:gd name="connsiteX4" fmla="*/ 2106881 w 2106881"/>
+                <a:gd name="connsiteY4" fmla="*/ 593766 h 593766"/>
+                <a:gd name="connsiteX5" fmla="*/ 0 w 2106881"/>
+                <a:gd name="connsiteY5" fmla="*/ 593766 h 593766"/>
+                <a:gd name="connsiteX6" fmla="*/ 0 w 2106881"/>
+                <a:gd name="connsiteY6" fmla="*/ 0 h 593766"/>
+                <a:gd name="connsiteX0" fmla="*/ 0 w 2106881"/>
+                <a:gd name="connsiteY0" fmla="*/ 0 h 593766"/>
+                <a:gd name="connsiteX1" fmla="*/ 521175 w 2106881"/>
+                <a:gd name="connsiteY1" fmla="*/ 1397 h 593766"/>
+                <a:gd name="connsiteX2" fmla="*/ 1636058 w 2106881"/>
+                <a:gd name="connsiteY2" fmla="*/ 1397 h 593766"/>
+                <a:gd name="connsiteX3" fmla="*/ 2106881 w 2106881"/>
+                <a:gd name="connsiteY3" fmla="*/ 0 h 593766"/>
+                <a:gd name="connsiteX4" fmla="*/ 2106881 w 2106881"/>
+                <a:gd name="connsiteY4" fmla="*/ 593766 h 593766"/>
+                <a:gd name="connsiteX5" fmla="*/ 1010159 w 2106881"/>
+                <a:gd name="connsiteY5" fmla="*/ 593068 h 593766"/>
+                <a:gd name="connsiteX6" fmla="*/ 0 w 2106881"/>
+                <a:gd name="connsiteY6" fmla="*/ 593766 h 593766"/>
+                <a:gd name="connsiteX7" fmla="*/ 0 w 2106881"/>
+                <a:gd name="connsiteY7" fmla="*/ 0 h 593766"/>
+                <a:gd name="connsiteX0" fmla="*/ 0 w 2106881"/>
+                <a:gd name="connsiteY0" fmla="*/ 0 h 593766"/>
+                <a:gd name="connsiteX1" fmla="*/ 521175 w 2106881"/>
+                <a:gd name="connsiteY1" fmla="*/ 1397 h 593766"/>
+                <a:gd name="connsiteX2" fmla="*/ 1636058 w 2106881"/>
+                <a:gd name="connsiteY2" fmla="*/ 1397 h 593766"/>
+                <a:gd name="connsiteX3" fmla="*/ 2106881 w 2106881"/>
+                <a:gd name="connsiteY3" fmla="*/ 0 h 593766"/>
+                <a:gd name="connsiteX4" fmla="*/ 2106881 w 2106881"/>
+                <a:gd name="connsiteY4" fmla="*/ 593766 h 593766"/>
+                <a:gd name="connsiteX5" fmla="*/ 1631169 w 2106881"/>
+                <a:gd name="connsiteY5" fmla="*/ 593068 h 593766"/>
+                <a:gd name="connsiteX6" fmla="*/ 1010159 w 2106881"/>
+                <a:gd name="connsiteY6" fmla="*/ 593068 h 593766"/>
+                <a:gd name="connsiteX7" fmla="*/ 0 w 2106881"/>
+                <a:gd name="connsiteY7" fmla="*/ 593766 h 593766"/>
+                <a:gd name="connsiteX8" fmla="*/ 0 w 2106881"/>
+                <a:gd name="connsiteY8" fmla="*/ 0 h 593766"/>
+                <a:gd name="connsiteX0" fmla="*/ 0 w 2106881"/>
+                <a:gd name="connsiteY0" fmla="*/ 0 h 593766"/>
+                <a:gd name="connsiteX1" fmla="*/ 521175 w 2106881"/>
+                <a:gd name="connsiteY1" fmla="*/ 1397 h 593766"/>
+                <a:gd name="connsiteX2" fmla="*/ 1636058 w 2106881"/>
+                <a:gd name="connsiteY2" fmla="*/ 1397 h 593766"/>
+                <a:gd name="connsiteX3" fmla="*/ 2106881 w 2106881"/>
+                <a:gd name="connsiteY3" fmla="*/ 0 h 593766"/>
+                <a:gd name="connsiteX4" fmla="*/ 2106881 w 2106881"/>
+                <a:gd name="connsiteY4" fmla="*/ 593766 h 593766"/>
+                <a:gd name="connsiteX5" fmla="*/ 1631169 w 2106881"/>
+                <a:gd name="connsiteY5" fmla="*/ 593068 h 593766"/>
+                <a:gd name="connsiteX6" fmla="*/ 1010159 w 2106881"/>
+                <a:gd name="connsiteY6" fmla="*/ 593068 h 593766"/>
+                <a:gd name="connsiteX7" fmla="*/ 428268 w 2106881"/>
+                <a:gd name="connsiteY7" fmla="*/ 588178 h 593766"/>
+                <a:gd name="connsiteX8" fmla="*/ 0 w 2106881"/>
+                <a:gd name="connsiteY8" fmla="*/ 593766 h 593766"/>
+                <a:gd name="connsiteX9" fmla="*/ 0 w 2106881"/>
+                <a:gd name="connsiteY9" fmla="*/ 0 h 593766"/>
+              </a:gdLst>
+              <a:ahLst/>
+              <a:cxnLst>
+                <a:cxn ang="0">
+                  <a:pos x="connsiteX0" y="connsiteY0"/>
+                </a:cxn>
+                <a:cxn ang="0">
+                  <a:pos x="connsiteX1" y="connsiteY1"/>
+                </a:cxn>
+                <a:cxn ang="0">
+                  <a:pos x="connsiteX2" y="connsiteY2"/>
+                </a:cxn>
+                <a:cxn ang="0">
+                  <a:pos x="connsiteX3" y="connsiteY3"/>
+                </a:cxn>
+                <a:cxn ang="0">
+                  <a:pos x="connsiteX4" y="connsiteY4"/>
+                </a:cxn>
+                <a:cxn ang="0">
+                  <a:pos x="connsiteX5" y="connsiteY5"/>
+                </a:cxn>
+                <a:cxn ang="0">
+                  <a:pos x="connsiteX6" y="connsiteY6"/>
+                </a:cxn>
+                <a:cxn ang="0">
+                  <a:pos x="connsiteX7" y="connsiteY7"/>
+                </a:cxn>
+                <a:cxn ang="0">
+                  <a:pos x="connsiteX8" y="connsiteY8"/>
+                </a:cxn>
+                <a:cxn ang="0">
+                  <a:pos x="connsiteX9" y="connsiteY9"/>
+                </a:cxn>
+              </a:cxnLst>
+              <a:rect l="l" t="t" r="r" b="b"/>
+              <a:pathLst>
+                <a:path w="2106881" h="593766">
+                  <a:moveTo>
+                    <a:pt x="0" y="0"/>
+                  </a:moveTo>
+                  <a:lnTo>
+                    <a:pt x="521175" y="1397"/>
+                  </a:lnTo>
+                  <a:lnTo>
+                    <a:pt x="1636058" y="1397"/>
+                  </a:lnTo>
+                  <a:lnTo>
+                    <a:pt x="2106881" y="0"/>
+                  </a:lnTo>
+                  <a:lnTo>
+                    <a:pt x="2106881" y="593766"/>
+                  </a:lnTo>
+                  <a:lnTo>
+                    <a:pt x="1631169" y="593068"/>
+                  </a:lnTo>
+                  <a:lnTo>
+                    <a:pt x="1010159" y="593068"/>
+                  </a:lnTo>
+                  <a:lnTo>
+                    <a:pt x="428268" y="588178"/>
+                  </a:lnTo>
+                  <a:lnTo>
+                    <a:pt x="0" y="593766"/>
+                  </a:lnTo>
+                  <a:lnTo>
+                    <a:pt x="0" y="0"/>
+                  </a:lnTo>
+                  <a:close/>
+                </a:path>
+              </a:pathLst>
+            </a:custGeom>
+            <a:solidFill>
+              <a:schemeClr val="accent1"/>
+            </a:solidFill>
+            <a:ln>
+              <a:solidFill>
+                <a:schemeClr val="tx1">
+                  <a:lumMod val="85000"/>
+                  <a:lumOff val="15000"/>
+                </a:schemeClr>
+              </a:solidFill>
+            </a:ln>
+          </p:spPr>
+          <p:style>
+            <a:lnRef idx="2">
+              <a:schemeClr val="accent1">
+                <a:shade val="50000"/>
+              </a:schemeClr>
+            </a:lnRef>
+            <a:fillRef idx="1">
+              <a:schemeClr val="accent1"/>
+            </a:fillRef>
+            <a:effectRef idx="0">
+              <a:schemeClr val="accent1"/>
+            </a:effectRef>
+            <a:fontRef idx="minor">
+              <a:schemeClr val="lt1"/>
+            </a:fontRef>
+          </p:style>
+          <p:txBody>
+            <a:bodyPr rtlCol="0" anchor="ctr"/>
+            <a:lstStyle/>
+            <a:p>
+              <a:pPr algn="ctr"/>
+              <a:r>
+                <a:rPr lang="en-US" sz="800" dirty="0">
+                  <a:solidFill>
+                    <a:schemeClr val="bg1"/>
+                  </a:solidFill>
+                </a:rPr>
+                <a:t>Specification</a:t>
+              </a:r>
+            </a:p>
+          </p:txBody>
+        </p:sp>
+        <p:sp>
+          <p:nvSpPr>
+            <p:cNvPr id="25" name="Rectangle 3">
+              <a:extLst>
+                <a:ext uri="{FF2B5EF4-FFF2-40B4-BE49-F238E27FC236}">
+                  <a16:creationId xmlns:a16="http://schemas.microsoft.com/office/drawing/2014/main" id="{CCA78CBC-4FF0-7B46-8818-52895F12D3EC}"/>
+                </a:ext>
+              </a:extLst>
+            </p:cNvPr>
+            <p:cNvSpPr/>
+            <p:nvPr/>
+          </p:nvSpPr>
+          <p:spPr>
+            <a:xfrm>
+              <a:off x="4710801" y="3430683"/>
+              <a:ext cx="1019571" cy="228726"/>
+            </a:xfrm>
+            <a:custGeom>
+              <a:avLst/>
+              <a:gdLst>
+                <a:gd name="connsiteX0" fmla="*/ 0 w 2106881"/>
+                <a:gd name="connsiteY0" fmla="*/ 0 h 593766"/>
+                <a:gd name="connsiteX1" fmla="*/ 2106881 w 2106881"/>
+                <a:gd name="connsiteY1" fmla="*/ 0 h 593766"/>
+                <a:gd name="connsiteX2" fmla="*/ 2106881 w 2106881"/>
+                <a:gd name="connsiteY2" fmla="*/ 593766 h 593766"/>
+                <a:gd name="connsiteX3" fmla="*/ 0 w 2106881"/>
+                <a:gd name="connsiteY3" fmla="*/ 593766 h 593766"/>
+                <a:gd name="connsiteX4" fmla="*/ 0 w 2106881"/>
+                <a:gd name="connsiteY4" fmla="*/ 0 h 593766"/>
+                <a:gd name="connsiteX0" fmla="*/ 0 w 2106881"/>
+                <a:gd name="connsiteY0" fmla="*/ 0 h 593766"/>
+                <a:gd name="connsiteX1" fmla="*/ 521175 w 2106881"/>
+                <a:gd name="connsiteY1" fmla="*/ 1397 h 593766"/>
+                <a:gd name="connsiteX2" fmla="*/ 2106881 w 2106881"/>
+                <a:gd name="connsiteY2" fmla="*/ 0 h 593766"/>
+                <a:gd name="connsiteX3" fmla="*/ 2106881 w 2106881"/>
+                <a:gd name="connsiteY3" fmla="*/ 593766 h 593766"/>
+                <a:gd name="connsiteX4" fmla="*/ 0 w 2106881"/>
+                <a:gd name="connsiteY4" fmla="*/ 593766 h 593766"/>
+                <a:gd name="connsiteX5" fmla="*/ 0 w 2106881"/>
+                <a:gd name="connsiteY5" fmla="*/ 0 h 593766"/>
+                <a:gd name="connsiteX0" fmla="*/ 0 w 2106881"/>
+                <a:gd name="connsiteY0" fmla="*/ 0 h 593766"/>
+                <a:gd name="connsiteX1" fmla="*/ 521175 w 2106881"/>
+                <a:gd name="connsiteY1" fmla="*/ 1397 h 593766"/>
+                <a:gd name="connsiteX2" fmla="*/ 1636058 w 2106881"/>
+                <a:gd name="connsiteY2" fmla="*/ 1397 h 593766"/>
+                <a:gd name="connsiteX3" fmla="*/ 2106881 w 2106881"/>
+                <a:gd name="connsiteY3" fmla="*/ 0 h 593766"/>
+                <a:gd name="connsiteX4" fmla="*/ 2106881 w 2106881"/>
+                <a:gd name="connsiteY4" fmla="*/ 593766 h 593766"/>
+                <a:gd name="connsiteX5" fmla="*/ 0 w 2106881"/>
+                <a:gd name="connsiteY5" fmla="*/ 593766 h 593766"/>
+                <a:gd name="connsiteX6" fmla="*/ 0 w 2106881"/>
+                <a:gd name="connsiteY6" fmla="*/ 0 h 593766"/>
+                <a:gd name="connsiteX0" fmla="*/ 0 w 2106881"/>
+                <a:gd name="connsiteY0" fmla="*/ 0 h 593766"/>
+                <a:gd name="connsiteX1" fmla="*/ 521175 w 2106881"/>
+                <a:gd name="connsiteY1" fmla="*/ 1397 h 593766"/>
+                <a:gd name="connsiteX2" fmla="*/ 1636058 w 2106881"/>
+                <a:gd name="connsiteY2" fmla="*/ 1397 h 593766"/>
+                <a:gd name="connsiteX3" fmla="*/ 2106881 w 2106881"/>
+                <a:gd name="connsiteY3" fmla="*/ 0 h 593766"/>
+                <a:gd name="connsiteX4" fmla="*/ 2106881 w 2106881"/>
+                <a:gd name="connsiteY4" fmla="*/ 593766 h 593766"/>
+                <a:gd name="connsiteX5" fmla="*/ 1010159 w 2106881"/>
+                <a:gd name="connsiteY5" fmla="*/ 593068 h 593766"/>
+                <a:gd name="connsiteX6" fmla="*/ 0 w 2106881"/>
+                <a:gd name="connsiteY6" fmla="*/ 593766 h 593766"/>
+                <a:gd name="connsiteX7" fmla="*/ 0 w 2106881"/>
+                <a:gd name="connsiteY7" fmla="*/ 0 h 593766"/>
+                <a:gd name="connsiteX0" fmla="*/ 0 w 2106881"/>
+                <a:gd name="connsiteY0" fmla="*/ 0 h 593766"/>
+                <a:gd name="connsiteX1" fmla="*/ 521175 w 2106881"/>
+                <a:gd name="connsiteY1" fmla="*/ 1397 h 593766"/>
+                <a:gd name="connsiteX2" fmla="*/ 1636058 w 2106881"/>
+                <a:gd name="connsiteY2" fmla="*/ 1397 h 593766"/>
+                <a:gd name="connsiteX3" fmla="*/ 2106881 w 2106881"/>
+                <a:gd name="connsiteY3" fmla="*/ 0 h 593766"/>
+                <a:gd name="connsiteX4" fmla="*/ 2106881 w 2106881"/>
+                <a:gd name="connsiteY4" fmla="*/ 593766 h 593766"/>
+                <a:gd name="connsiteX5" fmla="*/ 1631169 w 2106881"/>
+                <a:gd name="connsiteY5" fmla="*/ 593068 h 593766"/>
+                <a:gd name="connsiteX6" fmla="*/ 1010159 w 2106881"/>
+                <a:gd name="connsiteY6" fmla="*/ 593068 h 593766"/>
+                <a:gd name="connsiteX7" fmla="*/ 0 w 2106881"/>
+                <a:gd name="connsiteY7" fmla="*/ 593766 h 593766"/>
+                <a:gd name="connsiteX8" fmla="*/ 0 w 2106881"/>
+                <a:gd name="connsiteY8" fmla="*/ 0 h 593766"/>
+                <a:gd name="connsiteX0" fmla="*/ 0 w 2106881"/>
+                <a:gd name="connsiteY0" fmla="*/ 0 h 593766"/>
+                <a:gd name="connsiteX1" fmla="*/ 521175 w 2106881"/>
+                <a:gd name="connsiteY1" fmla="*/ 1397 h 593766"/>
+                <a:gd name="connsiteX2" fmla="*/ 1636058 w 2106881"/>
+                <a:gd name="connsiteY2" fmla="*/ 1397 h 593766"/>
+                <a:gd name="connsiteX3" fmla="*/ 2106881 w 2106881"/>
+                <a:gd name="connsiteY3" fmla="*/ 0 h 593766"/>
+                <a:gd name="connsiteX4" fmla="*/ 2106881 w 2106881"/>
+                <a:gd name="connsiteY4" fmla="*/ 593766 h 593766"/>
+                <a:gd name="connsiteX5" fmla="*/ 1631169 w 2106881"/>
+                <a:gd name="connsiteY5" fmla="*/ 593068 h 593766"/>
+                <a:gd name="connsiteX6" fmla="*/ 1010159 w 2106881"/>
+                <a:gd name="connsiteY6" fmla="*/ 593068 h 593766"/>
+                <a:gd name="connsiteX7" fmla="*/ 428268 w 2106881"/>
+                <a:gd name="connsiteY7" fmla="*/ 588178 h 593766"/>
+                <a:gd name="connsiteX8" fmla="*/ 0 w 2106881"/>
+                <a:gd name="connsiteY8" fmla="*/ 593766 h 593766"/>
+                <a:gd name="connsiteX9" fmla="*/ 0 w 2106881"/>
+                <a:gd name="connsiteY9" fmla="*/ 0 h 593766"/>
+              </a:gdLst>
+              <a:ahLst/>
+              <a:cxnLst>
+                <a:cxn ang="0">
+                  <a:pos x="connsiteX0" y="connsiteY0"/>
+                </a:cxn>
+                <a:cxn ang="0">
+                  <a:pos x="connsiteX1" y="connsiteY1"/>
+                </a:cxn>
+                <a:cxn ang="0">
+                  <a:pos x="connsiteX2" y="connsiteY2"/>
+                </a:cxn>
+                <a:cxn ang="0">
+                  <a:pos x="connsiteX3" y="connsiteY3"/>
+                </a:cxn>
+                <a:cxn ang="0">
+                  <a:pos x="connsiteX4" y="connsiteY4"/>
+                </a:cxn>
+                <a:cxn ang="0">
+                  <a:pos x="connsiteX5" y="connsiteY5"/>
+                </a:cxn>
+                <a:cxn ang="0">
+                  <a:pos x="connsiteX6" y="connsiteY6"/>
+                </a:cxn>
+                <a:cxn ang="0">
+                  <a:pos x="connsiteX7" y="connsiteY7"/>
+                </a:cxn>
+                <a:cxn ang="0">
+                  <a:pos x="connsiteX8" y="connsiteY8"/>
+                </a:cxn>
+                <a:cxn ang="0">
+                  <a:pos x="connsiteX9" y="connsiteY9"/>
+                </a:cxn>
+              </a:cxnLst>
+              <a:rect l="l" t="t" r="r" b="b"/>
+              <a:pathLst>
+                <a:path w="2106881" h="593766">
+                  <a:moveTo>
+                    <a:pt x="0" y="0"/>
+                  </a:moveTo>
+                  <a:lnTo>
+                    <a:pt x="521175" y="1397"/>
+                  </a:lnTo>
+                  <a:lnTo>
+                    <a:pt x="1636058" y="1397"/>
+                  </a:lnTo>
+                  <a:lnTo>
+                    <a:pt x="2106881" y="0"/>
+                  </a:lnTo>
+                  <a:lnTo>
+                    <a:pt x="2106881" y="593766"/>
+                  </a:lnTo>
+                  <a:lnTo>
+                    <a:pt x="1631169" y="593068"/>
+                  </a:lnTo>
+                  <a:lnTo>
+                    <a:pt x="1010159" y="593068"/>
+                  </a:lnTo>
+                  <a:lnTo>
+                    <a:pt x="428268" y="588178"/>
+                  </a:lnTo>
+                  <a:lnTo>
+                    <a:pt x="0" y="593766"/>
+                  </a:lnTo>
+                  <a:lnTo>
+                    <a:pt x="0" y="0"/>
+                  </a:lnTo>
+                  <a:close/>
+                </a:path>
+              </a:pathLst>
+            </a:custGeom>
+            <a:solidFill>
+              <a:schemeClr val="tx1">
+                <a:lumMod val="50000"/>
+                <a:lumOff val="50000"/>
+              </a:schemeClr>
+            </a:solidFill>
+            <a:ln>
+              <a:solidFill>
+                <a:schemeClr val="tx1">
+                  <a:lumMod val="85000"/>
+                  <a:lumOff val="15000"/>
+                </a:schemeClr>
+              </a:solidFill>
+            </a:ln>
+          </p:spPr>
+          <p:style>
+            <a:lnRef idx="2">
+              <a:schemeClr val="accent1">
+                <a:shade val="50000"/>
+              </a:schemeClr>
+            </a:lnRef>
+            <a:fillRef idx="1">
+              <a:schemeClr val="accent1"/>
+            </a:fillRef>
+            <a:effectRef idx="0">
+              <a:schemeClr val="accent1"/>
+            </a:effectRef>
+            <a:fontRef idx="minor">
+              <a:schemeClr val="lt1"/>
+            </a:fontRef>
+          </p:style>
+          <p:txBody>
+            <a:bodyPr rtlCol="0" anchor="ctr"/>
+            <a:lstStyle/>
+            <a:p>
+              <a:pPr algn="ctr"/>
+              <a:r>
+                <a:rPr lang="en-US" sz="800" dirty="0">
+                  <a:solidFill>
+                    <a:schemeClr val="bg1"/>
+                  </a:solidFill>
+                </a:rPr>
+                <a:t>Validation</a:t>
+              </a:r>
+            </a:p>
+          </p:txBody>
+        </p:sp>
+        <p:cxnSp>
+          <p:nvCxnSpPr>
+            <p:cNvPr id="26" name="Elbow Connector 25">
+              <a:extLst>
+                <a:ext uri="{FF2B5EF4-FFF2-40B4-BE49-F238E27FC236}">
+                  <a16:creationId xmlns:a16="http://schemas.microsoft.com/office/drawing/2014/main" id="{CC71BEB2-69D0-C34D-B0A7-DE9186BDBCB1}"/>
+                </a:ext>
+              </a:extLst>
+            </p:cNvPr>
+            <p:cNvCxnSpPr>
+              <a:stCxn id="25" idx="5"/>
+              <a:endCxn id="22" idx="7"/>
+            </p:cNvCxnSpPr>
+            <p:nvPr/>
+          </p:nvCxnSpPr>
+          <p:spPr>
+            <a:xfrm flipH="1" flipV="1">
+              <a:off x="1007380" y="3657256"/>
+              <a:ext cx="4492783" cy="1884"/>
+            </a:xfrm>
+            <a:prstGeom prst="bentConnector5">
+              <a:avLst>
+                <a:gd name="adj1" fmla="val -32"/>
+                <a:gd name="adj2" fmla="val -30402597"/>
+                <a:gd name="adj3" fmla="val 100021"/>
+              </a:avLst>
+            </a:prstGeom>
+            <a:ln w="28575">
+              <a:solidFill>
+                <a:schemeClr val="tx1">
+                  <a:lumMod val="50000"/>
+                  <a:lumOff val="50000"/>
+                </a:schemeClr>
+              </a:solidFill>
+              <a:tailEnd type="triangle"/>
+            </a:ln>
+          </p:spPr>
+          <p:style>
+            <a:lnRef idx="1">
+              <a:schemeClr val="accent1"/>
+            </a:lnRef>
+            <a:fillRef idx="0">
+              <a:schemeClr val="accent1"/>
+            </a:fillRef>
+            <a:effectRef idx="0">
+              <a:schemeClr val="accent1"/>
+            </a:effectRef>
+            <a:fontRef idx="minor">
+              <a:schemeClr val="tx1"/>
+            </a:fontRef>
+          </p:style>
+        </p:cxnSp>
+        <p:cxnSp>
+          <p:nvCxnSpPr>
+            <p:cNvPr id="27" name="Elbow Connector 26">
+              <a:extLst>
+                <a:ext uri="{FF2B5EF4-FFF2-40B4-BE49-F238E27FC236}">
+                  <a16:creationId xmlns:a16="http://schemas.microsoft.com/office/drawing/2014/main" id="{01EE925F-97ED-2C46-B6D5-7200041EEF29}"/>
+                </a:ext>
+              </a:extLst>
+            </p:cNvPr>
+            <p:cNvCxnSpPr>
+              <a:stCxn id="25" idx="6"/>
+              <a:endCxn id="23" idx="6"/>
+            </p:cNvCxnSpPr>
+            <p:nvPr/>
+          </p:nvCxnSpPr>
+          <p:spPr>
+            <a:xfrm flipH="1">
+              <a:off x="2592528" y="3659140"/>
+              <a:ext cx="2607113" cy="4892"/>
+            </a:xfrm>
+            <a:prstGeom prst="bentConnector5">
+              <a:avLst>
+                <a:gd name="adj1" fmla="val -275"/>
+                <a:gd name="adj2" fmla="val 8958748"/>
+                <a:gd name="adj3" fmla="val 99973"/>
+              </a:avLst>
+            </a:prstGeom>
+            <a:ln w="28575">
+              <a:solidFill>
+                <a:schemeClr val="tx1">
+                  <a:lumMod val="50000"/>
+                  <a:lumOff val="50000"/>
+                </a:schemeClr>
+              </a:solidFill>
+              <a:tailEnd type="triangle"/>
+            </a:ln>
+          </p:spPr>
+          <p:style>
+            <a:lnRef idx="1">
+              <a:schemeClr val="accent1"/>
+            </a:lnRef>
+            <a:fillRef idx="0">
+              <a:schemeClr val="accent1"/>
+            </a:fillRef>
+            <a:effectRef idx="0">
+              <a:schemeClr val="accent1"/>
+            </a:effectRef>
+            <a:fontRef idx="minor">
+              <a:schemeClr val="tx1"/>
+            </a:fontRef>
+          </p:style>
+        </p:cxnSp>
+        <p:cxnSp>
+          <p:nvCxnSpPr>
+            <p:cNvPr id="28" name="Elbow Connector 27">
+              <a:extLst>
+                <a:ext uri="{FF2B5EF4-FFF2-40B4-BE49-F238E27FC236}">
+                  <a16:creationId xmlns:a16="http://schemas.microsoft.com/office/drawing/2014/main" id="{79253A7C-E960-6942-9783-8E024095A330}"/>
+                </a:ext>
+              </a:extLst>
+            </p:cNvPr>
+            <p:cNvCxnSpPr>
+              <a:stCxn id="25" idx="7"/>
+              <a:endCxn id="24" idx="5"/>
+            </p:cNvCxnSpPr>
+            <p:nvPr/>
+          </p:nvCxnSpPr>
+          <p:spPr>
+            <a:xfrm flipH="1">
+              <a:off x="4196607" y="3657256"/>
+              <a:ext cx="721444" cy="1884"/>
+            </a:xfrm>
+            <a:prstGeom prst="bentConnector5">
+              <a:avLst>
+                <a:gd name="adj1" fmla="val 597"/>
+                <a:gd name="adj2" fmla="val 15245930"/>
+                <a:gd name="adj3" fmla="val 99670"/>
+              </a:avLst>
+            </a:prstGeom>
+            <a:ln w="28575">
+              <a:solidFill>
+                <a:schemeClr val="tx1">
+                  <a:lumMod val="50000"/>
+                  <a:lumOff val="50000"/>
+                </a:schemeClr>
+              </a:solidFill>
+              <a:tailEnd type="triangle"/>
+            </a:ln>
+          </p:spPr>
+          <p:style>
+            <a:lnRef idx="1">
+              <a:schemeClr val="accent1"/>
+            </a:lnRef>
+            <a:fillRef idx="0">
+              <a:schemeClr val="accent1"/>
+            </a:fillRef>
+            <a:effectRef idx="0">
+              <a:schemeClr val="accent1"/>
+            </a:effectRef>
+            <a:fontRef idx="minor">
+              <a:schemeClr val="tx1"/>
+            </a:fontRef>
+          </p:style>
+        </p:cxnSp>
+        <p:cxnSp>
+          <p:nvCxnSpPr>
+            <p:cNvPr id="29" name="Elbow Connector 28">
+              <a:extLst>
+                <a:ext uri="{FF2B5EF4-FFF2-40B4-BE49-F238E27FC236}">
+                  <a16:creationId xmlns:a16="http://schemas.microsoft.com/office/drawing/2014/main" id="{3F90DD72-458D-C942-8A8E-60C68B098650}"/>
+                </a:ext>
+              </a:extLst>
+            </p:cNvPr>
+            <p:cNvCxnSpPr>
+              <a:stCxn id="24" idx="7"/>
+              <a:endCxn id="23" idx="5"/>
+            </p:cNvCxnSpPr>
+            <p:nvPr/>
+          </p:nvCxnSpPr>
+          <p:spPr>
+            <a:xfrm flipH="1">
+              <a:off x="2893050" y="3657256"/>
+              <a:ext cx="721444" cy="1884"/>
+            </a:xfrm>
+            <a:prstGeom prst="bentConnector5">
+              <a:avLst>
+                <a:gd name="adj1" fmla="val -199"/>
+                <a:gd name="adj2" fmla="val 15245930"/>
+                <a:gd name="adj3" fmla="val 99670"/>
+              </a:avLst>
+            </a:prstGeom>
+            <a:ln w="28575">
+              <a:solidFill>
+                <a:schemeClr val="tx1">
+                  <a:lumMod val="50000"/>
+                  <a:lumOff val="50000"/>
+                </a:schemeClr>
+              </a:solidFill>
+              <a:tailEnd type="triangle"/>
+            </a:ln>
+          </p:spPr>
+          <p:style>
+            <a:lnRef idx="1">
+              <a:schemeClr val="accent1"/>
+            </a:lnRef>
+            <a:fillRef idx="0">
+              <a:schemeClr val="accent1"/>
+            </a:fillRef>
+            <a:effectRef idx="0">
+              <a:schemeClr val="accent1"/>
+            </a:effectRef>
+            <a:fontRef idx="minor">
+              <a:schemeClr val="tx1"/>
+            </a:fontRef>
+          </p:style>
+        </p:cxnSp>
+        <p:cxnSp>
+          <p:nvCxnSpPr>
+            <p:cNvPr id="30" name="Elbow Connector 29">
+              <a:extLst>
+                <a:ext uri="{FF2B5EF4-FFF2-40B4-BE49-F238E27FC236}">
+                  <a16:creationId xmlns:a16="http://schemas.microsoft.com/office/drawing/2014/main" id="{8CADDB09-3453-8348-B29C-C841EC94340A}"/>
+                </a:ext>
+              </a:extLst>
+            </p:cNvPr>
+            <p:cNvCxnSpPr/>
+            <p:nvPr/>
+          </p:nvCxnSpPr>
+          <p:spPr>
+            <a:xfrm flipH="1">
+              <a:off x="1589493" y="3657256"/>
+              <a:ext cx="721444" cy="1884"/>
+            </a:xfrm>
+            <a:prstGeom prst="bentConnector5">
+              <a:avLst>
+                <a:gd name="adj1" fmla="val -199"/>
+                <a:gd name="adj2" fmla="val 15245930"/>
+                <a:gd name="adj3" fmla="val 99670"/>
+              </a:avLst>
+            </a:prstGeom>
+            <a:ln w="28575">
+              <a:solidFill>
+                <a:schemeClr val="tx1">
+                  <a:lumMod val="50000"/>
+                  <a:lumOff val="50000"/>
+                </a:schemeClr>
+              </a:solidFill>
+              <a:tailEnd type="triangle"/>
+            </a:ln>
+          </p:spPr>
+          <p:style>
+            <a:lnRef idx="1">
+              <a:schemeClr val="accent1"/>
+            </a:lnRef>
+            <a:fillRef idx="0">
+              <a:schemeClr val="accent1"/>
+            </a:fillRef>
+            <a:effectRef idx="0">
+              <a:schemeClr val="accent1"/>
+            </a:effectRef>
+            <a:fontRef idx="minor">
+              <a:schemeClr val="tx1"/>
+            </a:fontRef>
+          </p:style>
+        </p:cxnSp>
+        <p:sp>
+          <p:nvSpPr>
+            <p:cNvPr id="31" name="TextBox 30">
+              <a:extLst>
+                <a:ext uri="{FF2B5EF4-FFF2-40B4-BE49-F238E27FC236}">
+                  <a16:creationId xmlns:a16="http://schemas.microsoft.com/office/drawing/2014/main" id="{49D6BED0-9D3B-FA41-9739-89D362B8102D}"/>
+                </a:ext>
+              </a:extLst>
+            </p:cNvPr>
+            <p:cNvSpPr txBox="1"/>
+            <p:nvPr/>
+          </p:nvSpPr>
+          <p:spPr>
+            <a:xfrm>
+              <a:off x="2730563" y="4217801"/>
+              <a:ext cx="1040163" cy="215444"/>
+            </a:xfrm>
+            <a:prstGeom prst="rect">
+              <a:avLst/>
+            </a:prstGeom>
+            <a:noFill/>
+          </p:spPr>
+          <p:txBody>
+            <a:bodyPr wrap="square" rtlCol="0">
+              <a:spAutoFit/>
+            </a:bodyPr>
+            <a:lstStyle/>
+            <a:p>
+              <a:pPr algn="ctr"/>
+              <a:r>
+                <a:rPr lang="en-US" sz="800" dirty="0"/>
+                <a:t>confirm and correct</a:t>
+              </a:r>
+            </a:p>
+          </p:txBody>
+        </p:sp>
+        <p:sp>
+          <p:nvSpPr>
+            <p:cNvPr id="32" name="TextBox 31">
+              <a:extLst>
+                <a:ext uri="{FF2B5EF4-FFF2-40B4-BE49-F238E27FC236}">
+                  <a16:creationId xmlns:a16="http://schemas.microsoft.com/office/drawing/2014/main" id="{6C800C34-4F6B-6F46-9B64-0D64EFFD1321}"/>
+                </a:ext>
+              </a:extLst>
+            </p:cNvPr>
+            <p:cNvSpPr txBox="1"/>
+            <p:nvPr/>
+          </p:nvSpPr>
+          <p:spPr>
+            <a:xfrm>
+              <a:off x="1693118" y="3715097"/>
+              <a:ext cx="514194" cy="215444"/>
+            </a:xfrm>
+            <a:prstGeom prst="rect">
+              <a:avLst/>
+            </a:prstGeom>
+            <a:noFill/>
+          </p:spPr>
+          <p:txBody>
+            <a:bodyPr wrap="square" rtlCol="0">
+              <a:spAutoFit/>
+            </a:bodyPr>
+            <a:lstStyle/>
+            <a:p>
+              <a:pPr algn="ctr"/>
+              <a:r>
+                <a:rPr lang="en-US" sz="800" dirty="0"/>
+                <a:t>clarify</a:t>
+              </a:r>
+            </a:p>
+          </p:txBody>
+        </p:sp>
+        <p:sp>
+          <p:nvSpPr>
+            <p:cNvPr id="33" name="TextBox 32">
+              <a:extLst>
+                <a:ext uri="{FF2B5EF4-FFF2-40B4-BE49-F238E27FC236}">
+                  <a16:creationId xmlns:a16="http://schemas.microsoft.com/office/drawing/2014/main" id="{F5430EC4-996F-E845-8663-9717D3043C0F}"/>
+                </a:ext>
+              </a:extLst>
+            </p:cNvPr>
+            <p:cNvSpPr txBox="1"/>
+            <p:nvPr/>
+          </p:nvSpPr>
+          <p:spPr>
+            <a:xfrm>
+              <a:off x="2946004" y="3725472"/>
+              <a:ext cx="632143" cy="215444"/>
+            </a:xfrm>
+            <a:prstGeom prst="rect">
+              <a:avLst/>
+            </a:prstGeom>
+            <a:noFill/>
+          </p:spPr>
+          <p:txBody>
+            <a:bodyPr wrap="square" rtlCol="0">
+              <a:spAutoFit/>
+            </a:bodyPr>
+            <a:lstStyle/>
+            <a:p>
+              <a:pPr algn="ctr"/>
+              <a:r>
+                <a:rPr lang="en-US" sz="800" dirty="0"/>
+                <a:t>close gaps</a:t>
+              </a:r>
+            </a:p>
+          </p:txBody>
+        </p:sp>
+        <p:sp>
+          <p:nvSpPr>
+            <p:cNvPr id="34" name="TextBox 33">
+              <a:extLst>
+                <a:ext uri="{FF2B5EF4-FFF2-40B4-BE49-F238E27FC236}">
+                  <a16:creationId xmlns:a16="http://schemas.microsoft.com/office/drawing/2014/main" id="{205D5542-06A5-9343-88D8-AAB716E533FE}"/>
+                </a:ext>
+              </a:extLst>
+            </p:cNvPr>
+            <p:cNvSpPr txBox="1"/>
+            <p:nvPr/>
+          </p:nvSpPr>
+          <p:spPr>
+            <a:xfrm>
+              <a:off x="4288400" y="3715097"/>
+              <a:ext cx="505714" cy="215444"/>
+            </a:xfrm>
+            <a:prstGeom prst="rect">
+              <a:avLst/>
+            </a:prstGeom>
+            <a:noFill/>
+          </p:spPr>
+          <p:txBody>
+            <a:bodyPr wrap="square" rtlCol="0">
+              <a:spAutoFit/>
+            </a:bodyPr>
+            <a:lstStyle/>
+            <a:p>
+              <a:pPr algn="ctr"/>
+              <a:r>
+                <a:rPr lang="en-US" sz="800" dirty="0"/>
+                <a:t>rewrite</a:t>
+              </a:r>
+            </a:p>
+          </p:txBody>
+        </p:sp>
+        <p:sp>
+          <p:nvSpPr>
+            <p:cNvPr id="35" name="TextBox 34">
+              <a:extLst>
+                <a:ext uri="{FF2B5EF4-FFF2-40B4-BE49-F238E27FC236}">
+                  <a16:creationId xmlns:a16="http://schemas.microsoft.com/office/drawing/2014/main" id="{4E3A16F4-DCC0-B442-9246-95D34DC9DEA2}"/>
+                </a:ext>
+              </a:extLst>
+            </p:cNvPr>
+            <p:cNvSpPr txBox="1"/>
+            <p:nvPr/>
+          </p:nvSpPr>
+          <p:spPr>
+            <a:xfrm>
+              <a:off x="3549820" y="3930541"/>
+              <a:ext cx="692528" cy="215444"/>
+            </a:xfrm>
+            <a:prstGeom prst="rect">
+              <a:avLst/>
+            </a:prstGeom>
+            <a:noFill/>
+          </p:spPr>
+          <p:txBody>
+            <a:bodyPr wrap="square" rtlCol="0">
+              <a:spAutoFit/>
+            </a:bodyPr>
+            <a:lstStyle/>
+            <a:p>
+              <a:pPr algn="ctr"/>
+              <a:r>
+                <a:rPr lang="en-US" sz="800" dirty="0"/>
+                <a:t>reevaluate</a:t>
+              </a:r>
+            </a:p>
+          </p:txBody>
+        </p:sp>
+      </p:grpSp>
+    </p:spTree>
+    <p:extLst>
+      <p:ext uri="{BB962C8B-B14F-4D97-AF65-F5344CB8AC3E}">
+        <p14:creationId xmlns:p14="http://schemas.microsoft.com/office/powerpoint/2010/main" val="1013283724"/>
+      </p:ext>
+    </p:extLst>
+  </p:cSld>
+  <p:clrMapOvr>
+    <a:masterClrMapping/>
+  </p:clrMapOvr>
+</p:sld>
+</file>
+
+<file path=ppt/slides/slide22.xml><?xml version="1.0" encoding="utf-8"?>
+<p:sld xmlns:a="http://schemas.openxmlformats.org/drawingml/2006/main" xmlns:r="http://schemas.openxmlformats.org/officeDocument/2006/relationships" xmlns:p="http://schemas.openxmlformats.org/presentationml/2006/main">
+  <p:cSld>
+    <p:spTree>
+      <p:nvGrpSpPr>
+        <p:cNvPr id="1" name=""/>
+        <p:cNvGrpSpPr/>
+        <p:nvPr/>
+      </p:nvGrpSpPr>
+      <p:grpSpPr>
+        <a:xfrm>
+          <a:off x="0" y="0"/>
+          <a:ext cx="0" cy="0"/>
+          <a:chOff x="0" y="0"/>
+          <a:chExt cx="0" cy="0"/>
+        </a:xfrm>
+      </p:grpSpPr>
+      <p:sp>
+        <p:nvSpPr>
+          <p:cNvPr id="4" name="Title 3">
+            <a:extLst>
+              <a:ext uri="{FF2B5EF4-FFF2-40B4-BE49-F238E27FC236}">
+                <a16:creationId xmlns:a16="http://schemas.microsoft.com/office/drawing/2014/main" id="{EF883905-C89C-C74F-901F-0E24C9E129B4}"/>
+              </a:ext>
+            </a:extLst>
+          </p:cNvPr>
+          <p:cNvSpPr>
+            <a:spLocks noGrp="1"/>
+          </p:cNvSpPr>
+          <p:nvPr>
+            <p:ph type="title"/>
+          </p:nvPr>
+        </p:nvSpPr>
+        <p:spPr/>
+        <p:txBody>
+          <a:bodyPr/>
+          <a:lstStyle/>
+          <a:p>
+            <a:r>
+              <a:rPr lang="en-US" dirty="0"/>
+              <a:t>Writing it all down</a:t>
+            </a:r>
+          </a:p>
+        </p:txBody>
+      </p:sp>
+      <p:sp>
+        <p:nvSpPr>
+          <p:cNvPr id="5" name="Content Placeholder 4">
+            <a:extLst>
+              <a:ext uri="{FF2B5EF4-FFF2-40B4-BE49-F238E27FC236}">
+                <a16:creationId xmlns:a16="http://schemas.microsoft.com/office/drawing/2014/main" id="{234799D6-2FE9-084F-8872-67AD8F2D40B9}"/>
+              </a:ext>
+            </a:extLst>
+          </p:cNvPr>
+          <p:cNvSpPr>
+            <a:spLocks noGrp="1"/>
+          </p:cNvSpPr>
+          <p:nvPr>
+            <p:ph idx="1"/>
+          </p:nvPr>
+        </p:nvSpPr>
+        <p:spPr/>
+        <p:txBody>
+          <a:bodyPr/>
+          <a:lstStyle/>
+          <a:p>
+            <a:pPr marL="0" indent="0">
+              <a:buNone/>
+            </a:pPr>
+            <a:r>
+              <a:rPr lang="en-US" dirty="0"/>
+              <a:t>Specification is all about documenting all the things</a:t>
+            </a:r>
+          </a:p>
+          <a:p>
+            <a:pPr marL="0" indent="0">
+              <a:buNone/>
+            </a:pPr>
+            <a:r>
+              <a:rPr lang="en-US" dirty="0"/>
+              <a:t>It’s important to be consistent, accessible, and reviewable</a:t>
+            </a:r>
+          </a:p>
+          <a:p>
+            <a:pPr marL="0" indent="0">
+              <a:buNone/>
+            </a:pPr>
+            <a:r>
+              <a:rPr lang="en-US" dirty="0"/>
+              <a:t>Note, I didn’t say </a:t>
+            </a:r>
+            <a:r>
+              <a:rPr lang="en-US" i="1" dirty="0"/>
+              <a:t>complete</a:t>
+            </a:r>
+            <a:endParaRPr lang="en-US" dirty="0"/>
+          </a:p>
+          <a:p>
+            <a:pPr marL="0" indent="0">
+              <a:buNone/>
+            </a:pPr>
+            <a:r>
+              <a:rPr lang="en-US" dirty="0"/>
+              <a:t>It’s vision and scope time</a:t>
+            </a:r>
+          </a:p>
+          <a:p>
+            <a:pPr marL="0" indent="0">
+              <a:buNone/>
+            </a:pPr>
+            <a:r>
+              <a:rPr lang="en-US" dirty="0"/>
+              <a:t>But, we might be writing use cases and user stories too</a:t>
+            </a:r>
+          </a:p>
+          <a:p>
+            <a:pPr marL="0" indent="0">
+              <a:buNone/>
+            </a:pPr>
+            <a:r>
+              <a:rPr lang="en-US" dirty="0"/>
+              <a:t>We’re going to come out of this with something developers eat</a:t>
+            </a:r>
+          </a:p>
+        </p:txBody>
+      </p:sp>
+    </p:spTree>
+    <p:extLst>
+      <p:ext uri="{BB962C8B-B14F-4D97-AF65-F5344CB8AC3E}">
+        <p14:creationId xmlns:p14="http://schemas.microsoft.com/office/powerpoint/2010/main" val="1354758252"/>
+      </p:ext>
+    </p:extLst>
+  </p:cSld>
+  <p:clrMapOvr>
+    <a:masterClrMapping/>
+  </p:clrMapOvr>
+</p:sld>
+</file>
+
+<file path=ppt/slides/slide23.xml><?xml version="1.0" encoding="utf-8"?>
+<p:sld xmlns:a="http://schemas.openxmlformats.org/drawingml/2006/main" xmlns:r="http://schemas.openxmlformats.org/officeDocument/2006/relationships" xmlns:p="http://schemas.openxmlformats.org/presentationml/2006/main">
+  <p:cSld>
+    <p:spTree>
+      <p:nvGrpSpPr>
+        <p:cNvPr id="1" name=""/>
+        <p:cNvGrpSpPr/>
+        <p:nvPr/>
+      </p:nvGrpSpPr>
+      <p:grpSpPr>
+        <a:xfrm>
+          <a:off x="0" y="0"/>
+          <a:ext cx="0" cy="0"/>
+          <a:chOff x="0" y="0"/>
+          <a:chExt cx="0" cy="0"/>
+        </a:xfrm>
+      </p:grpSpPr>
+      <p:sp>
+        <p:nvSpPr>
+          <p:cNvPr id="2" name="Title 1">
+            <a:extLst>
+              <a:ext uri="{FF2B5EF4-FFF2-40B4-BE49-F238E27FC236}">
+                <a16:creationId xmlns:a16="http://schemas.microsoft.com/office/drawing/2014/main" id="{08C9DD47-953A-7946-85E3-E950766EFB96}"/>
+              </a:ext>
+            </a:extLst>
+          </p:cNvPr>
+          <p:cNvSpPr>
+            <a:spLocks noGrp="1"/>
+          </p:cNvSpPr>
+          <p:nvPr>
+            <p:ph type="title"/>
+          </p:nvPr>
+        </p:nvSpPr>
+        <p:spPr/>
+        <p:txBody>
+          <a:bodyPr/>
+          <a:lstStyle/>
+          <a:p>
+            <a:r>
+              <a:rPr lang="en-US" dirty="0"/>
+              <a:t>The puzzle pieces (or better practices)</a:t>
+            </a:r>
+          </a:p>
+        </p:txBody>
+      </p:sp>
+      <p:sp>
+        <p:nvSpPr>
+          <p:cNvPr id="3" name="Content Placeholder 2">
+            <a:extLst>
+              <a:ext uri="{FF2B5EF4-FFF2-40B4-BE49-F238E27FC236}">
+                <a16:creationId xmlns:a16="http://schemas.microsoft.com/office/drawing/2014/main" id="{2DD5D54D-C8E2-6F48-8B0F-BE51740EEF4A}"/>
+              </a:ext>
+            </a:extLst>
+          </p:cNvPr>
+          <p:cNvSpPr>
+            <a:spLocks noGrp="1"/>
+          </p:cNvSpPr>
+          <p:nvPr>
+            <p:ph idx="1"/>
+          </p:nvPr>
+        </p:nvSpPr>
+        <p:spPr/>
+        <p:txBody>
+          <a:bodyPr/>
+          <a:lstStyle/>
+          <a:p>
+            <a:pPr marL="0" indent="0">
+              <a:buNone/>
+            </a:pPr>
+            <a:r>
+              <a:rPr lang="en-US" dirty="0"/>
+              <a:t>Adopt requirement document templates</a:t>
+            </a:r>
+          </a:p>
+          <a:p>
+            <a:pPr marL="0" indent="0">
+              <a:buNone/>
+            </a:pPr>
+            <a:r>
+              <a:rPr lang="en-US" dirty="0"/>
+              <a:t>Identify requirement origins – who, when, where, why</a:t>
+            </a:r>
+          </a:p>
+          <a:p>
+            <a:pPr marL="0" indent="0">
+              <a:buNone/>
+            </a:pPr>
+            <a:r>
+              <a:rPr lang="en-US" dirty="0"/>
+              <a:t>Give everything a </a:t>
+            </a:r>
+            <a:r>
+              <a:rPr lang="en-US" i="1" dirty="0"/>
+              <a:t>unique</a:t>
+            </a:r>
+            <a:r>
+              <a:rPr lang="en-US" dirty="0"/>
+              <a:t> name (and stick with it)</a:t>
+            </a:r>
+          </a:p>
+          <a:p>
+            <a:pPr marL="0" indent="0">
+              <a:buNone/>
+            </a:pPr>
+            <a:r>
+              <a:rPr lang="en-US" dirty="0"/>
+              <a:t>Start to talk about non-functional requirements / quality attributes</a:t>
+            </a:r>
+          </a:p>
+          <a:p>
+            <a:pPr marL="0" indent="0">
+              <a:buNone/>
+            </a:pPr>
+            <a:r>
+              <a:rPr lang="en-US" dirty="0"/>
+              <a:t>…and write them all down</a:t>
+            </a:r>
+          </a:p>
+        </p:txBody>
+      </p:sp>
+    </p:spTree>
+    <p:extLst>
+      <p:ext uri="{BB962C8B-B14F-4D97-AF65-F5344CB8AC3E}">
+        <p14:creationId xmlns:p14="http://schemas.microsoft.com/office/powerpoint/2010/main" val="3019035055"/>
+      </p:ext>
+    </p:extLst>
+  </p:cSld>
+  <p:clrMapOvr>
+    <a:masterClrMapping/>
+  </p:clrMapOvr>
+</p:sld>
+</file>
+
+<file path=ppt/slides/slide24.xml><?xml version="1.0" encoding="utf-8"?>
+<p:sld xmlns:a="http://schemas.openxmlformats.org/drawingml/2006/main" xmlns:r="http://schemas.openxmlformats.org/officeDocument/2006/relationships" xmlns:p="http://schemas.openxmlformats.org/presentationml/2006/main">
+  <p:cSld>
+    <p:spTree>
+      <p:nvGrpSpPr>
+        <p:cNvPr id="1" name=""/>
+        <p:cNvGrpSpPr/>
+        <p:nvPr/>
+      </p:nvGrpSpPr>
+      <p:grpSpPr>
+        <a:xfrm>
+          <a:off x="0" y="0"/>
+          <a:ext cx="0" cy="0"/>
+          <a:chOff x="0" y="0"/>
+          <a:chExt cx="0" cy="0"/>
+        </a:xfrm>
+      </p:grpSpPr>
+      <p:sp>
+        <p:nvSpPr>
+          <p:cNvPr id="2" name="Title 1">
+            <a:extLst>
+              <a:ext uri="{FF2B5EF4-FFF2-40B4-BE49-F238E27FC236}">
+                <a16:creationId xmlns:a16="http://schemas.microsoft.com/office/drawing/2014/main" id="{8C87A28A-8913-3349-B068-59AB1B6B8E03}"/>
+              </a:ext>
+            </a:extLst>
+          </p:cNvPr>
+          <p:cNvSpPr>
+            <a:spLocks noGrp="1"/>
+          </p:cNvSpPr>
+          <p:nvPr>
+            <p:ph type="title"/>
+          </p:nvPr>
+        </p:nvSpPr>
+        <p:spPr/>
+        <p:txBody>
+          <a:bodyPr/>
+          <a:lstStyle/>
+          <a:p>
+            <a:r>
+              <a:rPr lang="en-US" dirty="0"/>
+              <a:t>Requirements validation</a:t>
+            </a:r>
+          </a:p>
+        </p:txBody>
+      </p:sp>
+      <p:sp>
+        <p:nvSpPr>
+          <p:cNvPr id="3" name="Text Placeholder 2">
+            <a:extLst>
+              <a:ext uri="{FF2B5EF4-FFF2-40B4-BE49-F238E27FC236}">
+                <a16:creationId xmlns:a16="http://schemas.microsoft.com/office/drawing/2014/main" id="{567A1D4A-9302-4444-AD87-6CAF1CEC255C}"/>
+              </a:ext>
+            </a:extLst>
+          </p:cNvPr>
+          <p:cNvSpPr>
+            <a:spLocks noGrp="1"/>
+          </p:cNvSpPr>
+          <p:nvPr>
+            <p:ph type="body" idx="1"/>
+          </p:nvPr>
+        </p:nvSpPr>
+        <p:spPr/>
+        <p:txBody>
+          <a:bodyPr/>
+          <a:lstStyle/>
+          <a:p>
+            <a:r>
+              <a:rPr lang="en-US" dirty="0"/>
+              <a:t>Making sure you’re on the right track</a:t>
+            </a:r>
+          </a:p>
+        </p:txBody>
+      </p:sp>
+      <p:grpSp>
+        <p:nvGrpSpPr>
+          <p:cNvPr id="4" name="Group 3">
+            <a:extLst>
+              <a:ext uri="{FF2B5EF4-FFF2-40B4-BE49-F238E27FC236}">
+                <a16:creationId xmlns:a16="http://schemas.microsoft.com/office/drawing/2014/main" id="{A61EF9E8-758A-A24B-A344-3247A6E9A600}"/>
+              </a:ext>
+            </a:extLst>
+          </p:cNvPr>
+          <p:cNvGrpSpPr/>
+          <p:nvPr/>
+        </p:nvGrpSpPr>
+        <p:grpSpPr>
+          <a:xfrm>
+            <a:off x="6423559" y="5490313"/>
+            <a:ext cx="4930241" cy="1002562"/>
+            <a:chOff x="800131" y="4796116"/>
+            <a:chExt cx="4930241" cy="1002562"/>
+          </a:xfrm>
+        </p:grpSpPr>
+        <p:sp>
+          <p:nvSpPr>
+            <p:cNvPr id="5" name="Rectangle 3">
+              <a:extLst>
+                <a:ext uri="{FF2B5EF4-FFF2-40B4-BE49-F238E27FC236}">
+                  <a16:creationId xmlns:a16="http://schemas.microsoft.com/office/drawing/2014/main" id="{572A91F5-76DE-5E47-BF6E-D08C91BCED3F}"/>
+                </a:ext>
+              </a:extLst>
+            </p:cNvPr>
+            <p:cNvSpPr/>
+            <p:nvPr/>
+          </p:nvSpPr>
+          <p:spPr>
+            <a:xfrm>
+              <a:off x="800131" y="4796116"/>
+              <a:ext cx="1019571" cy="228726"/>
+            </a:xfrm>
+            <a:custGeom>
+              <a:avLst/>
+              <a:gdLst>
+                <a:gd name="connsiteX0" fmla="*/ 0 w 2106881"/>
+                <a:gd name="connsiteY0" fmla="*/ 0 h 593766"/>
+                <a:gd name="connsiteX1" fmla="*/ 2106881 w 2106881"/>
+                <a:gd name="connsiteY1" fmla="*/ 0 h 593766"/>
+                <a:gd name="connsiteX2" fmla="*/ 2106881 w 2106881"/>
+                <a:gd name="connsiteY2" fmla="*/ 593766 h 593766"/>
+                <a:gd name="connsiteX3" fmla="*/ 0 w 2106881"/>
+                <a:gd name="connsiteY3" fmla="*/ 593766 h 593766"/>
+                <a:gd name="connsiteX4" fmla="*/ 0 w 2106881"/>
+                <a:gd name="connsiteY4" fmla="*/ 0 h 593766"/>
+                <a:gd name="connsiteX0" fmla="*/ 0 w 2106881"/>
+                <a:gd name="connsiteY0" fmla="*/ 0 h 593766"/>
+                <a:gd name="connsiteX1" fmla="*/ 521175 w 2106881"/>
+                <a:gd name="connsiteY1" fmla="*/ 1397 h 593766"/>
+                <a:gd name="connsiteX2" fmla="*/ 2106881 w 2106881"/>
+                <a:gd name="connsiteY2" fmla="*/ 0 h 593766"/>
+                <a:gd name="connsiteX3" fmla="*/ 2106881 w 2106881"/>
+                <a:gd name="connsiteY3" fmla="*/ 593766 h 593766"/>
+                <a:gd name="connsiteX4" fmla="*/ 0 w 2106881"/>
+                <a:gd name="connsiteY4" fmla="*/ 593766 h 593766"/>
+                <a:gd name="connsiteX5" fmla="*/ 0 w 2106881"/>
+                <a:gd name="connsiteY5" fmla="*/ 0 h 593766"/>
+                <a:gd name="connsiteX0" fmla="*/ 0 w 2106881"/>
+                <a:gd name="connsiteY0" fmla="*/ 0 h 593766"/>
+                <a:gd name="connsiteX1" fmla="*/ 521175 w 2106881"/>
+                <a:gd name="connsiteY1" fmla="*/ 1397 h 593766"/>
+                <a:gd name="connsiteX2" fmla="*/ 1636058 w 2106881"/>
+                <a:gd name="connsiteY2" fmla="*/ 1397 h 593766"/>
+                <a:gd name="connsiteX3" fmla="*/ 2106881 w 2106881"/>
+                <a:gd name="connsiteY3" fmla="*/ 0 h 593766"/>
+                <a:gd name="connsiteX4" fmla="*/ 2106881 w 2106881"/>
+                <a:gd name="connsiteY4" fmla="*/ 593766 h 593766"/>
+                <a:gd name="connsiteX5" fmla="*/ 0 w 2106881"/>
+                <a:gd name="connsiteY5" fmla="*/ 593766 h 593766"/>
+                <a:gd name="connsiteX6" fmla="*/ 0 w 2106881"/>
+                <a:gd name="connsiteY6" fmla="*/ 0 h 593766"/>
+                <a:gd name="connsiteX0" fmla="*/ 0 w 2106881"/>
+                <a:gd name="connsiteY0" fmla="*/ 0 h 593766"/>
+                <a:gd name="connsiteX1" fmla="*/ 521175 w 2106881"/>
+                <a:gd name="connsiteY1" fmla="*/ 1397 h 593766"/>
+                <a:gd name="connsiteX2" fmla="*/ 1636058 w 2106881"/>
+                <a:gd name="connsiteY2" fmla="*/ 1397 h 593766"/>
+                <a:gd name="connsiteX3" fmla="*/ 2106881 w 2106881"/>
+                <a:gd name="connsiteY3" fmla="*/ 0 h 593766"/>
+                <a:gd name="connsiteX4" fmla="*/ 2106881 w 2106881"/>
+                <a:gd name="connsiteY4" fmla="*/ 593766 h 593766"/>
+                <a:gd name="connsiteX5" fmla="*/ 1010159 w 2106881"/>
+                <a:gd name="connsiteY5" fmla="*/ 593068 h 593766"/>
+                <a:gd name="connsiteX6" fmla="*/ 0 w 2106881"/>
+                <a:gd name="connsiteY6" fmla="*/ 593766 h 593766"/>
+                <a:gd name="connsiteX7" fmla="*/ 0 w 2106881"/>
+                <a:gd name="connsiteY7" fmla="*/ 0 h 593766"/>
+                <a:gd name="connsiteX0" fmla="*/ 0 w 2106881"/>
+                <a:gd name="connsiteY0" fmla="*/ 0 h 593766"/>
+                <a:gd name="connsiteX1" fmla="*/ 521175 w 2106881"/>
+                <a:gd name="connsiteY1" fmla="*/ 1397 h 593766"/>
+                <a:gd name="connsiteX2" fmla="*/ 1636058 w 2106881"/>
+                <a:gd name="connsiteY2" fmla="*/ 1397 h 593766"/>
+                <a:gd name="connsiteX3" fmla="*/ 2106881 w 2106881"/>
+                <a:gd name="connsiteY3" fmla="*/ 0 h 593766"/>
+                <a:gd name="connsiteX4" fmla="*/ 2106881 w 2106881"/>
+                <a:gd name="connsiteY4" fmla="*/ 593766 h 593766"/>
+                <a:gd name="connsiteX5" fmla="*/ 1631169 w 2106881"/>
+                <a:gd name="connsiteY5" fmla="*/ 593068 h 593766"/>
+                <a:gd name="connsiteX6" fmla="*/ 1010159 w 2106881"/>
+                <a:gd name="connsiteY6" fmla="*/ 593068 h 593766"/>
+                <a:gd name="connsiteX7" fmla="*/ 0 w 2106881"/>
+                <a:gd name="connsiteY7" fmla="*/ 593766 h 593766"/>
+                <a:gd name="connsiteX8" fmla="*/ 0 w 2106881"/>
+                <a:gd name="connsiteY8" fmla="*/ 0 h 593766"/>
+                <a:gd name="connsiteX0" fmla="*/ 0 w 2106881"/>
+                <a:gd name="connsiteY0" fmla="*/ 0 h 593766"/>
+                <a:gd name="connsiteX1" fmla="*/ 521175 w 2106881"/>
+                <a:gd name="connsiteY1" fmla="*/ 1397 h 593766"/>
+                <a:gd name="connsiteX2" fmla="*/ 1636058 w 2106881"/>
+                <a:gd name="connsiteY2" fmla="*/ 1397 h 593766"/>
+                <a:gd name="connsiteX3" fmla="*/ 2106881 w 2106881"/>
+                <a:gd name="connsiteY3" fmla="*/ 0 h 593766"/>
+                <a:gd name="connsiteX4" fmla="*/ 2106881 w 2106881"/>
+                <a:gd name="connsiteY4" fmla="*/ 593766 h 593766"/>
+                <a:gd name="connsiteX5" fmla="*/ 1631169 w 2106881"/>
+                <a:gd name="connsiteY5" fmla="*/ 593068 h 593766"/>
+                <a:gd name="connsiteX6" fmla="*/ 1010159 w 2106881"/>
+                <a:gd name="connsiteY6" fmla="*/ 593068 h 593766"/>
+                <a:gd name="connsiteX7" fmla="*/ 428268 w 2106881"/>
+                <a:gd name="connsiteY7" fmla="*/ 588178 h 593766"/>
+                <a:gd name="connsiteX8" fmla="*/ 0 w 2106881"/>
+                <a:gd name="connsiteY8" fmla="*/ 593766 h 593766"/>
+                <a:gd name="connsiteX9" fmla="*/ 0 w 2106881"/>
+                <a:gd name="connsiteY9" fmla="*/ 0 h 593766"/>
+              </a:gdLst>
+              <a:ahLst/>
+              <a:cxnLst>
+                <a:cxn ang="0">
+                  <a:pos x="connsiteX0" y="connsiteY0"/>
+                </a:cxn>
+                <a:cxn ang="0">
+                  <a:pos x="connsiteX1" y="connsiteY1"/>
+                </a:cxn>
+                <a:cxn ang="0">
+                  <a:pos x="connsiteX2" y="connsiteY2"/>
+                </a:cxn>
+                <a:cxn ang="0">
+                  <a:pos x="connsiteX3" y="connsiteY3"/>
+                </a:cxn>
+                <a:cxn ang="0">
+                  <a:pos x="connsiteX4" y="connsiteY4"/>
+                </a:cxn>
+                <a:cxn ang="0">
+                  <a:pos x="connsiteX5" y="connsiteY5"/>
+                </a:cxn>
+                <a:cxn ang="0">
+                  <a:pos x="connsiteX6" y="connsiteY6"/>
+                </a:cxn>
+                <a:cxn ang="0">
+                  <a:pos x="connsiteX7" y="connsiteY7"/>
+                </a:cxn>
+                <a:cxn ang="0">
+                  <a:pos x="connsiteX8" y="connsiteY8"/>
+                </a:cxn>
+                <a:cxn ang="0">
+                  <a:pos x="connsiteX9" y="connsiteY9"/>
+                </a:cxn>
+              </a:cxnLst>
+              <a:rect l="l" t="t" r="r" b="b"/>
+              <a:pathLst>
+                <a:path w="2106881" h="593766">
+                  <a:moveTo>
+                    <a:pt x="0" y="0"/>
+                  </a:moveTo>
+                  <a:lnTo>
+                    <a:pt x="521175" y="1397"/>
+                  </a:lnTo>
+                  <a:lnTo>
+                    <a:pt x="1636058" y="1397"/>
+                  </a:lnTo>
+                  <a:lnTo>
+                    <a:pt x="2106881" y="0"/>
+                  </a:lnTo>
+                  <a:lnTo>
+                    <a:pt x="2106881" y="593766"/>
+                  </a:lnTo>
+                  <a:lnTo>
+                    <a:pt x="1631169" y="593068"/>
+                  </a:lnTo>
+                  <a:lnTo>
+                    <a:pt x="1010159" y="593068"/>
+                  </a:lnTo>
+                  <a:lnTo>
+                    <a:pt x="428268" y="588178"/>
+                  </a:lnTo>
+                  <a:lnTo>
+                    <a:pt x="0" y="593766"/>
+                  </a:lnTo>
+                  <a:lnTo>
+                    <a:pt x="0" y="0"/>
+                  </a:lnTo>
+                  <a:close/>
+                </a:path>
+              </a:pathLst>
+            </a:custGeom>
+            <a:solidFill>
+              <a:schemeClr val="tx1">
+                <a:lumMod val="50000"/>
+                <a:lumOff val="50000"/>
+              </a:schemeClr>
+            </a:solidFill>
+            <a:ln>
+              <a:solidFill>
+                <a:schemeClr val="tx1">
+                  <a:lumMod val="85000"/>
+                  <a:lumOff val="15000"/>
+                </a:schemeClr>
+              </a:solidFill>
+            </a:ln>
+          </p:spPr>
+          <p:style>
+            <a:lnRef idx="2">
+              <a:schemeClr val="accent1">
+                <a:shade val="50000"/>
+              </a:schemeClr>
+            </a:lnRef>
+            <a:fillRef idx="1">
+              <a:schemeClr val="accent1"/>
+            </a:fillRef>
+            <a:effectRef idx="0">
+              <a:schemeClr val="accent1"/>
+            </a:effectRef>
+            <a:fontRef idx="minor">
+              <a:schemeClr val="lt1"/>
+            </a:fontRef>
+          </p:style>
+          <p:txBody>
+            <a:bodyPr rtlCol="0" anchor="ctr"/>
+            <a:lstStyle/>
+            <a:p>
+              <a:pPr algn="ctr"/>
+              <a:r>
+                <a:rPr lang="en-US" sz="800" dirty="0">
+                  <a:solidFill>
+                    <a:schemeClr val="bg1"/>
+                  </a:solidFill>
+                </a:rPr>
+                <a:t>Elicitation</a:t>
+              </a:r>
+            </a:p>
+          </p:txBody>
+        </p:sp>
+        <p:sp>
+          <p:nvSpPr>
+            <p:cNvPr id="6" name="Rectangle 3">
+              <a:extLst>
+                <a:ext uri="{FF2B5EF4-FFF2-40B4-BE49-F238E27FC236}">
+                  <a16:creationId xmlns:a16="http://schemas.microsoft.com/office/drawing/2014/main" id="{B3540D0F-BA27-0546-8FA0-1D0F07273A62}"/>
+                </a:ext>
+              </a:extLst>
+            </p:cNvPr>
+            <p:cNvSpPr/>
+            <p:nvPr/>
+          </p:nvSpPr>
+          <p:spPr>
+            <a:xfrm>
+              <a:off x="2103688" y="4796116"/>
+              <a:ext cx="1019571" cy="228726"/>
+            </a:xfrm>
+            <a:custGeom>
+              <a:avLst/>
+              <a:gdLst>
+                <a:gd name="connsiteX0" fmla="*/ 0 w 2106881"/>
+                <a:gd name="connsiteY0" fmla="*/ 0 h 593766"/>
+                <a:gd name="connsiteX1" fmla="*/ 2106881 w 2106881"/>
+                <a:gd name="connsiteY1" fmla="*/ 0 h 593766"/>
+                <a:gd name="connsiteX2" fmla="*/ 2106881 w 2106881"/>
+                <a:gd name="connsiteY2" fmla="*/ 593766 h 593766"/>
+                <a:gd name="connsiteX3" fmla="*/ 0 w 2106881"/>
+                <a:gd name="connsiteY3" fmla="*/ 593766 h 593766"/>
+                <a:gd name="connsiteX4" fmla="*/ 0 w 2106881"/>
+                <a:gd name="connsiteY4" fmla="*/ 0 h 593766"/>
+                <a:gd name="connsiteX0" fmla="*/ 0 w 2106881"/>
+                <a:gd name="connsiteY0" fmla="*/ 0 h 593766"/>
+                <a:gd name="connsiteX1" fmla="*/ 521175 w 2106881"/>
+                <a:gd name="connsiteY1" fmla="*/ 1397 h 593766"/>
+                <a:gd name="connsiteX2" fmla="*/ 2106881 w 2106881"/>
+                <a:gd name="connsiteY2" fmla="*/ 0 h 593766"/>
+                <a:gd name="connsiteX3" fmla="*/ 2106881 w 2106881"/>
+                <a:gd name="connsiteY3" fmla="*/ 593766 h 593766"/>
+                <a:gd name="connsiteX4" fmla="*/ 0 w 2106881"/>
+                <a:gd name="connsiteY4" fmla="*/ 593766 h 593766"/>
+                <a:gd name="connsiteX5" fmla="*/ 0 w 2106881"/>
+                <a:gd name="connsiteY5" fmla="*/ 0 h 593766"/>
+                <a:gd name="connsiteX0" fmla="*/ 0 w 2106881"/>
+                <a:gd name="connsiteY0" fmla="*/ 0 h 593766"/>
+                <a:gd name="connsiteX1" fmla="*/ 521175 w 2106881"/>
+                <a:gd name="connsiteY1" fmla="*/ 1397 h 593766"/>
+                <a:gd name="connsiteX2" fmla="*/ 1636058 w 2106881"/>
+                <a:gd name="connsiteY2" fmla="*/ 1397 h 593766"/>
+                <a:gd name="connsiteX3" fmla="*/ 2106881 w 2106881"/>
+                <a:gd name="connsiteY3" fmla="*/ 0 h 593766"/>
+                <a:gd name="connsiteX4" fmla="*/ 2106881 w 2106881"/>
+                <a:gd name="connsiteY4" fmla="*/ 593766 h 593766"/>
+                <a:gd name="connsiteX5" fmla="*/ 0 w 2106881"/>
+                <a:gd name="connsiteY5" fmla="*/ 593766 h 593766"/>
+                <a:gd name="connsiteX6" fmla="*/ 0 w 2106881"/>
+                <a:gd name="connsiteY6" fmla="*/ 0 h 593766"/>
+                <a:gd name="connsiteX0" fmla="*/ 0 w 2106881"/>
+                <a:gd name="connsiteY0" fmla="*/ 0 h 593766"/>
+                <a:gd name="connsiteX1" fmla="*/ 521175 w 2106881"/>
+                <a:gd name="connsiteY1" fmla="*/ 1397 h 593766"/>
+                <a:gd name="connsiteX2" fmla="*/ 1636058 w 2106881"/>
+                <a:gd name="connsiteY2" fmla="*/ 1397 h 593766"/>
+                <a:gd name="connsiteX3" fmla="*/ 2106881 w 2106881"/>
+                <a:gd name="connsiteY3" fmla="*/ 0 h 593766"/>
+                <a:gd name="connsiteX4" fmla="*/ 2106881 w 2106881"/>
+                <a:gd name="connsiteY4" fmla="*/ 593766 h 593766"/>
+                <a:gd name="connsiteX5" fmla="*/ 1010159 w 2106881"/>
+                <a:gd name="connsiteY5" fmla="*/ 593068 h 593766"/>
+                <a:gd name="connsiteX6" fmla="*/ 0 w 2106881"/>
+                <a:gd name="connsiteY6" fmla="*/ 593766 h 593766"/>
+                <a:gd name="connsiteX7" fmla="*/ 0 w 2106881"/>
+                <a:gd name="connsiteY7" fmla="*/ 0 h 593766"/>
+                <a:gd name="connsiteX0" fmla="*/ 0 w 2106881"/>
+                <a:gd name="connsiteY0" fmla="*/ 0 h 593766"/>
+                <a:gd name="connsiteX1" fmla="*/ 521175 w 2106881"/>
+                <a:gd name="connsiteY1" fmla="*/ 1397 h 593766"/>
+                <a:gd name="connsiteX2" fmla="*/ 1636058 w 2106881"/>
+                <a:gd name="connsiteY2" fmla="*/ 1397 h 593766"/>
+                <a:gd name="connsiteX3" fmla="*/ 2106881 w 2106881"/>
+                <a:gd name="connsiteY3" fmla="*/ 0 h 593766"/>
+                <a:gd name="connsiteX4" fmla="*/ 2106881 w 2106881"/>
+                <a:gd name="connsiteY4" fmla="*/ 593766 h 593766"/>
+                <a:gd name="connsiteX5" fmla="*/ 1631169 w 2106881"/>
+                <a:gd name="connsiteY5" fmla="*/ 593068 h 593766"/>
+                <a:gd name="connsiteX6" fmla="*/ 1010159 w 2106881"/>
+                <a:gd name="connsiteY6" fmla="*/ 593068 h 593766"/>
+                <a:gd name="connsiteX7" fmla="*/ 0 w 2106881"/>
+                <a:gd name="connsiteY7" fmla="*/ 593766 h 593766"/>
+                <a:gd name="connsiteX8" fmla="*/ 0 w 2106881"/>
+                <a:gd name="connsiteY8" fmla="*/ 0 h 593766"/>
+                <a:gd name="connsiteX0" fmla="*/ 0 w 2106881"/>
+                <a:gd name="connsiteY0" fmla="*/ 0 h 593766"/>
+                <a:gd name="connsiteX1" fmla="*/ 521175 w 2106881"/>
+                <a:gd name="connsiteY1" fmla="*/ 1397 h 593766"/>
+                <a:gd name="connsiteX2" fmla="*/ 1636058 w 2106881"/>
+                <a:gd name="connsiteY2" fmla="*/ 1397 h 593766"/>
+                <a:gd name="connsiteX3" fmla="*/ 2106881 w 2106881"/>
+                <a:gd name="connsiteY3" fmla="*/ 0 h 593766"/>
+                <a:gd name="connsiteX4" fmla="*/ 2106881 w 2106881"/>
+                <a:gd name="connsiteY4" fmla="*/ 593766 h 593766"/>
+                <a:gd name="connsiteX5" fmla="*/ 1631169 w 2106881"/>
+                <a:gd name="connsiteY5" fmla="*/ 593068 h 593766"/>
+                <a:gd name="connsiteX6" fmla="*/ 1010159 w 2106881"/>
+                <a:gd name="connsiteY6" fmla="*/ 593068 h 593766"/>
+                <a:gd name="connsiteX7" fmla="*/ 428268 w 2106881"/>
+                <a:gd name="connsiteY7" fmla="*/ 588178 h 593766"/>
+                <a:gd name="connsiteX8" fmla="*/ 0 w 2106881"/>
+                <a:gd name="connsiteY8" fmla="*/ 593766 h 593766"/>
+                <a:gd name="connsiteX9" fmla="*/ 0 w 2106881"/>
+                <a:gd name="connsiteY9" fmla="*/ 0 h 593766"/>
+              </a:gdLst>
+              <a:ahLst/>
+              <a:cxnLst>
+                <a:cxn ang="0">
+                  <a:pos x="connsiteX0" y="connsiteY0"/>
+                </a:cxn>
+                <a:cxn ang="0">
+                  <a:pos x="connsiteX1" y="connsiteY1"/>
+                </a:cxn>
+                <a:cxn ang="0">
+                  <a:pos x="connsiteX2" y="connsiteY2"/>
+                </a:cxn>
+                <a:cxn ang="0">
+                  <a:pos x="connsiteX3" y="connsiteY3"/>
+                </a:cxn>
+                <a:cxn ang="0">
+                  <a:pos x="connsiteX4" y="connsiteY4"/>
+                </a:cxn>
+                <a:cxn ang="0">
+                  <a:pos x="connsiteX5" y="connsiteY5"/>
+                </a:cxn>
+                <a:cxn ang="0">
+                  <a:pos x="connsiteX6" y="connsiteY6"/>
+                </a:cxn>
+                <a:cxn ang="0">
+                  <a:pos x="connsiteX7" y="connsiteY7"/>
+                </a:cxn>
+                <a:cxn ang="0">
+                  <a:pos x="connsiteX8" y="connsiteY8"/>
+                </a:cxn>
+                <a:cxn ang="0">
+                  <a:pos x="connsiteX9" y="connsiteY9"/>
+                </a:cxn>
+              </a:cxnLst>
+              <a:rect l="l" t="t" r="r" b="b"/>
+              <a:pathLst>
+                <a:path w="2106881" h="593766">
+                  <a:moveTo>
+                    <a:pt x="0" y="0"/>
+                  </a:moveTo>
+                  <a:lnTo>
+                    <a:pt x="521175" y="1397"/>
+                  </a:lnTo>
+                  <a:lnTo>
+                    <a:pt x="1636058" y="1397"/>
+                  </a:lnTo>
+                  <a:lnTo>
+                    <a:pt x="2106881" y="0"/>
+                  </a:lnTo>
+                  <a:lnTo>
+                    <a:pt x="2106881" y="593766"/>
+                  </a:lnTo>
+                  <a:lnTo>
+                    <a:pt x="1631169" y="593068"/>
+                  </a:lnTo>
+                  <a:lnTo>
+                    <a:pt x="1010159" y="593068"/>
+                  </a:lnTo>
+                  <a:lnTo>
+                    <a:pt x="428268" y="588178"/>
+                  </a:lnTo>
+                  <a:lnTo>
+                    <a:pt x="0" y="593766"/>
+                  </a:lnTo>
+                  <a:lnTo>
+                    <a:pt x="0" y="0"/>
+                  </a:lnTo>
+                  <a:close/>
+                </a:path>
+              </a:pathLst>
+            </a:custGeom>
+            <a:solidFill>
+              <a:schemeClr val="tx1">
+                <a:lumMod val="50000"/>
+                <a:lumOff val="50000"/>
+              </a:schemeClr>
+            </a:solidFill>
+            <a:ln>
+              <a:solidFill>
+                <a:schemeClr val="tx1">
+                  <a:lumMod val="85000"/>
+                  <a:lumOff val="15000"/>
+                </a:schemeClr>
+              </a:solidFill>
+            </a:ln>
+          </p:spPr>
+          <p:style>
+            <a:lnRef idx="2">
+              <a:schemeClr val="accent1">
+                <a:shade val="50000"/>
+              </a:schemeClr>
+            </a:lnRef>
+            <a:fillRef idx="1">
+              <a:schemeClr val="accent1"/>
+            </a:fillRef>
+            <a:effectRef idx="0">
+              <a:schemeClr val="accent1"/>
+            </a:effectRef>
+            <a:fontRef idx="minor">
+              <a:schemeClr val="lt1"/>
+            </a:fontRef>
+          </p:style>
+          <p:txBody>
+            <a:bodyPr rtlCol="0" anchor="ctr"/>
+            <a:lstStyle/>
+            <a:p>
+              <a:pPr algn="ctr"/>
+              <a:r>
+                <a:rPr lang="en-US" sz="800" dirty="0">
+                  <a:solidFill>
+                    <a:schemeClr val="bg1"/>
+                  </a:solidFill>
+                </a:rPr>
+                <a:t>Analysis</a:t>
+              </a:r>
+            </a:p>
+          </p:txBody>
+        </p:sp>
+        <p:sp>
+          <p:nvSpPr>
+            <p:cNvPr id="7" name="Rectangle 3">
+              <a:extLst>
+                <a:ext uri="{FF2B5EF4-FFF2-40B4-BE49-F238E27FC236}">
+                  <a16:creationId xmlns:a16="http://schemas.microsoft.com/office/drawing/2014/main" id="{C4CE8633-005F-304E-8FCA-F344398F3E8A}"/>
+                </a:ext>
+              </a:extLst>
+            </p:cNvPr>
+            <p:cNvSpPr/>
+            <p:nvPr/>
+          </p:nvSpPr>
+          <p:spPr>
+            <a:xfrm>
+              <a:off x="3407244" y="4796116"/>
+              <a:ext cx="1019571" cy="228726"/>
+            </a:xfrm>
+            <a:custGeom>
+              <a:avLst/>
+              <a:gdLst>
+                <a:gd name="connsiteX0" fmla="*/ 0 w 2106881"/>
+                <a:gd name="connsiteY0" fmla="*/ 0 h 593766"/>
+                <a:gd name="connsiteX1" fmla="*/ 2106881 w 2106881"/>
+                <a:gd name="connsiteY1" fmla="*/ 0 h 593766"/>
+                <a:gd name="connsiteX2" fmla="*/ 2106881 w 2106881"/>
+                <a:gd name="connsiteY2" fmla="*/ 593766 h 593766"/>
+                <a:gd name="connsiteX3" fmla="*/ 0 w 2106881"/>
+                <a:gd name="connsiteY3" fmla="*/ 593766 h 593766"/>
+                <a:gd name="connsiteX4" fmla="*/ 0 w 2106881"/>
+                <a:gd name="connsiteY4" fmla="*/ 0 h 593766"/>
+                <a:gd name="connsiteX0" fmla="*/ 0 w 2106881"/>
+                <a:gd name="connsiteY0" fmla="*/ 0 h 593766"/>
+                <a:gd name="connsiteX1" fmla="*/ 521175 w 2106881"/>
+                <a:gd name="connsiteY1" fmla="*/ 1397 h 593766"/>
+                <a:gd name="connsiteX2" fmla="*/ 2106881 w 2106881"/>
+                <a:gd name="connsiteY2" fmla="*/ 0 h 593766"/>
+                <a:gd name="connsiteX3" fmla="*/ 2106881 w 2106881"/>
+                <a:gd name="connsiteY3" fmla="*/ 593766 h 593766"/>
+                <a:gd name="connsiteX4" fmla="*/ 0 w 2106881"/>
+                <a:gd name="connsiteY4" fmla="*/ 593766 h 593766"/>
+                <a:gd name="connsiteX5" fmla="*/ 0 w 2106881"/>
+                <a:gd name="connsiteY5" fmla="*/ 0 h 593766"/>
+                <a:gd name="connsiteX0" fmla="*/ 0 w 2106881"/>
+                <a:gd name="connsiteY0" fmla="*/ 0 h 593766"/>
+                <a:gd name="connsiteX1" fmla="*/ 521175 w 2106881"/>
+                <a:gd name="connsiteY1" fmla="*/ 1397 h 593766"/>
+                <a:gd name="connsiteX2" fmla="*/ 1636058 w 2106881"/>
+                <a:gd name="connsiteY2" fmla="*/ 1397 h 593766"/>
+                <a:gd name="connsiteX3" fmla="*/ 2106881 w 2106881"/>
+                <a:gd name="connsiteY3" fmla="*/ 0 h 593766"/>
+                <a:gd name="connsiteX4" fmla="*/ 2106881 w 2106881"/>
+                <a:gd name="connsiteY4" fmla="*/ 593766 h 593766"/>
+                <a:gd name="connsiteX5" fmla="*/ 0 w 2106881"/>
+                <a:gd name="connsiteY5" fmla="*/ 593766 h 593766"/>
+                <a:gd name="connsiteX6" fmla="*/ 0 w 2106881"/>
+                <a:gd name="connsiteY6" fmla="*/ 0 h 593766"/>
+                <a:gd name="connsiteX0" fmla="*/ 0 w 2106881"/>
+                <a:gd name="connsiteY0" fmla="*/ 0 h 593766"/>
+                <a:gd name="connsiteX1" fmla="*/ 521175 w 2106881"/>
+                <a:gd name="connsiteY1" fmla="*/ 1397 h 593766"/>
+                <a:gd name="connsiteX2" fmla="*/ 1636058 w 2106881"/>
+                <a:gd name="connsiteY2" fmla="*/ 1397 h 593766"/>
+                <a:gd name="connsiteX3" fmla="*/ 2106881 w 2106881"/>
+                <a:gd name="connsiteY3" fmla="*/ 0 h 593766"/>
+                <a:gd name="connsiteX4" fmla="*/ 2106881 w 2106881"/>
+                <a:gd name="connsiteY4" fmla="*/ 593766 h 593766"/>
+                <a:gd name="connsiteX5" fmla="*/ 1010159 w 2106881"/>
+                <a:gd name="connsiteY5" fmla="*/ 593068 h 593766"/>
+                <a:gd name="connsiteX6" fmla="*/ 0 w 2106881"/>
+                <a:gd name="connsiteY6" fmla="*/ 593766 h 593766"/>
+                <a:gd name="connsiteX7" fmla="*/ 0 w 2106881"/>
+                <a:gd name="connsiteY7" fmla="*/ 0 h 593766"/>
+                <a:gd name="connsiteX0" fmla="*/ 0 w 2106881"/>
+                <a:gd name="connsiteY0" fmla="*/ 0 h 593766"/>
+                <a:gd name="connsiteX1" fmla="*/ 521175 w 2106881"/>
+                <a:gd name="connsiteY1" fmla="*/ 1397 h 593766"/>
+                <a:gd name="connsiteX2" fmla="*/ 1636058 w 2106881"/>
+                <a:gd name="connsiteY2" fmla="*/ 1397 h 593766"/>
+                <a:gd name="connsiteX3" fmla="*/ 2106881 w 2106881"/>
+                <a:gd name="connsiteY3" fmla="*/ 0 h 593766"/>
+                <a:gd name="connsiteX4" fmla="*/ 2106881 w 2106881"/>
+                <a:gd name="connsiteY4" fmla="*/ 593766 h 593766"/>
+                <a:gd name="connsiteX5" fmla="*/ 1631169 w 2106881"/>
+                <a:gd name="connsiteY5" fmla="*/ 593068 h 593766"/>
+                <a:gd name="connsiteX6" fmla="*/ 1010159 w 2106881"/>
+                <a:gd name="connsiteY6" fmla="*/ 593068 h 593766"/>
+                <a:gd name="connsiteX7" fmla="*/ 0 w 2106881"/>
+                <a:gd name="connsiteY7" fmla="*/ 593766 h 593766"/>
+                <a:gd name="connsiteX8" fmla="*/ 0 w 2106881"/>
+                <a:gd name="connsiteY8" fmla="*/ 0 h 593766"/>
+                <a:gd name="connsiteX0" fmla="*/ 0 w 2106881"/>
+                <a:gd name="connsiteY0" fmla="*/ 0 h 593766"/>
+                <a:gd name="connsiteX1" fmla="*/ 521175 w 2106881"/>
+                <a:gd name="connsiteY1" fmla="*/ 1397 h 593766"/>
+                <a:gd name="connsiteX2" fmla="*/ 1636058 w 2106881"/>
+                <a:gd name="connsiteY2" fmla="*/ 1397 h 593766"/>
+                <a:gd name="connsiteX3" fmla="*/ 2106881 w 2106881"/>
+                <a:gd name="connsiteY3" fmla="*/ 0 h 593766"/>
+                <a:gd name="connsiteX4" fmla="*/ 2106881 w 2106881"/>
+                <a:gd name="connsiteY4" fmla="*/ 593766 h 593766"/>
+                <a:gd name="connsiteX5" fmla="*/ 1631169 w 2106881"/>
+                <a:gd name="connsiteY5" fmla="*/ 593068 h 593766"/>
+                <a:gd name="connsiteX6" fmla="*/ 1010159 w 2106881"/>
+                <a:gd name="connsiteY6" fmla="*/ 593068 h 593766"/>
+                <a:gd name="connsiteX7" fmla="*/ 428268 w 2106881"/>
+                <a:gd name="connsiteY7" fmla="*/ 588178 h 593766"/>
+                <a:gd name="connsiteX8" fmla="*/ 0 w 2106881"/>
+                <a:gd name="connsiteY8" fmla="*/ 593766 h 593766"/>
+                <a:gd name="connsiteX9" fmla="*/ 0 w 2106881"/>
+                <a:gd name="connsiteY9" fmla="*/ 0 h 593766"/>
+              </a:gdLst>
+              <a:ahLst/>
+              <a:cxnLst>
+                <a:cxn ang="0">
+                  <a:pos x="connsiteX0" y="connsiteY0"/>
+                </a:cxn>
+                <a:cxn ang="0">
+                  <a:pos x="connsiteX1" y="connsiteY1"/>
+                </a:cxn>
+                <a:cxn ang="0">
+                  <a:pos x="connsiteX2" y="connsiteY2"/>
+                </a:cxn>
+                <a:cxn ang="0">
+                  <a:pos x="connsiteX3" y="connsiteY3"/>
+                </a:cxn>
+                <a:cxn ang="0">
+                  <a:pos x="connsiteX4" y="connsiteY4"/>
+                </a:cxn>
+                <a:cxn ang="0">
+                  <a:pos x="connsiteX5" y="connsiteY5"/>
+                </a:cxn>
+                <a:cxn ang="0">
+                  <a:pos x="connsiteX6" y="connsiteY6"/>
+                </a:cxn>
+                <a:cxn ang="0">
+                  <a:pos x="connsiteX7" y="connsiteY7"/>
+                </a:cxn>
+                <a:cxn ang="0">
+                  <a:pos x="connsiteX8" y="connsiteY8"/>
+                </a:cxn>
+                <a:cxn ang="0">
+                  <a:pos x="connsiteX9" y="connsiteY9"/>
+                </a:cxn>
+              </a:cxnLst>
+              <a:rect l="l" t="t" r="r" b="b"/>
+              <a:pathLst>
+                <a:path w="2106881" h="593766">
+                  <a:moveTo>
+                    <a:pt x="0" y="0"/>
+                  </a:moveTo>
+                  <a:lnTo>
+                    <a:pt x="521175" y="1397"/>
+                  </a:lnTo>
+                  <a:lnTo>
+                    <a:pt x="1636058" y="1397"/>
+                  </a:lnTo>
+                  <a:lnTo>
+                    <a:pt x="2106881" y="0"/>
+                  </a:lnTo>
+                  <a:lnTo>
+                    <a:pt x="2106881" y="593766"/>
+                  </a:lnTo>
+                  <a:lnTo>
+                    <a:pt x="1631169" y="593068"/>
+                  </a:lnTo>
+                  <a:lnTo>
+                    <a:pt x="1010159" y="593068"/>
+                  </a:lnTo>
+                  <a:lnTo>
+                    <a:pt x="428268" y="588178"/>
+                  </a:lnTo>
+                  <a:lnTo>
+                    <a:pt x="0" y="593766"/>
+                  </a:lnTo>
+                  <a:lnTo>
+                    <a:pt x="0" y="0"/>
+                  </a:lnTo>
+                  <a:close/>
+                </a:path>
+              </a:pathLst>
+            </a:custGeom>
+            <a:solidFill>
+              <a:schemeClr val="tx1">
+                <a:lumMod val="50000"/>
+                <a:lumOff val="50000"/>
+              </a:schemeClr>
+            </a:solidFill>
+            <a:ln>
+              <a:solidFill>
+                <a:schemeClr val="tx1">
+                  <a:lumMod val="85000"/>
+                  <a:lumOff val="15000"/>
+                </a:schemeClr>
+              </a:solidFill>
+            </a:ln>
+          </p:spPr>
+          <p:style>
+            <a:lnRef idx="2">
+              <a:schemeClr val="accent1">
+                <a:shade val="50000"/>
+              </a:schemeClr>
+            </a:lnRef>
+            <a:fillRef idx="1">
+              <a:schemeClr val="accent1"/>
+            </a:fillRef>
+            <a:effectRef idx="0">
+              <a:schemeClr val="accent1"/>
+            </a:effectRef>
+            <a:fontRef idx="minor">
+              <a:schemeClr val="lt1"/>
+            </a:fontRef>
+          </p:style>
+          <p:txBody>
+            <a:bodyPr rtlCol="0" anchor="ctr"/>
+            <a:lstStyle/>
+            <a:p>
+              <a:pPr algn="ctr"/>
+              <a:r>
+                <a:rPr lang="en-US" sz="800" dirty="0">
+                  <a:solidFill>
+                    <a:schemeClr val="bg1"/>
+                  </a:solidFill>
+                </a:rPr>
+                <a:t>Specification</a:t>
+              </a:r>
+            </a:p>
+          </p:txBody>
+        </p:sp>
+        <p:sp>
+          <p:nvSpPr>
+            <p:cNvPr id="8" name="Rectangle 3">
+              <a:extLst>
+                <a:ext uri="{FF2B5EF4-FFF2-40B4-BE49-F238E27FC236}">
+                  <a16:creationId xmlns:a16="http://schemas.microsoft.com/office/drawing/2014/main" id="{E862EF04-7585-6C47-850A-10B3854DE216}"/>
+                </a:ext>
+              </a:extLst>
+            </p:cNvPr>
+            <p:cNvSpPr/>
+            <p:nvPr/>
+          </p:nvSpPr>
+          <p:spPr>
+            <a:xfrm>
+              <a:off x="4710801" y="4796116"/>
+              <a:ext cx="1019571" cy="228726"/>
+            </a:xfrm>
+            <a:custGeom>
+              <a:avLst/>
+              <a:gdLst>
+                <a:gd name="connsiteX0" fmla="*/ 0 w 2106881"/>
+                <a:gd name="connsiteY0" fmla="*/ 0 h 593766"/>
+                <a:gd name="connsiteX1" fmla="*/ 2106881 w 2106881"/>
+                <a:gd name="connsiteY1" fmla="*/ 0 h 593766"/>
+                <a:gd name="connsiteX2" fmla="*/ 2106881 w 2106881"/>
+                <a:gd name="connsiteY2" fmla="*/ 593766 h 593766"/>
+                <a:gd name="connsiteX3" fmla="*/ 0 w 2106881"/>
+                <a:gd name="connsiteY3" fmla="*/ 593766 h 593766"/>
+                <a:gd name="connsiteX4" fmla="*/ 0 w 2106881"/>
+                <a:gd name="connsiteY4" fmla="*/ 0 h 593766"/>
+                <a:gd name="connsiteX0" fmla="*/ 0 w 2106881"/>
+                <a:gd name="connsiteY0" fmla="*/ 0 h 593766"/>
+                <a:gd name="connsiteX1" fmla="*/ 521175 w 2106881"/>
+                <a:gd name="connsiteY1" fmla="*/ 1397 h 593766"/>
+                <a:gd name="connsiteX2" fmla="*/ 2106881 w 2106881"/>
+                <a:gd name="connsiteY2" fmla="*/ 0 h 593766"/>
+                <a:gd name="connsiteX3" fmla="*/ 2106881 w 2106881"/>
+                <a:gd name="connsiteY3" fmla="*/ 593766 h 593766"/>
+                <a:gd name="connsiteX4" fmla="*/ 0 w 2106881"/>
+                <a:gd name="connsiteY4" fmla="*/ 593766 h 593766"/>
+                <a:gd name="connsiteX5" fmla="*/ 0 w 2106881"/>
+                <a:gd name="connsiteY5" fmla="*/ 0 h 593766"/>
+                <a:gd name="connsiteX0" fmla="*/ 0 w 2106881"/>
+                <a:gd name="connsiteY0" fmla="*/ 0 h 593766"/>
+                <a:gd name="connsiteX1" fmla="*/ 521175 w 2106881"/>
+                <a:gd name="connsiteY1" fmla="*/ 1397 h 593766"/>
+                <a:gd name="connsiteX2" fmla="*/ 1636058 w 2106881"/>
+                <a:gd name="connsiteY2" fmla="*/ 1397 h 593766"/>
+                <a:gd name="connsiteX3" fmla="*/ 2106881 w 2106881"/>
+                <a:gd name="connsiteY3" fmla="*/ 0 h 593766"/>
+                <a:gd name="connsiteX4" fmla="*/ 2106881 w 2106881"/>
+                <a:gd name="connsiteY4" fmla="*/ 593766 h 593766"/>
+                <a:gd name="connsiteX5" fmla="*/ 0 w 2106881"/>
+                <a:gd name="connsiteY5" fmla="*/ 593766 h 593766"/>
+                <a:gd name="connsiteX6" fmla="*/ 0 w 2106881"/>
+                <a:gd name="connsiteY6" fmla="*/ 0 h 593766"/>
+                <a:gd name="connsiteX0" fmla="*/ 0 w 2106881"/>
+                <a:gd name="connsiteY0" fmla="*/ 0 h 593766"/>
+                <a:gd name="connsiteX1" fmla="*/ 521175 w 2106881"/>
+                <a:gd name="connsiteY1" fmla="*/ 1397 h 593766"/>
+                <a:gd name="connsiteX2" fmla="*/ 1636058 w 2106881"/>
+                <a:gd name="connsiteY2" fmla="*/ 1397 h 593766"/>
+                <a:gd name="connsiteX3" fmla="*/ 2106881 w 2106881"/>
+                <a:gd name="connsiteY3" fmla="*/ 0 h 593766"/>
+                <a:gd name="connsiteX4" fmla="*/ 2106881 w 2106881"/>
+                <a:gd name="connsiteY4" fmla="*/ 593766 h 593766"/>
+                <a:gd name="connsiteX5" fmla="*/ 1010159 w 2106881"/>
+                <a:gd name="connsiteY5" fmla="*/ 593068 h 593766"/>
+                <a:gd name="connsiteX6" fmla="*/ 0 w 2106881"/>
+                <a:gd name="connsiteY6" fmla="*/ 593766 h 593766"/>
+                <a:gd name="connsiteX7" fmla="*/ 0 w 2106881"/>
+                <a:gd name="connsiteY7" fmla="*/ 0 h 593766"/>
+                <a:gd name="connsiteX0" fmla="*/ 0 w 2106881"/>
+                <a:gd name="connsiteY0" fmla="*/ 0 h 593766"/>
+                <a:gd name="connsiteX1" fmla="*/ 521175 w 2106881"/>
+                <a:gd name="connsiteY1" fmla="*/ 1397 h 593766"/>
+                <a:gd name="connsiteX2" fmla="*/ 1636058 w 2106881"/>
+                <a:gd name="connsiteY2" fmla="*/ 1397 h 593766"/>
+                <a:gd name="connsiteX3" fmla="*/ 2106881 w 2106881"/>
+                <a:gd name="connsiteY3" fmla="*/ 0 h 593766"/>
+                <a:gd name="connsiteX4" fmla="*/ 2106881 w 2106881"/>
+                <a:gd name="connsiteY4" fmla="*/ 593766 h 593766"/>
+                <a:gd name="connsiteX5" fmla="*/ 1631169 w 2106881"/>
+                <a:gd name="connsiteY5" fmla="*/ 593068 h 593766"/>
+                <a:gd name="connsiteX6" fmla="*/ 1010159 w 2106881"/>
+                <a:gd name="connsiteY6" fmla="*/ 593068 h 593766"/>
+                <a:gd name="connsiteX7" fmla="*/ 0 w 2106881"/>
+                <a:gd name="connsiteY7" fmla="*/ 593766 h 593766"/>
+                <a:gd name="connsiteX8" fmla="*/ 0 w 2106881"/>
+                <a:gd name="connsiteY8" fmla="*/ 0 h 593766"/>
+                <a:gd name="connsiteX0" fmla="*/ 0 w 2106881"/>
+                <a:gd name="connsiteY0" fmla="*/ 0 h 593766"/>
+                <a:gd name="connsiteX1" fmla="*/ 521175 w 2106881"/>
+                <a:gd name="connsiteY1" fmla="*/ 1397 h 593766"/>
+                <a:gd name="connsiteX2" fmla="*/ 1636058 w 2106881"/>
+                <a:gd name="connsiteY2" fmla="*/ 1397 h 593766"/>
+                <a:gd name="connsiteX3" fmla="*/ 2106881 w 2106881"/>
+                <a:gd name="connsiteY3" fmla="*/ 0 h 593766"/>
+                <a:gd name="connsiteX4" fmla="*/ 2106881 w 2106881"/>
+                <a:gd name="connsiteY4" fmla="*/ 593766 h 593766"/>
+                <a:gd name="connsiteX5" fmla="*/ 1631169 w 2106881"/>
+                <a:gd name="connsiteY5" fmla="*/ 593068 h 593766"/>
+                <a:gd name="connsiteX6" fmla="*/ 1010159 w 2106881"/>
+                <a:gd name="connsiteY6" fmla="*/ 593068 h 593766"/>
+                <a:gd name="connsiteX7" fmla="*/ 428268 w 2106881"/>
+                <a:gd name="connsiteY7" fmla="*/ 588178 h 593766"/>
+                <a:gd name="connsiteX8" fmla="*/ 0 w 2106881"/>
+                <a:gd name="connsiteY8" fmla="*/ 593766 h 593766"/>
+                <a:gd name="connsiteX9" fmla="*/ 0 w 2106881"/>
+                <a:gd name="connsiteY9" fmla="*/ 0 h 593766"/>
+              </a:gdLst>
+              <a:ahLst/>
+              <a:cxnLst>
+                <a:cxn ang="0">
+                  <a:pos x="connsiteX0" y="connsiteY0"/>
+                </a:cxn>
+                <a:cxn ang="0">
+                  <a:pos x="connsiteX1" y="connsiteY1"/>
+                </a:cxn>
+                <a:cxn ang="0">
+                  <a:pos x="connsiteX2" y="connsiteY2"/>
+                </a:cxn>
+                <a:cxn ang="0">
+                  <a:pos x="connsiteX3" y="connsiteY3"/>
+                </a:cxn>
+                <a:cxn ang="0">
+                  <a:pos x="connsiteX4" y="connsiteY4"/>
+                </a:cxn>
+                <a:cxn ang="0">
+                  <a:pos x="connsiteX5" y="connsiteY5"/>
+                </a:cxn>
+                <a:cxn ang="0">
+                  <a:pos x="connsiteX6" y="connsiteY6"/>
+                </a:cxn>
+                <a:cxn ang="0">
+                  <a:pos x="connsiteX7" y="connsiteY7"/>
+                </a:cxn>
+                <a:cxn ang="0">
+                  <a:pos x="connsiteX8" y="connsiteY8"/>
+                </a:cxn>
+                <a:cxn ang="0">
+                  <a:pos x="connsiteX9" y="connsiteY9"/>
+                </a:cxn>
+              </a:cxnLst>
+              <a:rect l="l" t="t" r="r" b="b"/>
+              <a:pathLst>
+                <a:path w="2106881" h="593766">
+                  <a:moveTo>
+                    <a:pt x="0" y="0"/>
+                  </a:moveTo>
+                  <a:lnTo>
+                    <a:pt x="521175" y="1397"/>
+                  </a:lnTo>
+                  <a:lnTo>
+                    <a:pt x="1636058" y="1397"/>
+                  </a:lnTo>
+                  <a:lnTo>
+                    <a:pt x="2106881" y="0"/>
+                  </a:lnTo>
+                  <a:lnTo>
+                    <a:pt x="2106881" y="593766"/>
+                  </a:lnTo>
+                  <a:lnTo>
+                    <a:pt x="1631169" y="593068"/>
+                  </a:lnTo>
+                  <a:lnTo>
+                    <a:pt x="1010159" y="593068"/>
+                  </a:lnTo>
+                  <a:lnTo>
+                    <a:pt x="428268" y="588178"/>
+                  </a:lnTo>
+                  <a:lnTo>
+                    <a:pt x="0" y="593766"/>
+                  </a:lnTo>
+                  <a:lnTo>
+                    <a:pt x="0" y="0"/>
+                  </a:lnTo>
+                  <a:close/>
+                </a:path>
+              </a:pathLst>
+            </a:custGeom>
+            <a:solidFill>
+              <a:schemeClr val="accent1"/>
+            </a:solidFill>
+            <a:ln>
+              <a:solidFill>
+                <a:schemeClr val="tx1">
+                  <a:lumMod val="85000"/>
+                  <a:lumOff val="15000"/>
+                </a:schemeClr>
+              </a:solidFill>
+            </a:ln>
+          </p:spPr>
+          <p:style>
+            <a:lnRef idx="2">
+              <a:schemeClr val="accent1">
+                <a:shade val="50000"/>
+              </a:schemeClr>
+            </a:lnRef>
+            <a:fillRef idx="1">
+              <a:schemeClr val="accent1"/>
+            </a:fillRef>
+            <a:effectRef idx="0">
+              <a:schemeClr val="accent1"/>
+            </a:effectRef>
+            <a:fontRef idx="minor">
+              <a:schemeClr val="lt1"/>
+            </a:fontRef>
+          </p:style>
+          <p:txBody>
+            <a:bodyPr rtlCol="0" anchor="ctr"/>
+            <a:lstStyle/>
+            <a:p>
+              <a:pPr algn="ctr"/>
+              <a:r>
+                <a:rPr lang="en-US" sz="800" dirty="0">
+                  <a:solidFill>
+                    <a:schemeClr val="bg1"/>
+                  </a:solidFill>
+                </a:rPr>
+                <a:t>Validation</a:t>
+              </a:r>
+            </a:p>
+          </p:txBody>
+        </p:sp>
+        <p:cxnSp>
+          <p:nvCxnSpPr>
+            <p:cNvPr id="9" name="Elbow Connector 8">
+              <a:extLst>
+                <a:ext uri="{FF2B5EF4-FFF2-40B4-BE49-F238E27FC236}">
+                  <a16:creationId xmlns:a16="http://schemas.microsoft.com/office/drawing/2014/main" id="{9CAE8B0F-A233-4E43-B0DC-ED11E358A3B9}"/>
+                </a:ext>
+              </a:extLst>
+            </p:cNvPr>
+            <p:cNvCxnSpPr>
+              <a:stCxn id="8" idx="5"/>
+              <a:endCxn id="5" idx="7"/>
+            </p:cNvCxnSpPr>
+            <p:nvPr/>
+          </p:nvCxnSpPr>
+          <p:spPr>
+            <a:xfrm flipH="1" flipV="1">
+              <a:off x="1007380" y="5022689"/>
+              <a:ext cx="4492783" cy="1884"/>
+            </a:xfrm>
+            <a:prstGeom prst="bentConnector5">
+              <a:avLst>
+                <a:gd name="adj1" fmla="val -32"/>
+                <a:gd name="adj2" fmla="val -30402597"/>
+                <a:gd name="adj3" fmla="val 100021"/>
+              </a:avLst>
+            </a:prstGeom>
+            <a:ln w="28575">
+              <a:solidFill>
+                <a:schemeClr val="tx1">
+                  <a:lumMod val="50000"/>
+                  <a:lumOff val="50000"/>
+                </a:schemeClr>
+              </a:solidFill>
+              <a:tailEnd type="triangle"/>
+            </a:ln>
+          </p:spPr>
+          <p:style>
+            <a:lnRef idx="1">
+              <a:schemeClr val="accent1"/>
+            </a:lnRef>
+            <a:fillRef idx="0">
+              <a:schemeClr val="accent1"/>
+            </a:fillRef>
+            <a:effectRef idx="0">
+              <a:schemeClr val="accent1"/>
+            </a:effectRef>
+            <a:fontRef idx="minor">
+              <a:schemeClr val="tx1"/>
+            </a:fontRef>
+          </p:style>
+        </p:cxnSp>
+        <p:cxnSp>
+          <p:nvCxnSpPr>
+            <p:cNvPr id="10" name="Elbow Connector 9">
+              <a:extLst>
+                <a:ext uri="{FF2B5EF4-FFF2-40B4-BE49-F238E27FC236}">
+                  <a16:creationId xmlns:a16="http://schemas.microsoft.com/office/drawing/2014/main" id="{3E8AB9A6-8FDF-7D4A-B0FE-2E8B93EBBCD5}"/>
+                </a:ext>
+              </a:extLst>
+            </p:cNvPr>
+            <p:cNvCxnSpPr>
+              <a:stCxn id="8" idx="6"/>
+              <a:endCxn id="6" idx="6"/>
+            </p:cNvCxnSpPr>
+            <p:nvPr/>
+          </p:nvCxnSpPr>
+          <p:spPr>
+            <a:xfrm flipH="1">
+              <a:off x="2592528" y="5024573"/>
+              <a:ext cx="2607113" cy="4892"/>
+            </a:xfrm>
+            <a:prstGeom prst="bentConnector5">
+              <a:avLst>
+                <a:gd name="adj1" fmla="val -275"/>
+                <a:gd name="adj2" fmla="val 8958748"/>
+                <a:gd name="adj3" fmla="val 99973"/>
+              </a:avLst>
+            </a:prstGeom>
+            <a:ln w="28575">
+              <a:solidFill>
+                <a:schemeClr val="tx1">
+                  <a:lumMod val="50000"/>
+                  <a:lumOff val="50000"/>
+                </a:schemeClr>
+              </a:solidFill>
+              <a:tailEnd type="triangle"/>
+            </a:ln>
+          </p:spPr>
+          <p:style>
+            <a:lnRef idx="1">
+              <a:schemeClr val="accent1"/>
+            </a:lnRef>
+            <a:fillRef idx="0">
+              <a:schemeClr val="accent1"/>
+            </a:fillRef>
+            <a:effectRef idx="0">
+              <a:schemeClr val="accent1"/>
+            </a:effectRef>
+            <a:fontRef idx="minor">
+              <a:schemeClr val="tx1"/>
+            </a:fontRef>
+          </p:style>
+        </p:cxnSp>
+        <p:cxnSp>
+          <p:nvCxnSpPr>
+            <p:cNvPr id="11" name="Elbow Connector 10">
+              <a:extLst>
+                <a:ext uri="{FF2B5EF4-FFF2-40B4-BE49-F238E27FC236}">
+                  <a16:creationId xmlns:a16="http://schemas.microsoft.com/office/drawing/2014/main" id="{B972BB45-A791-3F40-A3E7-8D4110962E20}"/>
+                </a:ext>
+              </a:extLst>
+            </p:cNvPr>
+            <p:cNvCxnSpPr>
+              <a:stCxn id="8" idx="7"/>
+              <a:endCxn id="7" idx="5"/>
+            </p:cNvCxnSpPr>
+            <p:nvPr/>
+          </p:nvCxnSpPr>
+          <p:spPr>
+            <a:xfrm flipH="1">
+              <a:off x="4196607" y="5022689"/>
+              <a:ext cx="721444" cy="1884"/>
+            </a:xfrm>
+            <a:prstGeom prst="bentConnector5">
+              <a:avLst>
+                <a:gd name="adj1" fmla="val 597"/>
+                <a:gd name="adj2" fmla="val 15245930"/>
+                <a:gd name="adj3" fmla="val 99670"/>
+              </a:avLst>
+            </a:prstGeom>
+            <a:ln w="28575">
+              <a:solidFill>
+                <a:schemeClr val="tx1">
+                  <a:lumMod val="50000"/>
+                  <a:lumOff val="50000"/>
+                </a:schemeClr>
+              </a:solidFill>
+              <a:tailEnd type="triangle"/>
+            </a:ln>
+          </p:spPr>
+          <p:style>
+            <a:lnRef idx="1">
+              <a:schemeClr val="accent1"/>
+            </a:lnRef>
+            <a:fillRef idx="0">
+              <a:schemeClr val="accent1"/>
+            </a:fillRef>
+            <a:effectRef idx="0">
+              <a:schemeClr val="accent1"/>
+            </a:effectRef>
+            <a:fontRef idx="minor">
+              <a:schemeClr val="tx1"/>
+            </a:fontRef>
+          </p:style>
+        </p:cxnSp>
+        <p:cxnSp>
+          <p:nvCxnSpPr>
+            <p:cNvPr id="12" name="Elbow Connector 11">
+              <a:extLst>
+                <a:ext uri="{FF2B5EF4-FFF2-40B4-BE49-F238E27FC236}">
+                  <a16:creationId xmlns:a16="http://schemas.microsoft.com/office/drawing/2014/main" id="{2C12625C-9D02-D141-9405-C484D5036028}"/>
+                </a:ext>
+              </a:extLst>
+            </p:cNvPr>
+            <p:cNvCxnSpPr>
+              <a:stCxn id="7" idx="7"/>
+              <a:endCxn id="6" idx="5"/>
+            </p:cNvCxnSpPr>
+            <p:nvPr/>
+          </p:nvCxnSpPr>
+          <p:spPr>
+            <a:xfrm flipH="1">
+              <a:off x="2893050" y="5022689"/>
+              <a:ext cx="721444" cy="1884"/>
+            </a:xfrm>
+            <a:prstGeom prst="bentConnector5">
+              <a:avLst>
+                <a:gd name="adj1" fmla="val -199"/>
+                <a:gd name="adj2" fmla="val 15245930"/>
+                <a:gd name="adj3" fmla="val 99670"/>
+              </a:avLst>
+            </a:prstGeom>
+            <a:ln w="28575">
+              <a:solidFill>
+                <a:schemeClr val="tx1">
+                  <a:lumMod val="50000"/>
+                  <a:lumOff val="50000"/>
+                </a:schemeClr>
+              </a:solidFill>
+              <a:tailEnd type="triangle"/>
+            </a:ln>
+          </p:spPr>
+          <p:style>
+            <a:lnRef idx="1">
+              <a:schemeClr val="accent1"/>
+            </a:lnRef>
+            <a:fillRef idx="0">
+              <a:schemeClr val="accent1"/>
+            </a:fillRef>
+            <a:effectRef idx="0">
+              <a:schemeClr val="accent1"/>
+            </a:effectRef>
+            <a:fontRef idx="minor">
+              <a:schemeClr val="tx1"/>
+            </a:fontRef>
+          </p:style>
+        </p:cxnSp>
+        <p:cxnSp>
+          <p:nvCxnSpPr>
+            <p:cNvPr id="13" name="Elbow Connector 12">
+              <a:extLst>
+                <a:ext uri="{FF2B5EF4-FFF2-40B4-BE49-F238E27FC236}">
+                  <a16:creationId xmlns:a16="http://schemas.microsoft.com/office/drawing/2014/main" id="{2D3311C2-1A4D-FD49-91CF-A10237E5678F}"/>
+                </a:ext>
+              </a:extLst>
+            </p:cNvPr>
+            <p:cNvCxnSpPr/>
+            <p:nvPr/>
+          </p:nvCxnSpPr>
+          <p:spPr>
+            <a:xfrm flipH="1">
+              <a:off x="1589493" y="5022689"/>
+              <a:ext cx="721444" cy="1884"/>
+            </a:xfrm>
+            <a:prstGeom prst="bentConnector5">
+              <a:avLst>
+                <a:gd name="adj1" fmla="val -199"/>
+                <a:gd name="adj2" fmla="val 15245930"/>
+                <a:gd name="adj3" fmla="val 99670"/>
+              </a:avLst>
+            </a:prstGeom>
+            <a:ln w="28575">
+              <a:solidFill>
+                <a:schemeClr val="tx1">
+                  <a:lumMod val="50000"/>
+                  <a:lumOff val="50000"/>
+                </a:schemeClr>
+              </a:solidFill>
+              <a:tailEnd type="triangle"/>
+            </a:ln>
+          </p:spPr>
+          <p:style>
+            <a:lnRef idx="1">
+              <a:schemeClr val="accent1"/>
+            </a:lnRef>
+            <a:fillRef idx="0">
+              <a:schemeClr val="accent1"/>
+            </a:fillRef>
+            <a:effectRef idx="0">
+              <a:schemeClr val="accent1"/>
+            </a:effectRef>
+            <a:fontRef idx="minor">
+              <a:schemeClr val="tx1"/>
+            </a:fontRef>
+          </p:style>
+        </p:cxnSp>
+        <p:sp>
+          <p:nvSpPr>
+            <p:cNvPr id="14" name="TextBox 13">
+              <a:extLst>
+                <a:ext uri="{FF2B5EF4-FFF2-40B4-BE49-F238E27FC236}">
+                  <a16:creationId xmlns:a16="http://schemas.microsoft.com/office/drawing/2014/main" id="{B4BFBE79-1042-2B43-B491-A52D49DD30C2}"/>
+                </a:ext>
+              </a:extLst>
+            </p:cNvPr>
+            <p:cNvSpPr txBox="1"/>
+            <p:nvPr/>
+          </p:nvSpPr>
+          <p:spPr>
+            <a:xfrm>
+              <a:off x="2730563" y="5583234"/>
+              <a:ext cx="1040163" cy="215444"/>
+            </a:xfrm>
+            <a:prstGeom prst="rect">
+              <a:avLst/>
+            </a:prstGeom>
+            <a:noFill/>
+          </p:spPr>
+          <p:txBody>
+            <a:bodyPr wrap="square" rtlCol="0">
+              <a:spAutoFit/>
+            </a:bodyPr>
+            <a:lstStyle/>
+            <a:p>
+              <a:pPr algn="ctr"/>
+              <a:r>
+                <a:rPr lang="en-US" sz="800" dirty="0"/>
+                <a:t>confirm and correct</a:t>
+              </a:r>
+            </a:p>
+          </p:txBody>
+        </p:sp>
+        <p:sp>
+          <p:nvSpPr>
+            <p:cNvPr id="15" name="TextBox 14">
+              <a:extLst>
+                <a:ext uri="{FF2B5EF4-FFF2-40B4-BE49-F238E27FC236}">
+                  <a16:creationId xmlns:a16="http://schemas.microsoft.com/office/drawing/2014/main" id="{9D89A8C4-5445-2F46-AC64-7134D2D2921F}"/>
+                </a:ext>
+              </a:extLst>
+            </p:cNvPr>
+            <p:cNvSpPr txBox="1"/>
+            <p:nvPr/>
+          </p:nvSpPr>
+          <p:spPr>
+            <a:xfrm>
+              <a:off x="1693118" y="5080530"/>
+              <a:ext cx="514194" cy="215444"/>
+            </a:xfrm>
+            <a:prstGeom prst="rect">
+              <a:avLst/>
+            </a:prstGeom>
+            <a:noFill/>
+          </p:spPr>
+          <p:txBody>
+            <a:bodyPr wrap="square" rtlCol="0">
+              <a:spAutoFit/>
+            </a:bodyPr>
+            <a:lstStyle/>
+            <a:p>
+              <a:pPr algn="ctr"/>
+              <a:r>
+                <a:rPr lang="en-US" sz="800" dirty="0"/>
+                <a:t>clarify</a:t>
+              </a:r>
+            </a:p>
+          </p:txBody>
+        </p:sp>
+        <p:sp>
+          <p:nvSpPr>
+            <p:cNvPr id="16" name="TextBox 15">
+              <a:extLst>
+                <a:ext uri="{FF2B5EF4-FFF2-40B4-BE49-F238E27FC236}">
+                  <a16:creationId xmlns:a16="http://schemas.microsoft.com/office/drawing/2014/main" id="{D2E496E7-CDD7-4C45-9093-424AD0FF9CC4}"/>
+                </a:ext>
+              </a:extLst>
+            </p:cNvPr>
+            <p:cNvSpPr txBox="1"/>
+            <p:nvPr/>
+          </p:nvSpPr>
+          <p:spPr>
+            <a:xfrm>
+              <a:off x="2946004" y="5090905"/>
+              <a:ext cx="632143" cy="215444"/>
+            </a:xfrm>
+            <a:prstGeom prst="rect">
+              <a:avLst/>
+            </a:prstGeom>
+            <a:noFill/>
+          </p:spPr>
+          <p:txBody>
+            <a:bodyPr wrap="square" rtlCol="0">
+              <a:spAutoFit/>
+            </a:bodyPr>
+            <a:lstStyle/>
+            <a:p>
+              <a:pPr algn="ctr"/>
+              <a:r>
+                <a:rPr lang="en-US" sz="800" dirty="0"/>
+                <a:t>close gaps</a:t>
+              </a:r>
+            </a:p>
+          </p:txBody>
+        </p:sp>
+        <p:sp>
+          <p:nvSpPr>
+            <p:cNvPr id="17" name="TextBox 16">
+              <a:extLst>
+                <a:ext uri="{FF2B5EF4-FFF2-40B4-BE49-F238E27FC236}">
+                  <a16:creationId xmlns:a16="http://schemas.microsoft.com/office/drawing/2014/main" id="{4E33D9B9-FD46-D74E-B1AB-2936D5B8A02A}"/>
+                </a:ext>
+              </a:extLst>
+            </p:cNvPr>
+            <p:cNvSpPr txBox="1"/>
+            <p:nvPr/>
+          </p:nvSpPr>
+          <p:spPr>
+            <a:xfrm>
+              <a:off x="4288400" y="5080530"/>
+              <a:ext cx="505714" cy="215444"/>
+            </a:xfrm>
+            <a:prstGeom prst="rect">
+              <a:avLst/>
+            </a:prstGeom>
+            <a:noFill/>
+          </p:spPr>
+          <p:txBody>
+            <a:bodyPr wrap="square" rtlCol="0">
+              <a:spAutoFit/>
+            </a:bodyPr>
+            <a:lstStyle/>
+            <a:p>
+              <a:pPr algn="ctr"/>
+              <a:r>
+                <a:rPr lang="en-US" sz="800" dirty="0"/>
+                <a:t>rewrite</a:t>
+              </a:r>
+            </a:p>
+          </p:txBody>
+        </p:sp>
+        <p:sp>
+          <p:nvSpPr>
+            <p:cNvPr id="18" name="TextBox 17">
+              <a:extLst>
+                <a:ext uri="{FF2B5EF4-FFF2-40B4-BE49-F238E27FC236}">
+                  <a16:creationId xmlns:a16="http://schemas.microsoft.com/office/drawing/2014/main" id="{7B0826AB-287C-314C-A0D6-56FDCA85372E}"/>
+                </a:ext>
+              </a:extLst>
+            </p:cNvPr>
+            <p:cNvSpPr txBox="1"/>
+            <p:nvPr/>
+          </p:nvSpPr>
+          <p:spPr>
+            <a:xfrm>
+              <a:off x="3549820" y="5295974"/>
+              <a:ext cx="692528" cy="215444"/>
+            </a:xfrm>
+            <a:prstGeom prst="rect">
+              <a:avLst/>
+            </a:prstGeom>
+            <a:noFill/>
+          </p:spPr>
+          <p:txBody>
+            <a:bodyPr wrap="square" rtlCol="0">
+              <a:spAutoFit/>
+            </a:bodyPr>
+            <a:lstStyle/>
+            <a:p>
+              <a:pPr algn="ctr"/>
+              <a:r>
+                <a:rPr lang="en-US" sz="800" dirty="0"/>
+                <a:t>reevaluate</a:t>
+              </a:r>
+            </a:p>
+          </p:txBody>
+        </p:sp>
+      </p:grpSp>
+    </p:spTree>
+    <p:extLst>
+      <p:ext uri="{BB962C8B-B14F-4D97-AF65-F5344CB8AC3E}">
+        <p14:creationId xmlns:p14="http://schemas.microsoft.com/office/powerpoint/2010/main" val="2679237590"/>
+      </p:ext>
+    </p:extLst>
+  </p:cSld>
+  <p:clrMapOvr>
+    <a:masterClrMapping/>
+  </p:clrMapOvr>
+</p:sld>
+</file>
+
+<file path=ppt/slides/slide25.xml><?xml version="1.0" encoding="utf-8"?>
+<p:sld xmlns:a="http://schemas.openxmlformats.org/drawingml/2006/main" xmlns:r="http://schemas.openxmlformats.org/officeDocument/2006/relationships" xmlns:p="http://schemas.openxmlformats.org/presentationml/2006/main">
+  <p:cSld>
+    <p:spTree>
+      <p:nvGrpSpPr>
+        <p:cNvPr id="1" name=""/>
+        <p:cNvGrpSpPr/>
+        <p:nvPr/>
+      </p:nvGrpSpPr>
+      <p:grpSpPr>
+        <a:xfrm>
+          <a:off x="0" y="0"/>
+          <a:ext cx="0" cy="0"/>
+          <a:chOff x="0" y="0"/>
+          <a:chExt cx="0" cy="0"/>
+        </a:xfrm>
+      </p:grpSpPr>
+      <p:sp>
+        <p:nvSpPr>
+          <p:cNvPr id="4" name="Title 3">
+            <a:extLst>
+              <a:ext uri="{FF2B5EF4-FFF2-40B4-BE49-F238E27FC236}">
+                <a16:creationId xmlns:a16="http://schemas.microsoft.com/office/drawing/2014/main" id="{8E0281F5-E7FE-E64E-884E-3CD2098EB74B}"/>
+              </a:ext>
+            </a:extLst>
+          </p:cNvPr>
+          <p:cNvSpPr>
+            <a:spLocks noGrp="1"/>
+          </p:cNvSpPr>
+          <p:nvPr>
+            <p:ph type="title"/>
+          </p:nvPr>
+        </p:nvSpPr>
+        <p:spPr/>
+        <p:txBody>
+          <a:bodyPr/>
+          <a:lstStyle/>
+          <a:p>
+            <a:r>
+              <a:rPr lang="en-US" dirty="0"/>
+              <a:t>Making sure it’s all good</a:t>
+            </a:r>
+          </a:p>
+        </p:txBody>
+      </p:sp>
+      <p:sp>
+        <p:nvSpPr>
+          <p:cNvPr id="5" name="Content Placeholder 4">
+            <a:extLst>
+              <a:ext uri="{FF2B5EF4-FFF2-40B4-BE49-F238E27FC236}">
+                <a16:creationId xmlns:a16="http://schemas.microsoft.com/office/drawing/2014/main" id="{21B4CB1A-E073-A540-97F4-FDA477A647C4}"/>
+              </a:ext>
+            </a:extLst>
+          </p:cNvPr>
+          <p:cNvSpPr>
+            <a:spLocks noGrp="1"/>
+          </p:cNvSpPr>
+          <p:nvPr>
+            <p:ph idx="1"/>
+          </p:nvPr>
+        </p:nvSpPr>
+        <p:spPr/>
+        <p:txBody>
+          <a:bodyPr/>
+          <a:lstStyle/>
+          <a:p>
+            <a:pPr marL="0" indent="0">
+              <a:buNone/>
+            </a:pPr>
+            <a:r>
+              <a:rPr lang="en-US" dirty="0"/>
+              <a:t>We’re about to verify that we have the </a:t>
+            </a:r>
+            <a:r>
+              <a:rPr lang="en-US" i="1" dirty="0"/>
+              <a:t>correct</a:t>
+            </a:r>
+            <a:r>
+              <a:rPr lang="en-US" dirty="0"/>
+              <a:t> requirements</a:t>
+            </a:r>
+          </a:p>
+          <a:p>
+            <a:pPr marL="0" indent="0">
+              <a:buNone/>
+            </a:pPr>
+            <a:r>
+              <a:rPr lang="en-US" dirty="0"/>
+              <a:t>You want to make sure they match the quality attributes</a:t>
+            </a:r>
+          </a:p>
+          <a:p>
+            <a:pPr marL="0" indent="0" algn="r">
+              <a:buNone/>
+            </a:pPr>
+            <a:r>
+              <a:rPr lang="en-US" dirty="0"/>
+              <a:t>…and that the quality attributes support the requirements</a:t>
+            </a:r>
+          </a:p>
+          <a:p>
+            <a:pPr marL="0" indent="0">
+              <a:buNone/>
+            </a:pPr>
+            <a:r>
+              <a:rPr lang="en-US" dirty="0"/>
+              <a:t>Double and triple check that these </a:t>
+            </a:r>
+            <a:r>
+              <a:rPr lang="en-US" i="1" dirty="0"/>
+              <a:t>meet the customer needs</a:t>
+            </a:r>
+            <a:endParaRPr lang="en-US" dirty="0"/>
+          </a:p>
+          <a:p>
+            <a:pPr marL="0" indent="0">
+              <a:buNone/>
+            </a:pPr>
+            <a:r>
+              <a:rPr lang="en-US" dirty="0"/>
+              <a:t>The correct your assumptions, definitions, and everything else</a:t>
+            </a:r>
+          </a:p>
+        </p:txBody>
+      </p:sp>
+    </p:spTree>
+    <p:extLst>
+      <p:ext uri="{BB962C8B-B14F-4D97-AF65-F5344CB8AC3E}">
+        <p14:creationId xmlns:p14="http://schemas.microsoft.com/office/powerpoint/2010/main" val="2015744839"/>
+      </p:ext>
+    </p:extLst>
+  </p:cSld>
+  <p:clrMapOvr>
+    <a:masterClrMapping/>
+  </p:clrMapOvr>
+</p:sld>
+</file>
+
+<file path=ppt/slides/slide26.xml><?xml version="1.0" encoding="utf-8"?>
+<p:sld xmlns:a="http://schemas.openxmlformats.org/drawingml/2006/main" xmlns:r="http://schemas.openxmlformats.org/officeDocument/2006/relationships" xmlns:p="http://schemas.openxmlformats.org/presentationml/2006/main">
+  <p:cSld>
+    <p:spTree>
+      <p:nvGrpSpPr>
+        <p:cNvPr id="1" name=""/>
+        <p:cNvGrpSpPr/>
+        <p:nvPr/>
+      </p:nvGrpSpPr>
+      <p:grpSpPr>
+        <a:xfrm>
+          <a:off x="0" y="0"/>
+          <a:ext cx="0" cy="0"/>
+          <a:chOff x="0" y="0"/>
+          <a:chExt cx="0" cy="0"/>
+        </a:xfrm>
+      </p:grpSpPr>
+      <p:sp>
+        <p:nvSpPr>
+          <p:cNvPr id="2" name="Title 1">
+            <a:extLst>
+              <a:ext uri="{FF2B5EF4-FFF2-40B4-BE49-F238E27FC236}">
+                <a16:creationId xmlns:a16="http://schemas.microsoft.com/office/drawing/2014/main" id="{2169B027-A5B7-7E4F-95C4-AC649BE013C0}"/>
+              </a:ext>
+            </a:extLst>
+          </p:cNvPr>
+          <p:cNvSpPr>
+            <a:spLocks noGrp="1"/>
+          </p:cNvSpPr>
+          <p:nvPr>
+            <p:ph type="title"/>
+          </p:nvPr>
+        </p:nvSpPr>
+        <p:spPr/>
+        <p:txBody>
+          <a:bodyPr/>
+          <a:lstStyle/>
+          <a:p>
+            <a:r>
+              <a:rPr lang="en-US" dirty="0"/>
+              <a:t>Some more good practices</a:t>
+            </a:r>
+          </a:p>
+        </p:txBody>
+      </p:sp>
+      <p:sp>
+        <p:nvSpPr>
+          <p:cNvPr id="3" name="Content Placeholder 2">
+            <a:extLst>
+              <a:ext uri="{FF2B5EF4-FFF2-40B4-BE49-F238E27FC236}">
+                <a16:creationId xmlns:a16="http://schemas.microsoft.com/office/drawing/2014/main" id="{F513CF64-F196-BC4E-A33B-50A8F9375E2B}"/>
+              </a:ext>
+            </a:extLst>
+          </p:cNvPr>
+          <p:cNvSpPr>
+            <a:spLocks noGrp="1"/>
+          </p:cNvSpPr>
+          <p:nvPr>
+            <p:ph idx="1"/>
+          </p:nvPr>
+        </p:nvSpPr>
+        <p:spPr/>
+        <p:txBody>
+          <a:bodyPr/>
+          <a:lstStyle/>
+          <a:p>
+            <a:pPr marL="0" indent="0">
+              <a:buNone/>
+            </a:pPr>
+            <a:r>
+              <a:rPr lang="en-US" dirty="0"/>
+              <a:t>Review, review, review, review the requirements</a:t>
+            </a:r>
+          </a:p>
+          <a:p>
+            <a:pPr marL="0" indent="0">
+              <a:buNone/>
+            </a:pPr>
+            <a:r>
+              <a:rPr lang="en-US" dirty="0"/>
+              <a:t>Test the requirements against the user understanding</a:t>
+            </a:r>
+          </a:p>
+          <a:p>
+            <a:pPr marL="0" indent="0">
+              <a:buNone/>
+            </a:pPr>
+            <a:r>
+              <a:rPr lang="en-US" dirty="0"/>
+              <a:t>Actually write the tests (yes, Virginia, TTD can work)</a:t>
+            </a:r>
+          </a:p>
+          <a:p>
+            <a:pPr marL="0" indent="0">
+              <a:buNone/>
+            </a:pPr>
+            <a:r>
+              <a:rPr lang="en-US" dirty="0"/>
+              <a:t>Define acceptance criteria, and attempt to agree to them</a:t>
+            </a:r>
+          </a:p>
+          <a:p>
+            <a:pPr marL="0" indent="0">
+              <a:buNone/>
+            </a:pPr>
+            <a:r>
+              <a:rPr lang="en-US" dirty="0"/>
+              <a:t>Simulate the requirements</a:t>
+            </a:r>
+          </a:p>
+          <a:p>
+            <a:pPr marL="0" indent="0" algn="r">
+              <a:buNone/>
+            </a:pPr>
+            <a:r>
+              <a:rPr lang="en-US" dirty="0"/>
+              <a:t>Which is a fancy way to say build an inexpensive mock </a:t>
+            </a:r>
+            <a:r>
+              <a:rPr lang="en-US"/>
+              <a:t>of the system</a:t>
+            </a:r>
+          </a:p>
+        </p:txBody>
+      </p:sp>
+    </p:spTree>
+    <p:extLst>
+      <p:ext uri="{BB962C8B-B14F-4D97-AF65-F5344CB8AC3E}">
+        <p14:creationId xmlns:p14="http://schemas.microsoft.com/office/powerpoint/2010/main" val="2380343092"/>
+      </p:ext>
+    </p:extLst>
+  </p:cSld>
+  <p:clrMapOvr>
+    <a:masterClrMapping/>
+  </p:clrMapOvr>
+</p:sld>
+</file>
+
+<file path=ppt/slides/slide27.xml><?xml version="1.0" encoding="utf-8"?>
+<p:sld xmlns:a="http://schemas.openxmlformats.org/drawingml/2006/main" xmlns:r="http://schemas.openxmlformats.org/officeDocument/2006/relationships" xmlns:p="http://schemas.openxmlformats.org/presentationml/2006/main">
+  <p:cSld>
+    <p:spTree>
+      <p:nvGrpSpPr>
+        <p:cNvPr id="1" name=""/>
+        <p:cNvGrpSpPr/>
+        <p:nvPr/>
+      </p:nvGrpSpPr>
+      <p:grpSpPr>
+        <a:xfrm>
+          <a:off x="0" y="0"/>
+          <a:ext cx="0" cy="0"/>
+          <a:chOff x="0" y="0"/>
+          <a:chExt cx="0" cy="0"/>
+        </a:xfrm>
+      </p:grpSpPr>
+      <p:sp>
+        <p:nvSpPr>
+          <p:cNvPr id="2" name="Title 1"/>
+          <p:cNvSpPr>
+            <a:spLocks noGrp="1"/>
+          </p:cNvSpPr>
+          <p:nvPr>
+            <p:ph type="title"/>
+          </p:nvPr>
+        </p:nvSpPr>
+        <p:spPr/>
+        <p:txBody>
+          <a:bodyPr/>
+          <a:lstStyle/>
+          <a:p>
+            <a:r>
+              <a:rPr lang="en-US"/>
+              <a:t>For next week</a:t>
+            </a:r>
+            <a:endParaRPr lang="en-US" dirty="0"/>
+          </a:p>
+        </p:txBody>
+      </p:sp>
+      <p:sp>
+        <p:nvSpPr>
+          <p:cNvPr id="3" name="Content Placeholder 2"/>
+          <p:cNvSpPr>
+            <a:spLocks noGrp="1"/>
+          </p:cNvSpPr>
+          <p:nvPr>
+            <p:ph idx="1"/>
+          </p:nvPr>
+        </p:nvSpPr>
+        <p:spPr/>
+        <p:txBody>
+          <a:bodyPr/>
+          <a:lstStyle/>
+          <a:p>
+            <a:pPr marL="0" indent="0">
+              <a:buNone/>
+            </a:pPr>
+            <a:endParaRPr lang="en-US" dirty="0"/>
+          </a:p>
+          <a:p>
+            <a:pPr marL="0" indent="0">
+              <a:buNone/>
+            </a:pPr>
+            <a:r>
+              <a:rPr lang="en-US" dirty="0"/>
+              <a:t>Read</a:t>
+            </a:r>
+          </a:p>
+          <a:p>
+            <a:pPr marL="0" indent="0">
+              <a:buNone/>
+            </a:pPr>
+            <a:r>
+              <a:rPr lang="en-US" dirty="0"/>
+              <a:t>Issues In Requirements Elicitation</a:t>
+            </a:r>
+          </a:p>
+          <a:p>
+            <a:pPr marL="457200" lvl="1" indent="0">
+              <a:buNone/>
+            </a:pPr>
+            <a:r>
+              <a:rPr lang="en-US" dirty="0">
+                <a:hlinkClick r:id="rId2"/>
+              </a:rPr>
+              <a:t>https://resources.sei.cmu.edu/asset_files/TechnicalReport/1992_005_001_16478.pdf</a:t>
+            </a:r>
+            <a:endParaRPr lang="en-US" dirty="0"/>
+          </a:p>
+          <a:p>
+            <a:pPr marL="0" indent="0">
+              <a:buNone/>
+            </a:pPr>
+            <a:r>
+              <a:rPr lang="en-US" dirty="0"/>
+              <a:t>A Practical Guide to Requirements Elicitation</a:t>
+            </a:r>
+          </a:p>
+          <a:p>
+            <a:pPr marL="457200" lvl="1" indent="0">
+              <a:buNone/>
+            </a:pPr>
+            <a:r>
+              <a:rPr lang="en-US" dirty="0">
+                <a:hlinkClick r:id="rId3"/>
+              </a:rPr>
+              <a:t>http://idosi.org/mejsr/mejsr11(8)12/10.pdf</a:t>
+            </a:r>
+            <a:endParaRPr lang="en-US" dirty="0"/>
+          </a:p>
+          <a:p>
+            <a:pPr marL="0" indent="0">
+              <a:buNone/>
+            </a:pPr>
+            <a:endParaRPr lang="en-US" dirty="0"/>
+          </a:p>
+        </p:txBody>
+      </p:sp>
+    </p:spTree>
+    <p:extLst>
+      <p:ext uri="{BB962C8B-B14F-4D97-AF65-F5344CB8AC3E}">
+        <p14:creationId xmlns:p14="http://schemas.microsoft.com/office/powerpoint/2010/main" val="1558986522"/>
       </p:ext>
     </p:extLst>
   </p:cSld>

--- a/lectures/Elicitation.pptx
+++ b/lectures/Elicitation.pptx
@@ -154,7 +154,7 @@
   <pc:docChgLst>
     <pc:chgData name="Michaeljon Miller" userId="c575fe5cddd8b8cf" providerId="LiveId" clId="{4F588510-D35B-8E48-87A9-C94FB4467BFD}"/>
     <pc:docChg chg="undo custSel addSld modSld">
-      <pc:chgData name="Michaeljon Miller" userId="c575fe5cddd8b8cf" providerId="LiveId" clId="{4F588510-D35B-8E48-87A9-C94FB4467BFD}" dt="2018-10-11T00:53:38.750" v="3662" actId="20577"/>
+      <pc:chgData name="Michaeljon Miller" userId="c575fe5cddd8b8cf" providerId="LiveId" clId="{4F588510-D35B-8E48-87A9-C94FB4467BFD}" dt="2018-10-14T14:30:31.171" v="3674" actId="20577"/>
       <pc:docMkLst>
         <pc:docMk/>
       </pc:docMkLst>
@@ -362,7 +362,7 @@
         </pc:spChg>
       </pc:sldChg>
       <pc:sldChg chg="modSp modAnim">
-        <pc:chgData name="Michaeljon Miller" userId="c575fe5cddd8b8cf" providerId="LiveId" clId="{4F588510-D35B-8E48-87A9-C94FB4467BFD}" dt="2018-10-11T00:41:05.320" v="1910" actId="13822"/>
+        <pc:chgData name="Michaeljon Miller" userId="c575fe5cddd8b8cf" providerId="LiveId" clId="{4F588510-D35B-8E48-87A9-C94FB4467BFD}" dt="2018-10-14T14:30:31.171" v="3674" actId="20577"/>
         <pc:sldMkLst>
           <pc:docMk/>
           <pc:sldMk cId="1029403735" sldId="299"/>
@@ -405,6 +405,14 @@
             <pc:docMk/>
             <pc:sldMk cId="1029403735" sldId="299"/>
             <ac:spMk id="9" creationId="{00000000-0000-0000-0000-000000000000}"/>
+          </ac:spMkLst>
+        </pc:spChg>
+        <pc:spChg chg="mod">
+          <ac:chgData name="Michaeljon Miller" userId="c575fe5cddd8b8cf" providerId="LiveId" clId="{4F588510-D35B-8E48-87A9-C94FB4467BFD}" dt="2018-10-14T14:30:31.171" v="3674" actId="20577"/>
+          <ac:spMkLst>
+            <pc:docMk/>
+            <pc:sldMk cId="1029403735" sldId="299"/>
+            <ac:spMk id="33" creationId="{00000000-0000-0000-0000-000000000000}"/>
           </ac:spMkLst>
         </pc:spChg>
       </pc:sldChg>
@@ -931,7 +939,7 @@
           <a:p>
             <a:fld id="{339F7D39-C0A6-FE4D-ACB4-D996C221FDD6}" type="datetimeFigureOut">
               <a:rPr lang="en-US" smtClean="0"/>
-              <a:t>10/7/18</a:t>
+              <a:t>10/14/18</a:t>
             </a:fld>
             <a:endParaRPr lang="en-US"/>
           </a:p>
@@ -1327,7 +1335,7 @@
           <a:p>
             <a:fld id="{F3487D90-B7F6-BF4B-819F-FA7E350C977E}" type="datetimeFigureOut">
               <a:rPr lang="en-US" smtClean="0"/>
-              <a:t>10/7/18</a:t>
+              <a:t>10/14/18</a:t>
             </a:fld>
             <a:endParaRPr lang="en-US"/>
           </a:p>
@@ -1495,7 +1503,7 @@
           <a:p>
             <a:fld id="{F3487D90-B7F6-BF4B-819F-FA7E350C977E}" type="datetimeFigureOut">
               <a:rPr lang="en-US" smtClean="0"/>
-              <a:t>10/7/18</a:t>
+              <a:t>10/14/18</a:t>
             </a:fld>
             <a:endParaRPr lang="en-US"/>
           </a:p>
@@ -1673,7 +1681,7 @@
           <a:p>
             <a:fld id="{F3487D90-B7F6-BF4B-819F-FA7E350C977E}" type="datetimeFigureOut">
               <a:rPr lang="en-US" smtClean="0"/>
-              <a:t>10/7/18</a:t>
+              <a:t>10/14/18</a:t>
             </a:fld>
             <a:endParaRPr lang="en-US"/>
           </a:p>
@@ -1841,7 +1849,7 @@
           <a:p>
             <a:fld id="{F3487D90-B7F6-BF4B-819F-FA7E350C977E}" type="datetimeFigureOut">
               <a:rPr lang="en-US" smtClean="0"/>
-              <a:t>10/7/18</a:t>
+              <a:t>10/14/18</a:t>
             </a:fld>
             <a:endParaRPr lang="en-US"/>
           </a:p>
@@ -2086,7 +2094,7 @@
           <a:p>
             <a:fld id="{F3487D90-B7F6-BF4B-819F-FA7E350C977E}" type="datetimeFigureOut">
               <a:rPr lang="en-US" smtClean="0"/>
-              <a:t>10/7/18</a:t>
+              <a:t>10/14/18</a:t>
             </a:fld>
             <a:endParaRPr lang="en-US"/>
           </a:p>
@@ -2315,7 +2323,7 @@
           <a:p>
             <a:fld id="{F3487D90-B7F6-BF4B-819F-FA7E350C977E}" type="datetimeFigureOut">
               <a:rPr lang="en-US" smtClean="0"/>
-              <a:t>10/7/18</a:t>
+              <a:t>10/14/18</a:t>
             </a:fld>
             <a:endParaRPr lang="en-US"/>
           </a:p>
@@ -2679,7 +2687,7 @@
           <a:p>
             <a:fld id="{F3487D90-B7F6-BF4B-819F-FA7E350C977E}" type="datetimeFigureOut">
               <a:rPr lang="en-US" smtClean="0"/>
-              <a:t>10/7/18</a:t>
+              <a:t>10/14/18</a:t>
             </a:fld>
             <a:endParaRPr lang="en-US"/>
           </a:p>
@@ -2796,7 +2804,7 @@
           <a:p>
             <a:fld id="{F3487D90-B7F6-BF4B-819F-FA7E350C977E}" type="datetimeFigureOut">
               <a:rPr lang="en-US" smtClean="0"/>
-              <a:t>10/7/18</a:t>
+              <a:t>10/14/18</a:t>
             </a:fld>
             <a:endParaRPr lang="en-US"/>
           </a:p>
@@ -2891,7 +2899,7 @@
           <a:p>
             <a:fld id="{F3487D90-B7F6-BF4B-819F-FA7E350C977E}" type="datetimeFigureOut">
               <a:rPr lang="en-US" smtClean="0"/>
-              <a:t>10/7/18</a:t>
+              <a:t>10/14/18</a:t>
             </a:fld>
             <a:endParaRPr lang="en-US"/>
           </a:p>
@@ -3166,7 +3174,7 @@
           <a:p>
             <a:fld id="{F3487D90-B7F6-BF4B-819F-FA7E350C977E}" type="datetimeFigureOut">
               <a:rPr lang="en-US" smtClean="0"/>
-              <a:t>10/7/18</a:t>
+              <a:t>10/14/18</a:t>
             </a:fld>
             <a:endParaRPr lang="en-US"/>
           </a:p>
@@ -3418,7 +3426,7 @@
           <a:p>
             <a:fld id="{F3487D90-B7F6-BF4B-819F-FA7E350C977E}" type="datetimeFigureOut">
               <a:rPr lang="en-US" smtClean="0"/>
-              <a:t>10/7/18</a:t>
+              <a:t>10/14/18</a:t>
             </a:fld>
             <a:endParaRPr lang="en-US"/>
           </a:p>
@@ -3629,7 +3637,7 @@
           <a:p>
             <a:fld id="{F3487D90-B7F6-BF4B-819F-FA7E350C977E}" type="datetimeFigureOut">
               <a:rPr lang="en-US" smtClean="0"/>
-              <a:t>10/7/18</a:t>
+              <a:t>10/14/18</a:t>
             </a:fld>
             <a:endParaRPr lang="en-US"/>
           </a:p>
@@ -8108,8 +8116,8 @@
           <a:lstStyle/>
           <a:p>
             <a:r>
-              <a:rPr lang="en-US"/>
-              <a:t>conversations</a:t>
+              <a:rPr lang="en-US" dirty="0"/>
+              <a:t>confirmation</a:t>
             </a:r>
           </a:p>
         </p:txBody>
